--- a/paper/brain_oct_figures.pptx
+++ b/paper/brain_oct_figures.pptx
@@ -115,13 +115,109 @@
 <file path=ppt/revisionInfo.xml><?xml version="1.0" encoding="utf-8"?>
 <p1510:revInfo xmlns:a="http://schemas.openxmlformats.org/drawingml/2006/main" xmlns:r="http://schemas.openxmlformats.org/officeDocument/2006/relationships" xmlns:p1510="http://schemas.microsoft.com/office/powerpoint/2015/10/main">
   <p1510:revLst>
-    <p1510:client id="{DC11DB68-B651-4CA7-9162-D734C573DBF7}" v="1" dt="2022-10-09T07:12:24.609"/>
+    <p1510:client id="{874FDC90-6EF9-4A4A-8381-BAE0FDDF6B6B}" v="1" dt="2022-11-21T05:09:32.952"/>
   </p1510:revLst>
 </p1510:revInfo>
 </file>
 
 <file path=ppt/changesInfos/changesInfo1.xml><?xml version="1.0" encoding="utf-8"?>
 <pc:chgInfo xmlns:a="http://schemas.openxmlformats.org/drawingml/2006/main" xmlns:r="http://schemas.openxmlformats.org/officeDocument/2006/relationships" xmlns:ac="http://schemas.microsoft.com/office/drawing/2013/main/command" xmlns:pc="http://schemas.microsoft.com/office/powerpoint/2013/main/command">
+  <pc:docChgLst>
+    <pc:chgData name="ShuangHeng Wang" userId="a5b42002-4dd7-4474-8229-3ae96bc36a47" providerId="ADAL" clId="{874FDC90-6EF9-4A4A-8381-BAE0FDDF6B6B}"/>
+    <pc:docChg chg="modSld">
+      <pc:chgData name="ShuangHeng Wang" userId="a5b42002-4dd7-4474-8229-3ae96bc36a47" providerId="ADAL" clId="{874FDC90-6EF9-4A4A-8381-BAE0FDDF6B6B}" dt="2022-11-21T05:09:32.951" v="10" actId="164"/>
+      <pc:docMkLst>
+        <pc:docMk/>
+      </pc:docMkLst>
+      <pc:sldChg chg="addSp modSp mod">
+        <pc:chgData name="ShuangHeng Wang" userId="a5b42002-4dd7-4474-8229-3ae96bc36a47" providerId="ADAL" clId="{874FDC90-6EF9-4A4A-8381-BAE0FDDF6B6B}" dt="2022-11-21T05:09:32.951" v="10" actId="164"/>
+        <pc:sldMkLst>
+          <pc:docMk/>
+          <pc:sldMk cId="4236417811" sldId="256"/>
+        </pc:sldMkLst>
+        <pc:spChg chg="mod">
+          <ac:chgData name="ShuangHeng Wang" userId="a5b42002-4dd7-4474-8229-3ae96bc36a47" providerId="ADAL" clId="{874FDC90-6EF9-4A4A-8381-BAE0FDDF6B6B}" dt="2022-11-21T05:09:32.951" v="10" actId="164"/>
+          <ac:spMkLst>
+            <pc:docMk/>
+            <pc:sldMk cId="4236417811" sldId="256"/>
+            <ac:spMk id="19" creationId="{6D5AFC49-B135-7DEB-03A2-1C95B0C4F562}"/>
+          </ac:spMkLst>
+        </pc:spChg>
+        <pc:spChg chg="mod">
+          <ac:chgData name="ShuangHeng Wang" userId="a5b42002-4dd7-4474-8229-3ae96bc36a47" providerId="ADAL" clId="{874FDC90-6EF9-4A4A-8381-BAE0FDDF6B6B}" dt="2022-11-20T17:08:51.755" v="9" actId="20577"/>
+          <ac:spMkLst>
+            <pc:docMk/>
+            <pc:sldMk cId="4236417811" sldId="256"/>
+            <ac:spMk id="348" creationId="{EE442574-0A38-0FE6-153A-4C0BBD0839AE}"/>
+          </ac:spMkLst>
+        </pc:spChg>
+        <pc:spChg chg="mod">
+          <ac:chgData name="ShuangHeng Wang" userId="a5b42002-4dd7-4474-8229-3ae96bc36a47" providerId="ADAL" clId="{874FDC90-6EF9-4A4A-8381-BAE0FDDF6B6B}" dt="2022-11-20T17:08:01.990" v="7" actId="1037"/>
+          <ac:spMkLst>
+            <pc:docMk/>
+            <pc:sldMk cId="4236417811" sldId="256"/>
+            <ac:spMk id="391" creationId="{247326ED-3D70-4EC1-F7B8-1AEAE8A2BD3F}"/>
+          </ac:spMkLst>
+        </pc:spChg>
+        <pc:spChg chg="mod">
+          <ac:chgData name="ShuangHeng Wang" userId="a5b42002-4dd7-4474-8229-3ae96bc36a47" providerId="ADAL" clId="{874FDC90-6EF9-4A4A-8381-BAE0FDDF6B6B}" dt="2022-11-21T05:09:32.951" v="10" actId="164"/>
+          <ac:spMkLst>
+            <pc:docMk/>
+            <pc:sldMk cId="4236417811" sldId="256"/>
+            <ac:spMk id="405" creationId="{01B56A24-28C9-25A4-D021-F14386817B28}"/>
+          </ac:spMkLst>
+        </pc:spChg>
+        <pc:spChg chg="mod">
+          <ac:chgData name="ShuangHeng Wang" userId="a5b42002-4dd7-4474-8229-3ae96bc36a47" providerId="ADAL" clId="{874FDC90-6EF9-4A4A-8381-BAE0FDDF6B6B}" dt="2022-11-21T05:09:32.951" v="10" actId="164"/>
+          <ac:spMkLst>
+            <pc:docMk/>
+            <pc:sldMk cId="4236417811" sldId="256"/>
+            <ac:spMk id="419" creationId="{1F7A742B-8EEE-610E-D476-22349B9E6282}"/>
+          </ac:spMkLst>
+        </pc:spChg>
+        <pc:spChg chg="mod">
+          <ac:chgData name="ShuangHeng Wang" userId="a5b42002-4dd7-4474-8229-3ae96bc36a47" providerId="ADAL" clId="{874FDC90-6EF9-4A4A-8381-BAE0FDDF6B6B}" dt="2022-11-21T05:09:32.951" v="10" actId="164"/>
+          <ac:spMkLst>
+            <pc:docMk/>
+            <pc:sldMk cId="4236417811" sldId="256"/>
+            <ac:spMk id="420" creationId="{01190C70-7CA7-8E06-3D89-92566D269C2E}"/>
+          </ac:spMkLst>
+        </pc:spChg>
+        <pc:grpChg chg="add mod">
+          <ac:chgData name="ShuangHeng Wang" userId="a5b42002-4dd7-4474-8229-3ae96bc36a47" providerId="ADAL" clId="{874FDC90-6EF9-4A4A-8381-BAE0FDDF6B6B}" dt="2022-11-21T05:09:32.951" v="10" actId="164"/>
+          <ac:grpSpMkLst>
+            <pc:docMk/>
+            <pc:sldMk cId="4236417811" sldId="256"/>
+            <ac:grpSpMk id="2" creationId="{60A45CA2-612C-1AE1-0387-FD616B512705}"/>
+          </ac:grpSpMkLst>
+        </pc:grpChg>
+        <pc:grpChg chg="mod">
+          <ac:chgData name="ShuangHeng Wang" userId="a5b42002-4dd7-4474-8229-3ae96bc36a47" providerId="ADAL" clId="{874FDC90-6EF9-4A4A-8381-BAE0FDDF6B6B}" dt="2022-11-21T05:09:32.951" v="10" actId="164"/>
+          <ac:grpSpMkLst>
+            <pc:docMk/>
+            <pc:sldMk cId="4236417811" sldId="256"/>
+            <ac:grpSpMk id="3" creationId="{8333856D-7ECD-6734-D15F-BE8F58F33B7D}"/>
+          </ac:grpSpMkLst>
+        </pc:grpChg>
+        <pc:grpChg chg="mod">
+          <ac:chgData name="ShuangHeng Wang" userId="a5b42002-4dd7-4474-8229-3ae96bc36a47" providerId="ADAL" clId="{874FDC90-6EF9-4A4A-8381-BAE0FDDF6B6B}" dt="2022-11-21T05:09:32.951" v="10" actId="164"/>
+          <ac:grpSpMkLst>
+            <pc:docMk/>
+            <pc:sldMk cId="4236417811" sldId="256"/>
+            <ac:grpSpMk id="219" creationId="{C84806F6-FC05-B645-5C9B-A584EEBFC868}"/>
+          </ac:grpSpMkLst>
+        </pc:grpChg>
+        <pc:grpChg chg="mod">
+          <ac:chgData name="ShuangHeng Wang" userId="a5b42002-4dd7-4474-8229-3ae96bc36a47" providerId="ADAL" clId="{874FDC90-6EF9-4A4A-8381-BAE0FDDF6B6B}" dt="2022-11-21T05:09:32.951" v="10" actId="164"/>
+          <ac:grpSpMkLst>
+            <pc:docMk/>
+            <pc:sldMk cId="4236417811" sldId="256"/>
+            <ac:grpSpMk id="340" creationId="{CC5DDE01-6EA1-A7A6-2E62-6F6E8F9841DE}"/>
+          </ac:grpSpMkLst>
+        </pc:grpChg>
+      </pc:sldChg>
+    </pc:docChg>
+  </pc:docChgLst>
   <pc:docChgLst>
     <pc:chgData name="ShuangHeng Wang" userId="a5b42002-4dd7-4474-8229-3ae96bc36a47" providerId="ADAL" clId="{DC11DB68-B651-4CA7-9162-D734C573DBF7}"/>
     <pc:docChg chg="undo custSel modSld">
@@ -3696,7 +3792,7 @@
           <a:p>
             <a:fld id="{B7C01D6A-4660-4C3D-824F-A26703CC7340}" type="datetimeFigureOut">
               <a:rPr lang="en-US" smtClean="0"/>
-              <a:t>10/9/2022</a:t>
+              <a:t>11/20/2022</a:t>
             </a:fld>
             <a:endParaRPr lang="en-US"/>
           </a:p>
@@ -3866,7 +3962,7 @@
           <a:p>
             <a:fld id="{B7C01D6A-4660-4C3D-824F-A26703CC7340}" type="datetimeFigureOut">
               <a:rPr lang="en-US" smtClean="0"/>
-              <a:t>10/9/2022</a:t>
+              <a:t>11/20/2022</a:t>
             </a:fld>
             <a:endParaRPr lang="en-US"/>
           </a:p>
@@ -4046,7 +4142,7 @@
           <a:p>
             <a:fld id="{B7C01D6A-4660-4C3D-824F-A26703CC7340}" type="datetimeFigureOut">
               <a:rPr lang="en-US" smtClean="0"/>
-              <a:t>10/9/2022</a:t>
+              <a:t>11/20/2022</a:t>
             </a:fld>
             <a:endParaRPr lang="en-US"/>
           </a:p>
@@ -4216,7 +4312,7 @@
           <a:p>
             <a:fld id="{B7C01D6A-4660-4C3D-824F-A26703CC7340}" type="datetimeFigureOut">
               <a:rPr lang="en-US" smtClean="0"/>
-              <a:t>10/9/2022</a:t>
+              <a:t>11/20/2022</a:t>
             </a:fld>
             <a:endParaRPr lang="en-US"/>
           </a:p>
@@ -4460,7 +4556,7 @@
           <a:p>
             <a:fld id="{B7C01D6A-4660-4C3D-824F-A26703CC7340}" type="datetimeFigureOut">
               <a:rPr lang="en-US" smtClean="0"/>
-              <a:t>10/9/2022</a:t>
+              <a:t>11/20/2022</a:t>
             </a:fld>
             <a:endParaRPr lang="en-US"/>
           </a:p>
@@ -4692,7 +4788,7 @@
           <a:p>
             <a:fld id="{B7C01D6A-4660-4C3D-824F-A26703CC7340}" type="datetimeFigureOut">
               <a:rPr lang="en-US" smtClean="0"/>
-              <a:t>10/9/2022</a:t>
+              <a:t>11/20/2022</a:t>
             </a:fld>
             <a:endParaRPr lang="en-US"/>
           </a:p>
@@ -5059,7 +5155,7 @@
           <a:p>
             <a:fld id="{B7C01D6A-4660-4C3D-824F-A26703CC7340}" type="datetimeFigureOut">
               <a:rPr lang="en-US" smtClean="0"/>
-              <a:t>10/9/2022</a:t>
+              <a:t>11/20/2022</a:t>
             </a:fld>
             <a:endParaRPr lang="en-US"/>
           </a:p>
@@ -5177,7 +5273,7 @@
           <a:p>
             <a:fld id="{B7C01D6A-4660-4C3D-824F-A26703CC7340}" type="datetimeFigureOut">
               <a:rPr lang="en-US" smtClean="0"/>
-              <a:t>10/9/2022</a:t>
+              <a:t>11/20/2022</a:t>
             </a:fld>
             <a:endParaRPr lang="en-US"/>
           </a:p>
@@ -5272,7 +5368,7 @@
           <a:p>
             <a:fld id="{B7C01D6A-4660-4C3D-824F-A26703CC7340}" type="datetimeFigureOut">
               <a:rPr lang="en-US" smtClean="0"/>
-              <a:t>10/9/2022</a:t>
+              <a:t>11/20/2022</a:t>
             </a:fld>
             <a:endParaRPr lang="en-US"/>
           </a:p>
@@ -5549,7 +5645,7 @@
           <a:p>
             <a:fld id="{B7C01D6A-4660-4C3D-824F-A26703CC7340}" type="datetimeFigureOut">
               <a:rPr lang="en-US" smtClean="0"/>
-              <a:t>10/9/2022</a:t>
+              <a:t>11/20/2022</a:t>
             </a:fld>
             <a:endParaRPr lang="en-US"/>
           </a:p>
@@ -5806,7 +5902,7 @@
           <a:p>
             <a:fld id="{B7C01D6A-4660-4C3D-824F-A26703CC7340}" type="datetimeFigureOut">
               <a:rPr lang="en-US" smtClean="0"/>
-              <a:t>10/9/2022</a:t>
+              <a:t>11/20/2022</a:t>
             </a:fld>
             <a:endParaRPr lang="en-US"/>
           </a:p>
@@ -6019,7 +6115,7 @@
           <a:p>
             <a:fld id="{B7C01D6A-4660-4C3D-824F-A26703CC7340}" type="datetimeFigureOut">
               <a:rPr lang="en-US" smtClean="0"/>
-              <a:t>10/9/2022</a:t>
+              <a:t>11/20/2022</a:t>
             </a:fld>
             <a:endParaRPr lang="en-US"/>
           </a:p>
@@ -6471,1276 +6567,6 @@
           </a:p>
         </p:txBody>
       </p:sp>
-      <p:grpSp>
-        <p:nvGrpSpPr>
-          <p:cNvPr id="219" name="Group 218">
-            <a:extLst>
-              <a:ext uri="{FF2B5EF4-FFF2-40B4-BE49-F238E27FC236}">
-                <a16:creationId xmlns:a16="http://schemas.microsoft.com/office/drawing/2014/main" id="{C84806F6-FC05-B645-5C9B-A584EEBFC868}"/>
-              </a:ext>
-            </a:extLst>
-          </p:cNvPr>
-          <p:cNvGrpSpPr/>
-          <p:nvPr/>
-        </p:nvGrpSpPr>
-        <p:grpSpPr>
-          <a:xfrm>
-            <a:off x="3506520" y="235566"/>
-            <a:ext cx="3173505" cy="3376367"/>
-            <a:chOff x="4438898" y="3976482"/>
-            <a:chExt cx="3133367" cy="3376367"/>
-          </a:xfrm>
-        </p:grpSpPr>
-        <p:grpSp>
-          <p:nvGrpSpPr>
-            <p:cNvPr id="109" name="Group 108">
-              <a:extLst>
-                <a:ext uri="{FF2B5EF4-FFF2-40B4-BE49-F238E27FC236}">
-                  <a16:creationId xmlns:a16="http://schemas.microsoft.com/office/drawing/2014/main" id="{2E50B090-3CBA-6AE9-490F-F2001B2E8B8F}"/>
-                </a:ext>
-              </a:extLst>
-            </p:cNvPr>
-            <p:cNvGrpSpPr/>
-            <p:nvPr/>
-          </p:nvGrpSpPr>
-          <p:grpSpPr>
-            <a:xfrm>
-              <a:off x="4438898" y="3976482"/>
-              <a:ext cx="2937441" cy="3376367"/>
-              <a:chOff x="4369786" y="795412"/>
-              <a:chExt cx="2937441" cy="3376367"/>
-            </a:xfrm>
-          </p:grpSpPr>
-          <p:grpSp>
-            <p:nvGrpSpPr>
-              <p:cNvPr id="94" name="Group 93">
-                <a:extLst>
-                  <a:ext uri="{FF2B5EF4-FFF2-40B4-BE49-F238E27FC236}">
-                    <a16:creationId xmlns:a16="http://schemas.microsoft.com/office/drawing/2014/main" id="{C7A978F7-F97F-0C05-0E6B-2D9F83942269}"/>
-                  </a:ext>
-                </a:extLst>
-              </p:cNvPr>
-              <p:cNvGrpSpPr/>
-              <p:nvPr/>
-            </p:nvGrpSpPr>
-            <p:grpSpPr>
-              <a:xfrm>
-                <a:off x="4998544" y="1093582"/>
-                <a:ext cx="2308683" cy="2802841"/>
-                <a:chOff x="4998544" y="1093582"/>
-                <a:chExt cx="2308683" cy="2802841"/>
-              </a:xfrm>
-            </p:grpSpPr>
-            <p:sp>
-              <p:nvSpPr>
-                <p:cNvPr id="9" name="AutoShape 4">
-                  <a:extLst>
-                    <a:ext uri="{FF2B5EF4-FFF2-40B4-BE49-F238E27FC236}">
-                      <a16:creationId xmlns:a16="http://schemas.microsoft.com/office/drawing/2014/main" id="{10366ECC-6357-B41F-5552-F397223F99F3}"/>
-                    </a:ext>
-                  </a:extLst>
-                </p:cNvPr>
-                <p:cNvSpPr>
-                  <a:spLocks noChangeAspect="1" noChangeArrowheads="1"/>
-                </p:cNvSpPr>
-                <p:nvPr/>
-              </p:nvSpPr>
-              <p:spPr bwMode="auto">
-                <a:xfrm>
-                  <a:off x="6096000" y="3429000"/>
-                  <a:ext cx="304800" cy="304800"/>
-                </a:xfrm>
-                <a:prstGeom prst="rect">
-                  <a:avLst/>
-                </a:prstGeom>
-                <a:noFill/>
-                <a:extLst>
-                  <a:ext uri="{909E8E84-426E-40DD-AFC4-6F175D3DCCD1}">
-                    <a14:hiddenFill xmlns:a14="http://schemas.microsoft.com/office/drawing/2010/main">
-                      <a:solidFill>
-                        <a:srgbClr val="FFFFFF"/>
-                      </a:solidFill>
-                    </a14:hiddenFill>
-                  </a:ext>
-                </a:extLst>
-              </p:spPr>
-              <p:txBody>
-                <a:bodyPr vert="horz" wrap="square" lIns="91440" tIns="45720" rIns="91440" bIns="45720" numCol="1" anchor="t" anchorCtr="0" compatLnSpc="1">
-                  <a:prstTxWarp prst="textNoShape">
-                    <a:avLst/>
-                  </a:prstTxWarp>
-                </a:bodyPr>
-                <a:lstStyle/>
-                <a:p>
-                  <a:endParaRPr lang="en-US" sz="800"/>
-                </a:p>
-              </p:txBody>
-            </p:sp>
-            <p:grpSp>
-              <p:nvGrpSpPr>
-                <p:cNvPr id="93" name="Group 92">
-                  <a:extLst>
-                    <a:ext uri="{FF2B5EF4-FFF2-40B4-BE49-F238E27FC236}">
-                      <a16:creationId xmlns:a16="http://schemas.microsoft.com/office/drawing/2014/main" id="{729225D1-44EA-9901-3C72-04EE35A6DCD5}"/>
-                    </a:ext>
-                  </a:extLst>
-                </p:cNvPr>
-                <p:cNvGrpSpPr/>
-                <p:nvPr/>
-              </p:nvGrpSpPr>
-              <p:grpSpPr>
-                <a:xfrm>
-                  <a:off x="4998544" y="1093582"/>
-                  <a:ext cx="2308683" cy="863651"/>
-                  <a:chOff x="5000162" y="1093582"/>
-                  <a:chExt cx="2308683" cy="863651"/>
-                </a:xfrm>
-              </p:grpSpPr>
-              <p:pic>
-                <p:nvPicPr>
-                  <p:cNvPr id="68" name="Picture 67" descr="A black and white photo of a window with snow on it&#10;&#10;Description automatically generated with low confidence">
-                    <a:extLst>
-                      <a:ext uri="{FF2B5EF4-FFF2-40B4-BE49-F238E27FC236}">
-                        <a16:creationId xmlns:a16="http://schemas.microsoft.com/office/drawing/2014/main" id="{D2DF4487-C4C5-7436-2AA5-B0CE1D882070}"/>
-                      </a:ext>
-                    </a:extLst>
-                  </p:cNvPr>
-                  <p:cNvPicPr>
-                    <a:picLocks noChangeAspect="1"/>
-                  </p:cNvPicPr>
-                  <p:nvPr/>
-                </p:nvPicPr>
-                <p:blipFill rotWithShape="1">
-                  <a:blip r:embed="rId2">
-                    <a:extLst>
-                      <a:ext uri="{28A0092B-C50C-407E-A947-70E740481C1C}">
-                        <a14:useLocalDpi xmlns:a14="http://schemas.microsoft.com/office/drawing/2010/main" val="0"/>
-                      </a:ext>
-                    </a:extLst>
-                  </a:blip>
-                  <a:srcRect l="501" t="1368" r="87590" b="77158"/>
-                  <a:stretch/>
-                </p:blipFill>
-                <p:spPr>
-                  <a:xfrm>
-                    <a:off x="5000162" y="1093582"/>
-                    <a:ext cx="432796" cy="863651"/>
-                  </a:xfrm>
-                  <a:prstGeom prst="rect">
-                    <a:avLst/>
-                  </a:prstGeom>
-                </p:spPr>
-              </p:pic>
-              <p:pic>
-                <p:nvPicPr>
-                  <p:cNvPr id="70" name="Picture 69" descr="A black and white photo of a window with snow on it&#10;&#10;Description automatically generated with low confidence">
-                    <a:extLst>
-                      <a:ext uri="{FF2B5EF4-FFF2-40B4-BE49-F238E27FC236}">
-                        <a16:creationId xmlns:a16="http://schemas.microsoft.com/office/drawing/2014/main" id="{5B05D05A-46CC-B3AD-0AFF-644435941143}"/>
-                      </a:ext>
-                    </a:extLst>
-                  </p:cNvPr>
-                  <p:cNvPicPr>
-                    <a:picLocks noChangeAspect="1"/>
-                  </p:cNvPicPr>
-                  <p:nvPr/>
-                </p:nvPicPr>
-                <p:blipFill rotWithShape="1">
-                  <a:blip r:embed="rId2">
-                    <a:extLst>
-                      <a:ext uri="{28A0092B-C50C-407E-A947-70E740481C1C}">
-                        <a14:useLocalDpi xmlns:a14="http://schemas.microsoft.com/office/drawing/2010/main" val="0"/>
-                      </a:ext>
-                    </a:extLst>
-                  </a:blip>
-                  <a:srcRect l="555" t="26970" r="87754" b="51739"/>
-                  <a:stretch/>
-                </p:blipFill>
-                <p:spPr>
-                  <a:xfrm>
-                    <a:off x="5469233" y="1093582"/>
-                    <a:ext cx="432796" cy="863651"/>
-                  </a:xfrm>
-                  <a:prstGeom prst="rect">
-                    <a:avLst/>
-                  </a:prstGeom>
-                </p:spPr>
-              </p:pic>
-              <p:pic>
-                <p:nvPicPr>
-                  <p:cNvPr id="71" name="Picture 70" descr="A black and white photo of a window with snow on it&#10;&#10;Description automatically generated with low confidence">
-                    <a:extLst>
-                      <a:ext uri="{FF2B5EF4-FFF2-40B4-BE49-F238E27FC236}">
-                        <a16:creationId xmlns:a16="http://schemas.microsoft.com/office/drawing/2014/main" id="{FD266BE5-9E44-4090-D509-FD2A8C7E29FF}"/>
-                      </a:ext>
-                    </a:extLst>
-                  </p:cNvPr>
-                  <p:cNvPicPr>
-                    <a:picLocks noChangeAspect="1"/>
-                  </p:cNvPicPr>
-                  <p:nvPr/>
-                </p:nvPicPr>
-                <p:blipFill rotWithShape="1">
-                  <a:blip r:embed="rId2">
-                    <a:extLst>
-                      <a:ext uri="{28A0092B-C50C-407E-A947-70E740481C1C}">
-                        <a14:useLocalDpi xmlns:a14="http://schemas.microsoft.com/office/drawing/2010/main" val="0"/>
-                      </a:ext>
-                    </a:extLst>
-                  </a:blip>
-                  <a:srcRect l="446" t="52584" r="87622" b="26202"/>
-                  <a:stretch/>
-                </p:blipFill>
-                <p:spPr>
-                  <a:xfrm>
-                    <a:off x="5938304" y="1093582"/>
-                    <a:ext cx="438976" cy="863651"/>
-                  </a:xfrm>
-                  <a:prstGeom prst="rect">
-                    <a:avLst/>
-                  </a:prstGeom>
-                </p:spPr>
-              </p:pic>
-              <p:pic>
-                <p:nvPicPr>
-                  <p:cNvPr id="72" name="Picture 71" descr="A black and white photo of a window with snow on it&#10;&#10;Description automatically generated with low confidence">
-                    <a:extLst>
-                      <a:ext uri="{FF2B5EF4-FFF2-40B4-BE49-F238E27FC236}">
-                        <a16:creationId xmlns:a16="http://schemas.microsoft.com/office/drawing/2014/main" id="{37F802F7-6240-D5B4-1D13-31C0A09F6190}"/>
-                      </a:ext>
-                    </a:extLst>
-                  </p:cNvPr>
-                  <p:cNvPicPr>
-                    <a:picLocks noChangeAspect="1"/>
-                  </p:cNvPicPr>
-                  <p:nvPr/>
-                </p:nvPicPr>
-                <p:blipFill rotWithShape="1">
-                  <a:blip r:embed="rId2">
-                    <a:extLst>
-                      <a:ext uri="{28A0092B-C50C-407E-A947-70E740481C1C}">
-                        <a14:useLocalDpi xmlns:a14="http://schemas.microsoft.com/office/drawing/2010/main" val="0"/>
-                      </a:ext>
-                    </a:extLst>
-                  </a:blip>
-                  <a:srcRect l="29593" t="78202" r="58585" b="506"/>
-                  <a:stretch/>
-                </p:blipFill>
-                <p:spPr>
-                  <a:xfrm>
-                    <a:off x="6413555" y="1093582"/>
-                    <a:ext cx="433301" cy="863651"/>
-                  </a:xfrm>
-                  <a:prstGeom prst="rect">
-                    <a:avLst/>
-                  </a:prstGeom>
-                </p:spPr>
-              </p:pic>
-              <p:pic>
-                <p:nvPicPr>
-                  <p:cNvPr id="73" name="Picture 72" descr="A black and white photo of a window with snow on it&#10;&#10;Description automatically generated with low confidence">
-                    <a:extLst>
-                      <a:ext uri="{FF2B5EF4-FFF2-40B4-BE49-F238E27FC236}">
-                        <a16:creationId xmlns:a16="http://schemas.microsoft.com/office/drawing/2014/main" id="{0475AC2A-7113-6DFB-9307-7CDD891FD0F2}"/>
-                      </a:ext>
-                    </a:extLst>
-                  </p:cNvPr>
-                  <p:cNvPicPr>
-                    <a:picLocks noChangeAspect="1"/>
-                  </p:cNvPicPr>
-                  <p:nvPr/>
-                </p:nvPicPr>
-                <p:blipFill rotWithShape="1">
-                  <a:blip r:embed="rId2">
-                    <a:extLst>
-                      <a:ext uri="{28A0092B-C50C-407E-A947-70E740481C1C}">
-                        <a14:useLocalDpi xmlns:a14="http://schemas.microsoft.com/office/drawing/2010/main" val="0"/>
-                      </a:ext>
-                    </a:extLst>
-                  </a:blip>
-                  <a:srcRect l="58804" t="27074" r="29630" b="51741"/>
-                  <a:stretch/>
-                </p:blipFill>
-                <p:spPr>
-                  <a:xfrm>
-                    <a:off x="6883130" y="1093972"/>
-                    <a:ext cx="425715" cy="862871"/>
-                  </a:xfrm>
-                  <a:prstGeom prst="rect">
-                    <a:avLst/>
-                  </a:prstGeom>
-                </p:spPr>
-              </p:pic>
-            </p:grpSp>
-            <p:grpSp>
-              <p:nvGrpSpPr>
-                <p:cNvPr id="91" name="Group 90">
-                  <a:extLst>
-                    <a:ext uri="{FF2B5EF4-FFF2-40B4-BE49-F238E27FC236}">
-                      <a16:creationId xmlns:a16="http://schemas.microsoft.com/office/drawing/2014/main" id="{9306D7B7-A786-E250-AA44-F70241EB11C2}"/>
-                    </a:ext>
-                  </a:extLst>
-                </p:cNvPr>
-                <p:cNvGrpSpPr/>
-                <p:nvPr/>
-              </p:nvGrpSpPr>
-              <p:grpSpPr>
-                <a:xfrm>
-                  <a:off x="4998879" y="2524524"/>
-                  <a:ext cx="2308012" cy="863651"/>
-                  <a:chOff x="4996926" y="2525554"/>
-                  <a:chExt cx="2308012" cy="863651"/>
-                </a:xfrm>
-              </p:grpSpPr>
-              <p:pic>
-                <p:nvPicPr>
-                  <p:cNvPr id="74" name="Picture 73" descr="A black and white photo of a window with snow on it&#10;&#10;Description automatically generated with low confidence">
-                    <a:extLst>
-                      <a:ext uri="{FF2B5EF4-FFF2-40B4-BE49-F238E27FC236}">
-                        <a16:creationId xmlns:a16="http://schemas.microsoft.com/office/drawing/2014/main" id="{C4DE3554-180B-6D12-ED76-16CAD55DDD9D}"/>
-                      </a:ext>
-                    </a:extLst>
-                  </p:cNvPr>
-                  <p:cNvPicPr>
-                    <a:picLocks noChangeAspect="1"/>
-                  </p:cNvPicPr>
-                  <p:nvPr/>
-                </p:nvPicPr>
-                <p:blipFill rotWithShape="1">
-                  <a:blip r:embed="rId2">
-                    <a:extLst>
-                      <a:ext uri="{28A0092B-C50C-407E-A947-70E740481C1C}">
-                        <a14:useLocalDpi xmlns:a14="http://schemas.microsoft.com/office/drawing/2010/main" val="0"/>
-                      </a:ext>
-                    </a:extLst>
-                  </a:blip>
-                  <a:srcRect l="58692" t="52745" r="29468" b="26069"/>
-                  <a:stretch/>
-                </p:blipFill>
-                <p:spPr>
-                  <a:xfrm>
-                    <a:off x="5941584" y="2525554"/>
-                    <a:ext cx="432796" cy="863651"/>
-                  </a:xfrm>
-                  <a:prstGeom prst="rect">
-                    <a:avLst/>
-                  </a:prstGeom>
-                </p:spPr>
-              </p:pic>
-              <p:pic>
-                <p:nvPicPr>
-                  <p:cNvPr id="75" name="Picture 74" descr="A black and white photo of a window with snow on it&#10;&#10;Description automatically generated with low confidence">
-                    <a:extLst>
-                      <a:ext uri="{FF2B5EF4-FFF2-40B4-BE49-F238E27FC236}">
-                        <a16:creationId xmlns:a16="http://schemas.microsoft.com/office/drawing/2014/main" id="{82106033-5D4E-4D8A-E880-6BAA5C4A1E88}"/>
-                      </a:ext>
-                    </a:extLst>
-                  </p:cNvPr>
-                  <p:cNvPicPr>
-                    <a:picLocks noChangeAspect="1"/>
-                  </p:cNvPicPr>
-                  <p:nvPr/>
-                </p:nvPicPr>
-                <p:blipFill rotWithShape="1">
-                  <a:blip r:embed="rId2">
-                    <a:extLst>
-                      <a:ext uri="{28A0092B-C50C-407E-A947-70E740481C1C}">
-                        <a14:useLocalDpi xmlns:a14="http://schemas.microsoft.com/office/drawing/2010/main" val="0"/>
-                      </a:ext>
-                    </a:extLst>
-                  </a:blip>
-                  <a:srcRect l="29722" t="52493" r="58647" b="26076"/>
-                  <a:stretch/>
-                </p:blipFill>
-                <p:spPr>
-                  <a:xfrm>
-                    <a:off x="5470873" y="2525554"/>
-                    <a:ext cx="432796" cy="863651"/>
-                  </a:xfrm>
-                  <a:prstGeom prst="rect">
-                    <a:avLst/>
-                  </a:prstGeom>
-                </p:spPr>
-              </p:pic>
-              <p:pic>
-                <p:nvPicPr>
-                  <p:cNvPr id="76" name="Picture 75" descr="A black and white photo of a window with snow on it&#10;&#10;Description automatically generated with low confidence">
-                    <a:extLst>
-                      <a:ext uri="{FF2B5EF4-FFF2-40B4-BE49-F238E27FC236}">
-                        <a16:creationId xmlns:a16="http://schemas.microsoft.com/office/drawing/2014/main" id="{D23BE054-47F2-3542-DE38-4922E6F27F3B}"/>
-                      </a:ext>
-                    </a:extLst>
-                  </p:cNvPr>
-                  <p:cNvPicPr>
-                    <a:picLocks noChangeAspect="1"/>
-                  </p:cNvPicPr>
-                  <p:nvPr/>
-                </p:nvPicPr>
-                <p:blipFill rotWithShape="1">
-                  <a:blip r:embed="rId2">
-                    <a:extLst>
-                      <a:ext uri="{28A0092B-C50C-407E-A947-70E740481C1C}">
-                        <a14:useLocalDpi xmlns:a14="http://schemas.microsoft.com/office/drawing/2010/main" val="0"/>
-                      </a:ext>
-                    </a:extLst>
-                  </a:blip>
-                  <a:srcRect l="29603" t="1373" r="58464" b="77268"/>
-                  <a:stretch/>
-                </p:blipFill>
-                <p:spPr>
-                  <a:xfrm>
-                    <a:off x="4996926" y="2525554"/>
-                    <a:ext cx="436032" cy="863651"/>
-                  </a:xfrm>
-                  <a:prstGeom prst="rect">
-                    <a:avLst/>
-                  </a:prstGeom>
-                </p:spPr>
-              </p:pic>
-              <p:pic>
-                <p:nvPicPr>
-                  <p:cNvPr id="77" name="Picture 76" descr="A black and white photo of a window with snow on it&#10;&#10;Description automatically generated with low confidence">
-                    <a:extLst>
-                      <a:ext uri="{FF2B5EF4-FFF2-40B4-BE49-F238E27FC236}">
-                        <a16:creationId xmlns:a16="http://schemas.microsoft.com/office/drawing/2014/main" id="{DF5AD0BE-3D1D-6519-E9F0-74A2DA52EEED}"/>
-                      </a:ext>
-                    </a:extLst>
-                  </p:cNvPr>
-                  <p:cNvPicPr>
-                    <a:picLocks noChangeAspect="1"/>
-                  </p:cNvPicPr>
-                  <p:nvPr/>
-                </p:nvPicPr>
-                <p:blipFill rotWithShape="1">
-                  <a:blip r:embed="rId2">
-                    <a:extLst>
-                      <a:ext uri="{28A0092B-C50C-407E-A947-70E740481C1C}">
-                        <a14:useLocalDpi xmlns:a14="http://schemas.microsoft.com/office/drawing/2010/main" val="0"/>
-                      </a:ext>
-                    </a:extLst>
-                  </a:blip>
-                  <a:srcRect l="87806" t="1323" r="675" b="77383"/>
-                  <a:stretch/>
-                </p:blipFill>
-                <p:spPr>
-                  <a:xfrm>
-                    <a:off x="6883130" y="2525944"/>
-                    <a:ext cx="421808" cy="862871"/>
-                  </a:xfrm>
-                  <a:prstGeom prst="rect">
-                    <a:avLst/>
-                  </a:prstGeom>
-                </p:spPr>
-              </p:pic>
-              <p:pic>
-                <p:nvPicPr>
-                  <p:cNvPr id="78" name="Picture 77" descr="A black and white photo of a window with snow on it&#10;&#10;Description automatically generated with low confidence">
-                    <a:extLst>
-                      <a:ext uri="{FF2B5EF4-FFF2-40B4-BE49-F238E27FC236}">
-                        <a16:creationId xmlns:a16="http://schemas.microsoft.com/office/drawing/2014/main" id="{C5C3A636-DD68-AC5F-860B-D84B835E5932}"/>
-                      </a:ext>
-                    </a:extLst>
-                  </p:cNvPr>
-                  <p:cNvPicPr>
-                    <a:picLocks noChangeAspect="1"/>
-                  </p:cNvPicPr>
-                  <p:nvPr/>
-                </p:nvPicPr>
-                <p:blipFill rotWithShape="1">
-                  <a:blip r:embed="rId2">
-                    <a:extLst>
-                      <a:ext uri="{28A0092B-C50C-407E-A947-70E740481C1C}">
-                        <a14:useLocalDpi xmlns:a14="http://schemas.microsoft.com/office/drawing/2010/main" val="0"/>
-                      </a:ext>
-                    </a:extLst>
-                  </a:blip>
-                  <a:srcRect l="87750" t="52558" r="394" b="26067"/>
-                  <a:stretch/>
-                </p:blipFill>
-                <p:spPr>
-                  <a:xfrm>
-                    <a:off x="6412295" y="2525554"/>
-                    <a:ext cx="432919" cy="863651"/>
-                  </a:xfrm>
-                  <a:prstGeom prst="rect">
-                    <a:avLst/>
-                  </a:prstGeom>
-                </p:spPr>
-              </p:pic>
-            </p:grpSp>
-            <p:grpSp>
-              <p:nvGrpSpPr>
-                <p:cNvPr id="92" name="Group 91">
-                  <a:extLst>
-                    <a:ext uri="{FF2B5EF4-FFF2-40B4-BE49-F238E27FC236}">
-                      <a16:creationId xmlns:a16="http://schemas.microsoft.com/office/drawing/2014/main" id="{9041F23E-7AA8-53C2-FC29-18A5F2867BCC}"/>
-                    </a:ext>
-                  </a:extLst>
-                </p:cNvPr>
-                <p:cNvGrpSpPr/>
-                <p:nvPr/>
-              </p:nvGrpSpPr>
-              <p:grpSpPr>
-                <a:xfrm>
-                  <a:off x="5000983" y="2023176"/>
-                  <a:ext cx="2303805" cy="435405"/>
-                  <a:chOff x="5001133" y="2018627"/>
-                  <a:chExt cx="2303805" cy="435405"/>
-                </a:xfrm>
-              </p:grpSpPr>
-              <p:pic>
-                <p:nvPicPr>
-                  <p:cNvPr id="81" name="Picture 80" descr="A picture containing vegetable&#10;&#10;Description automatically generated">
-                    <a:extLst>
-                      <a:ext uri="{FF2B5EF4-FFF2-40B4-BE49-F238E27FC236}">
-                        <a16:creationId xmlns:a16="http://schemas.microsoft.com/office/drawing/2014/main" id="{A14E5BE0-3BF5-C9D0-2DDC-1DFDDD85FB32}"/>
-                      </a:ext>
-                    </a:extLst>
-                  </p:cNvPr>
-                  <p:cNvPicPr>
-                    <a:picLocks noChangeAspect="1"/>
-                  </p:cNvPicPr>
-                  <p:nvPr/>
-                </p:nvPicPr>
-                <p:blipFill rotWithShape="1">
-                  <a:blip r:embed="rId3">
-                    <a:extLst>
-                      <a:ext uri="{28A0092B-C50C-407E-A947-70E740481C1C}">
-                        <a14:useLocalDpi xmlns:a14="http://schemas.microsoft.com/office/drawing/2010/main" val="0"/>
-                      </a:ext>
-                    </a:extLst>
-                  </a:blip>
-                  <a:srcRect l="328" t="78147" r="78354" b="487"/>
-                  <a:stretch/>
-                </p:blipFill>
-                <p:spPr>
-                  <a:xfrm>
-                    <a:off x="6402613" y="2020017"/>
-                    <a:ext cx="436318" cy="432625"/>
-                  </a:xfrm>
-                  <a:prstGeom prst="rect">
-                    <a:avLst/>
-                  </a:prstGeom>
-                </p:spPr>
-              </p:pic>
-              <p:pic>
-                <p:nvPicPr>
-                  <p:cNvPr id="82" name="Picture 81" descr="A picture containing vegetable&#10;&#10;Description automatically generated">
-                    <a:extLst>
-                      <a:ext uri="{FF2B5EF4-FFF2-40B4-BE49-F238E27FC236}">
-                        <a16:creationId xmlns:a16="http://schemas.microsoft.com/office/drawing/2014/main" id="{96054404-1270-228A-E8C4-BEDF79FA85B5}"/>
-                      </a:ext>
-                    </a:extLst>
-                  </p:cNvPr>
-                  <p:cNvPicPr>
-                    <a:picLocks noChangeAspect="1"/>
-                  </p:cNvPicPr>
-                  <p:nvPr/>
-                </p:nvPicPr>
-                <p:blipFill rotWithShape="1">
-                  <a:blip r:embed="rId3">
-                    <a:extLst>
-                      <a:ext uri="{28A0092B-C50C-407E-A947-70E740481C1C}">
-                        <a14:useLocalDpi xmlns:a14="http://schemas.microsoft.com/office/drawing/2010/main" val="0"/>
-                      </a:ext>
-                    </a:extLst>
-                  </a:blip>
-                  <a:srcRect l="26558" t="1444" r="52378" b="77426"/>
-                  <a:stretch/>
-                </p:blipFill>
-                <p:spPr>
-                  <a:xfrm>
-                    <a:off x="5465863" y="2018627"/>
-                    <a:ext cx="438755" cy="435405"/>
-                  </a:xfrm>
-                  <a:prstGeom prst="rect">
-                    <a:avLst/>
-                  </a:prstGeom>
-                </p:spPr>
-              </p:pic>
-              <p:pic>
-                <p:nvPicPr>
-                  <p:cNvPr id="83" name="Picture 82" descr="A picture containing vegetable&#10;&#10;Description automatically generated">
-                    <a:extLst>
-                      <a:ext uri="{FF2B5EF4-FFF2-40B4-BE49-F238E27FC236}">
-                        <a16:creationId xmlns:a16="http://schemas.microsoft.com/office/drawing/2014/main" id="{CFCE7A10-255C-E58C-4E1A-024195E9A79B}"/>
-                      </a:ext>
-                    </a:extLst>
-                  </p:cNvPr>
-                  <p:cNvPicPr>
-                    <a:picLocks noChangeAspect="1"/>
-                  </p:cNvPicPr>
-                  <p:nvPr/>
-                </p:nvPicPr>
-                <p:blipFill rotWithShape="1">
-                  <a:blip r:embed="rId3">
-                    <a:extLst>
-                      <a:ext uri="{28A0092B-C50C-407E-A947-70E740481C1C}">
-                        <a14:useLocalDpi xmlns:a14="http://schemas.microsoft.com/office/drawing/2010/main" val="0"/>
-                      </a:ext>
-                    </a:extLst>
-                  </a:blip>
-                  <a:srcRect l="52636" t="26941" r="26441" b="51752"/>
-                  <a:stretch/>
-                </p:blipFill>
-                <p:spPr>
-                  <a:xfrm>
-                    <a:off x="5937523" y="2018627"/>
-                    <a:ext cx="432185" cy="435405"/>
-                  </a:xfrm>
-                  <a:prstGeom prst="rect">
-                    <a:avLst/>
-                  </a:prstGeom>
-                </p:spPr>
-              </p:pic>
-              <p:pic>
-                <p:nvPicPr>
-                  <p:cNvPr id="85" name="Picture 84" descr="A picture containing vegetable&#10;&#10;Description automatically generated">
-                    <a:extLst>
-                      <a:ext uri="{FF2B5EF4-FFF2-40B4-BE49-F238E27FC236}">
-                        <a16:creationId xmlns:a16="http://schemas.microsoft.com/office/drawing/2014/main" id="{23EE0DC0-9B40-E57F-DF78-02B996FC3219}"/>
-                      </a:ext>
-                    </a:extLst>
-                  </p:cNvPr>
-                  <p:cNvPicPr>
-                    <a:picLocks noChangeAspect="1"/>
-                  </p:cNvPicPr>
-                  <p:nvPr/>
-                </p:nvPicPr>
-                <p:blipFill rotWithShape="1">
-                  <a:blip r:embed="rId3">
-                    <a:extLst>
-                      <a:ext uri="{28A0092B-C50C-407E-A947-70E740481C1C}">
-                        <a14:useLocalDpi xmlns:a14="http://schemas.microsoft.com/office/drawing/2010/main" val="0"/>
-                      </a:ext>
-                    </a:extLst>
-                  </a:blip>
-                  <a:srcRect l="78476" t="78137" r="435" b="569"/>
-                  <a:stretch/>
-                </p:blipFill>
-                <p:spPr>
-                  <a:xfrm>
-                    <a:off x="6871837" y="2020016"/>
-                    <a:ext cx="433101" cy="432626"/>
-                  </a:xfrm>
-                  <a:prstGeom prst="rect">
-                    <a:avLst/>
-                  </a:prstGeom>
-                </p:spPr>
-              </p:pic>
-              <p:pic>
-                <p:nvPicPr>
-                  <p:cNvPr id="86" name="Picture 85" descr="A picture containing vegetable&#10;&#10;Description automatically generated">
-                    <a:extLst>
-                      <a:ext uri="{FF2B5EF4-FFF2-40B4-BE49-F238E27FC236}">
-                        <a16:creationId xmlns:a16="http://schemas.microsoft.com/office/drawing/2014/main" id="{8DFB7624-304A-8172-23FB-DFDE80F9D2B9}"/>
-                      </a:ext>
-                    </a:extLst>
-                  </p:cNvPr>
-                  <p:cNvPicPr>
-                    <a:picLocks noChangeAspect="1"/>
-                  </p:cNvPicPr>
-                  <p:nvPr/>
-                </p:nvPicPr>
-                <p:blipFill rotWithShape="1">
-                  <a:blip r:embed="rId3">
-                    <a:extLst>
-                      <a:ext uri="{28A0092B-C50C-407E-A947-70E740481C1C}">
-                        <a14:useLocalDpi xmlns:a14="http://schemas.microsoft.com/office/drawing/2010/main" val="0"/>
-                      </a:ext>
-                    </a:extLst>
-                  </a:blip>
-                  <a:srcRect l="567" t="26992" r="78493" b="51665"/>
-                  <a:stretch/>
-                </p:blipFill>
-                <p:spPr>
-                  <a:xfrm>
-                    <a:off x="5001133" y="2018627"/>
-                    <a:ext cx="431825" cy="435405"/>
-                  </a:xfrm>
-                  <a:prstGeom prst="rect">
-                    <a:avLst/>
-                  </a:prstGeom>
-                </p:spPr>
-              </p:pic>
-            </p:grpSp>
-            <p:grpSp>
-              <p:nvGrpSpPr>
-                <p:cNvPr id="90" name="Group 89">
-                  <a:extLst>
-                    <a:ext uri="{FF2B5EF4-FFF2-40B4-BE49-F238E27FC236}">
-                      <a16:creationId xmlns:a16="http://schemas.microsoft.com/office/drawing/2014/main" id="{089FEA2A-EEE9-B273-194D-E2F2B1F002AF}"/>
-                    </a:ext>
-                  </a:extLst>
-                </p:cNvPr>
-                <p:cNvGrpSpPr/>
-                <p:nvPr/>
-              </p:nvGrpSpPr>
-              <p:grpSpPr>
-                <a:xfrm>
-                  <a:off x="4998879" y="3454118"/>
-                  <a:ext cx="2308012" cy="442305"/>
-                  <a:chOff x="4996926" y="3454118"/>
-                  <a:chExt cx="2308012" cy="442305"/>
-                </a:xfrm>
-              </p:grpSpPr>
-              <p:pic>
-                <p:nvPicPr>
-                  <p:cNvPr id="80" name="Picture 79" descr="A picture containing vegetable&#10;&#10;Description automatically generated">
-                    <a:extLst>
-                      <a:ext uri="{FF2B5EF4-FFF2-40B4-BE49-F238E27FC236}">
-                        <a16:creationId xmlns:a16="http://schemas.microsoft.com/office/drawing/2014/main" id="{5A92DB18-625F-7C2F-092B-24868DA9F726}"/>
-                      </a:ext>
-                    </a:extLst>
-                  </p:cNvPr>
-                  <p:cNvPicPr>
-                    <a:picLocks noChangeAspect="1"/>
-                  </p:cNvPicPr>
-                  <p:nvPr/>
-                </p:nvPicPr>
-                <p:blipFill rotWithShape="1">
-                  <a:blip r:embed="rId3">
-                    <a:extLst>
-                      <a:ext uri="{28A0092B-C50C-407E-A947-70E740481C1C}">
-                        <a14:useLocalDpi xmlns:a14="http://schemas.microsoft.com/office/drawing/2010/main" val="0"/>
-                      </a:ext>
-                    </a:extLst>
-                  </a:blip>
-                  <a:srcRect l="480" t="1508" r="78372" b="77294"/>
-                  <a:stretch/>
-                </p:blipFill>
-                <p:spPr>
-                  <a:xfrm>
-                    <a:off x="4996926" y="3457567"/>
-                    <a:ext cx="439077" cy="435406"/>
-                  </a:xfrm>
-                  <a:prstGeom prst="rect">
-                    <a:avLst/>
-                  </a:prstGeom>
-                </p:spPr>
-              </p:pic>
-              <p:pic>
-                <p:nvPicPr>
-                  <p:cNvPr id="84" name="Picture 83" descr="A picture containing vegetable&#10;&#10;Description automatically generated">
-                    <a:extLst>
-                      <a:ext uri="{FF2B5EF4-FFF2-40B4-BE49-F238E27FC236}">
-                        <a16:creationId xmlns:a16="http://schemas.microsoft.com/office/drawing/2014/main" id="{1C977499-A8E2-611F-8E7F-202D0C2037E1}"/>
-                      </a:ext>
-                    </a:extLst>
-                  </p:cNvPr>
-                  <p:cNvPicPr>
-                    <a:picLocks noChangeAspect="1"/>
-                  </p:cNvPicPr>
-                  <p:nvPr/>
-                </p:nvPicPr>
-                <p:blipFill rotWithShape="1">
-                  <a:blip r:embed="rId3">
-                    <a:extLst>
-                      <a:ext uri="{28A0092B-C50C-407E-A947-70E740481C1C}">
-                        <a14:useLocalDpi xmlns:a14="http://schemas.microsoft.com/office/drawing/2010/main" val="0"/>
-                      </a:ext>
-                    </a:extLst>
-                  </a:blip>
-                  <a:srcRect l="78392" t="26949" r="428" b="51705"/>
-                  <a:stretch/>
-                </p:blipFill>
-                <p:spPr>
-                  <a:xfrm>
-                    <a:off x="6862614" y="3454778"/>
-                    <a:ext cx="442324" cy="440985"/>
-                  </a:xfrm>
-                  <a:prstGeom prst="rect">
-                    <a:avLst/>
-                  </a:prstGeom>
-                </p:spPr>
-              </p:pic>
-              <p:pic>
-                <p:nvPicPr>
-                  <p:cNvPr id="87" name="Picture 86" descr="A picture containing vegetable&#10;&#10;Description automatically generated">
-                    <a:extLst>
-                      <a:ext uri="{FF2B5EF4-FFF2-40B4-BE49-F238E27FC236}">
-                        <a16:creationId xmlns:a16="http://schemas.microsoft.com/office/drawing/2014/main" id="{3129AD5E-FB78-C777-D798-649492F16349}"/>
-                      </a:ext>
-                    </a:extLst>
-                  </p:cNvPr>
-                  <p:cNvPicPr>
-                    <a:picLocks noChangeAspect="1"/>
-                  </p:cNvPicPr>
-                  <p:nvPr/>
-                </p:nvPicPr>
-                <p:blipFill rotWithShape="1">
-                  <a:blip r:embed="rId3">
-                    <a:extLst>
-                      <a:ext uri="{28A0092B-C50C-407E-A947-70E740481C1C}">
-                        <a14:useLocalDpi xmlns:a14="http://schemas.microsoft.com/office/drawing/2010/main" val="0"/>
-                      </a:ext>
-                    </a:extLst>
-                  </a:blip>
-                  <a:srcRect l="26634" t="78158" r="52480" b="732"/>
-                  <a:stretch/>
-                </p:blipFill>
-                <p:spPr>
-                  <a:xfrm>
-                    <a:off x="6392276" y="3454118"/>
-                    <a:ext cx="442324" cy="442305"/>
-                  </a:xfrm>
-                  <a:prstGeom prst="rect">
-                    <a:avLst/>
-                  </a:prstGeom>
-                </p:spPr>
-              </p:pic>
-              <p:pic>
-                <p:nvPicPr>
-                  <p:cNvPr id="88" name="Picture 87" descr="A picture containing vegetable&#10;&#10;Description automatically generated">
-                    <a:extLst>
-                      <a:ext uri="{FF2B5EF4-FFF2-40B4-BE49-F238E27FC236}">
-                        <a16:creationId xmlns:a16="http://schemas.microsoft.com/office/drawing/2014/main" id="{7AD4CC3F-A259-2C74-3DEA-6D7805FEB7BA}"/>
-                      </a:ext>
-                    </a:extLst>
-                  </p:cNvPr>
-                  <p:cNvPicPr>
-                    <a:picLocks noChangeAspect="1"/>
-                  </p:cNvPicPr>
-                  <p:nvPr/>
-                </p:nvPicPr>
-                <p:blipFill rotWithShape="1">
-                  <a:blip r:embed="rId3">
-                    <a:extLst>
-                      <a:ext uri="{28A0092B-C50C-407E-A947-70E740481C1C}">
-                        <a14:useLocalDpi xmlns:a14="http://schemas.microsoft.com/office/drawing/2010/main" val="0"/>
-                      </a:ext>
-                    </a:extLst>
-                  </a:blip>
-                  <a:srcRect l="78523" t="1460" r="633" b="77227"/>
-                  <a:stretch/>
-                </p:blipFill>
-                <p:spPr>
-                  <a:xfrm>
-                    <a:off x="5933833" y="3457568"/>
-                    <a:ext cx="430429" cy="435405"/>
-                  </a:xfrm>
-                  <a:prstGeom prst="rect">
-                    <a:avLst/>
-                  </a:prstGeom>
-                </p:spPr>
-              </p:pic>
-              <p:pic>
-                <p:nvPicPr>
-                  <p:cNvPr id="89" name="Picture 88" descr="A picture containing vegetable&#10;&#10;Description automatically generated">
-                    <a:extLst>
-                      <a:ext uri="{FF2B5EF4-FFF2-40B4-BE49-F238E27FC236}">
-                        <a16:creationId xmlns:a16="http://schemas.microsoft.com/office/drawing/2014/main" id="{28ED0917-9997-0C1E-4854-197BE44E185A}"/>
-                      </a:ext>
-                    </a:extLst>
-                  </p:cNvPr>
-                  <p:cNvPicPr>
-                    <a:picLocks noChangeAspect="1"/>
-                  </p:cNvPicPr>
-                  <p:nvPr/>
-                </p:nvPicPr>
-                <p:blipFill rotWithShape="1">
-                  <a:blip r:embed="rId3">
-                    <a:extLst>
-                      <a:ext uri="{28A0092B-C50C-407E-A947-70E740481C1C}">
-                        <a14:useLocalDpi xmlns:a14="http://schemas.microsoft.com/office/drawing/2010/main" val="0"/>
-                      </a:ext>
-                    </a:extLst>
-                  </a:blip>
-                  <a:srcRect l="52443" t="1477" r="26365" b="77411"/>
-                  <a:stretch/>
-                </p:blipFill>
-                <p:spPr>
-                  <a:xfrm>
-                    <a:off x="5464017" y="3457568"/>
-                    <a:ext cx="441802" cy="435405"/>
-                  </a:xfrm>
-                  <a:prstGeom prst="rect">
-                    <a:avLst/>
-                  </a:prstGeom>
-                </p:spPr>
-              </p:pic>
-            </p:grpSp>
-          </p:grpSp>
-          <p:sp>
-            <p:nvSpPr>
-              <p:cNvPr id="95" name="TextBox 94">
-                <a:extLst>
-                  <a:ext uri="{FF2B5EF4-FFF2-40B4-BE49-F238E27FC236}">
-                    <a16:creationId xmlns:a16="http://schemas.microsoft.com/office/drawing/2014/main" id="{14890761-B05B-F9F1-1023-D0A4A534DD95}"/>
-                  </a:ext>
-                </a:extLst>
-              </p:cNvPr>
-              <p:cNvSpPr txBox="1"/>
-              <p:nvPr/>
-            </p:nvSpPr>
-            <p:spPr>
-              <a:xfrm rot="16200000">
-                <a:off x="3971375" y="1745070"/>
-                <a:ext cx="1082228" cy="243107"/>
-              </a:xfrm>
-              <a:prstGeom prst="rect">
-                <a:avLst/>
-              </a:prstGeom>
-              <a:noFill/>
-            </p:spPr>
-            <p:txBody>
-              <a:bodyPr wrap="square" rtlCol="0">
-                <a:spAutoFit/>
-              </a:bodyPr>
-              <a:lstStyle/>
-              <a:p>
-                <a:pPr algn="ctr"/>
-                <a:r>
-                  <a:rPr lang="en-US" sz="1000" b="1" dirty="0"/>
-                  <a:t>Cancerous</a:t>
-                </a:r>
-              </a:p>
-            </p:txBody>
-          </p:sp>
-          <p:sp>
-            <p:nvSpPr>
-              <p:cNvPr id="96" name="TextBox 95">
-                <a:extLst>
-                  <a:ext uri="{FF2B5EF4-FFF2-40B4-BE49-F238E27FC236}">
-                    <a16:creationId xmlns:a16="http://schemas.microsoft.com/office/drawing/2014/main" id="{FEB1E10C-A7C2-FC3C-DF5D-FE72AC069142}"/>
-                  </a:ext>
-                </a:extLst>
-              </p:cNvPr>
-              <p:cNvSpPr txBox="1"/>
-              <p:nvPr/>
-            </p:nvSpPr>
-            <p:spPr>
-              <a:xfrm rot="16200000">
-                <a:off x="3743733" y="3155786"/>
-                <a:ext cx="1502811" cy="250705"/>
-              </a:xfrm>
-              <a:prstGeom prst="rect">
-                <a:avLst/>
-              </a:prstGeom>
-              <a:noFill/>
-            </p:spPr>
-            <p:txBody>
-              <a:bodyPr wrap="square" rtlCol="0">
-                <a:spAutoFit/>
-              </a:bodyPr>
-              <a:lstStyle/>
-              <a:p>
-                <a:pPr algn="ctr"/>
-                <a:r>
-                  <a:rPr lang="en-US" sz="1000" b="1" dirty="0"/>
-                  <a:t>Non-cancerous</a:t>
-                </a:r>
-              </a:p>
-            </p:txBody>
-          </p:sp>
-          <p:sp>
-            <p:nvSpPr>
-              <p:cNvPr id="97" name="TextBox 96">
-                <a:extLst>
-                  <a:ext uri="{FF2B5EF4-FFF2-40B4-BE49-F238E27FC236}">
-                    <a16:creationId xmlns:a16="http://schemas.microsoft.com/office/drawing/2014/main" id="{5C9BF090-75CD-1AD0-520F-3EA64FE8C1BB}"/>
-                  </a:ext>
-                </a:extLst>
-              </p:cNvPr>
-              <p:cNvSpPr txBox="1"/>
-              <p:nvPr/>
-            </p:nvSpPr>
-            <p:spPr>
-              <a:xfrm rot="16200000">
-                <a:off x="4128019" y="1440458"/>
-                <a:ext cx="1502811" cy="212719"/>
-              </a:xfrm>
-              <a:prstGeom prst="rect">
-                <a:avLst/>
-              </a:prstGeom>
-              <a:noFill/>
-            </p:spPr>
-            <p:txBody>
-              <a:bodyPr wrap="square" rtlCol="0">
-                <a:spAutoFit/>
-              </a:bodyPr>
-              <a:lstStyle/>
-              <a:p>
-                <a:pPr algn="ctr"/>
-                <a:r>
-                  <a:rPr lang="en-US" sz="800" dirty="0"/>
-                  <a:t>B-frame slice</a:t>
-                </a:r>
-              </a:p>
-            </p:txBody>
-          </p:sp>
-          <p:sp>
-            <p:nvSpPr>
-              <p:cNvPr id="98" name="TextBox 97">
-                <a:extLst>
-                  <a:ext uri="{FF2B5EF4-FFF2-40B4-BE49-F238E27FC236}">
-                    <a16:creationId xmlns:a16="http://schemas.microsoft.com/office/drawing/2014/main" id="{FBE31D40-E00A-E9B2-A35B-69419D9C5A8A}"/>
-                  </a:ext>
-                </a:extLst>
-              </p:cNvPr>
-              <p:cNvSpPr txBox="1"/>
-              <p:nvPr/>
-            </p:nvSpPr>
-            <p:spPr>
-              <a:xfrm rot="16200000">
-                <a:off x="4124028" y="2858271"/>
-                <a:ext cx="1502811" cy="212719"/>
-              </a:xfrm>
-              <a:prstGeom prst="rect">
-                <a:avLst/>
-              </a:prstGeom>
-              <a:noFill/>
-            </p:spPr>
-            <p:txBody>
-              <a:bodyPr wrap="square" rtlCol="0">
-                <a:spAutoFit/>
-              </a:bodyPr>
-              <a:lstStyle/>
-              <a:p>
-                <a:pPr algn="ctr"/>
-                <a:r>
-                  <a:rPr lang="en-US" sz="800" dirty="0"/>
-                  <a:t>B-frame slice</a:t>
-                </a:r>
-              </a:p>
-            </p:txBody>
-          </p:sp>
-          <p:sp>
-            <p:nvSpPr>
-              <p:cNvPr id="99" name="TextBox 98">
-                <a:extLst>
-                  <a:ext uri="{FF2B5EF4-FFF2-40B4-BE49-F238E27FC236}">
-                    <a16:creationId xmlns:a16="http://schemas.microsoft.com/office/drawing/2014/main" id="{F5E7F43C-E3AF-1A96-7E11-4C4F324BBEFC}"/>
-                  </a:ext>
-                </a:extLst>
-              </p:cNvPr>
-              <p:cNvSpPr txBox="1"/>
-              <p:nvPr/>
-            </p:nvSpPr>
-            <p:spPr>
-              <a:xfrm rot="16200000">
-                <a:off x="4389391" y="3571765"/>
-                <a:ext cx="987308" cy="212719"/>
-              </a:xfrm>
-              <a:prstGeom prst="rect">
-                <a:avLst/>
-              </a:prstGeom>
-              <a:noFill/>
-            </p:spPr>
-            <p:txBody>
-              <a:bodyPr wrap="square" rtlCol="0">
-                <a:spAutoFit/>
-              </a:bodyPr>
-              <a:lstStyle/>
-              <a:p>
-                <a:pPr algn="ctr"/>
-                <a:r>
-                  <a:rPr lang="en-US" sz="800" dirty="0"/>
-                  <a:t>Texture</a:t>
-                </a:r>
-              </a:p>
-            </p:txBody>
-          </p:sp>
-          <p:sp>
-            <p:nvSpPr>
-              <p:cNvPr id="100" name="TextBox 99">
-                <a:extLst>
-                  <a:ext uri="{FF2B5EF4-FFF2-40B4-BE49-F238E27FC236}">
-                    <a16:creationId xmlns:a16="http://schemas.microsoft.com/office/drawing/2014/main" id="{00F3B888-3378-0C13-BCE7-FE4570A905B9}"/>
-                  </a:ext>
-                </a:extLst>
-              </p:cNvPr>
-              <p:cNvSpPr txBox="1"/>
-              <p:nvPr/>
-            </p:nvSpPr>
-            <p:spPr>
-              <a:xfrm rot="16200000">
-                <a:off x="4460079" y="2137578"/>
-                <a:ext cx="836626" cy="212719"/>
-              </a:xfrm>
-              <a:prstGeom prst="rect">
-                <a:avLst/>
-              </a:prstGeom>
-              <a:noFill/>
-            </p:spPr>
-            <p:txBody>
-              <a:bodyPr wrap="square" rtlCol="0">
-                <a:spAutoFit/>
-              </a:bodyPr>
-              <a:lstStyle/>
-              <a:p>
-                <a:pPr algn="ctr"/>
-                <a:r>
-                  <a:rPr lang="en-US" sz="800" dirty="0"/>
-                  <a:t>Texture</a:t>
-                </a:r>
-              </a:p>
-            </p:txBody>
-          </p:sp>
-          <p:sp>
-            <p:nvSpPr>
-              <p:cNvPr id="105" name="Left Brace 104">
-                <a:extLst>
-                  <a:ext uri="{FF2B5EF4-FFF2-40B4-BE49-F238E27FC236}">
-                    <a16:creationId xmlns:a16="http://schemas.microsoft.com/office/drawing/2014/main" id="{CE213242-0402-C47C-F3B2-C49FAC57B7D8}"/>
-                  </a:ext>
-                </a:extLst>
-              </p:cNvPr>
-              <p:cNvSpPr/>
-              <p:nvPr/>
-            </p:nvSpPr>
-            <p:spPr>
-              <a:xfrm>
-                <a:off x="4613021" y="2823937"/>
-                <a:ext cx="155448" cy="914400"/>
-              </a:xfrm>
-              <a:prstGeom prst="leftBrace">
-                <a:avLst/>
-              </a:prstGeom>
-              <a:ln w="19050"/>
-            </p:spPr>
-            <p:style>
-              <a:lnRef idx="1">
-                <a:schemeClr val="accent1"/>
-              </a:lnRef>
-              <a:fillRef idx="0">
-                <a:schemeClr val="accent1"/>
-              </a:fillRef>
-              <a:effectRef idx="0">
-                <a:schemeClr val="accent1"/>
-              </a:effectRef>
-              <a:fontRef idx="minor">
-                <a:schemeClr val="tx1"/>
-              </a:fontRef>
-            </p:style>
-            <p:txBody>
-              <a:bodyPr rtlCol="0" anchor="ctr"/>
-              <a:lstStyle/>
-              <a:p>
-                <a:pPr algn="ctr"/>
-                <a:endParaRPr lang="en-US" sz="800" dirty="0"/>
-              </a:p>
-            </p:txBody>
-          </p:sp>
-          <p:sp>
-            <p:nvSpPr>
-              <p:cNvPr id="106" name="Left Brace 105">
-                <a:extLst>
-                  <a:ext uri="{FF2B5EF4-FFF2-40B4-BE49-F238E27FC236}">
-                    <a16:creationId xmlns:a16="http://schemas.microsoft.com/office/drawing/2014/main" id="{F5D7BE22-57A8-3690-8C2D-03E50A2403B3}"/>
-                  </a:ext>
-                </a:extLst>
-              </p:cNvPr>
-              <p:cNvSpPr/>
-              <p:nvPr/>
-            </p:nvSpPr>
-            <p:spPr>
-              <a:xfrm>
-                <a:off x="4622926" y="1409423"/>
-                <a:ext cx="155448" cy="914400"/>
-              </a:xfrm>
-              <a:prstGeom prst="leftBrace">
-                <a:avLst/>
-              </a:prstGeom>
-              <a:ln w="19050"/>
-            </p:spPr>
-            <p:style>
-              <a:lnRef idx="1">
-                <a:schemeClr val="accent1"/>
-              </a:lnRef>
-              <a:fillRef idx="0">
-                <a:schemeClr val="accent1"/>
-              </a:fillRef>
-              <a:effectRef idx="0">
-                <a:schemeClr val="accent1"/>
-              </a:effectRef>
-              <a:fontRef idx="minor">
-                <a:schemeClr val="tx1"/>
-              </a:fontRef>
-            </p:style>
-            <p:txBody>
-              <a:bodyPr rtlCol="0" anchor="ctr"/>
-              <a:lstStyle/>
-              <a:p>
-                <a:pPr algn="ctr"/>
-                <a:endParaRPr lang="en-US" sz="800" dirty="0"/>
-              </a:p>
-            </p:txBody>
-          </p:sp>
-        </p:grpSp>
-        <p:sp>
-          <p:nvSpPr>
-            <p:cNvPr id="116" name="TextBox 115">
-              <a:extLst>
-                <a:ext uri="{FF2B5EF4-FFF2-40B4-BE49-F238E27FC236}">
-                  <a16:creationId xmlns:a16="http://schemas.microsoft.com/office/drawing/2014/main" id="{3585E568-6A00-4ED1-3D31-852BE52B8C2E}"/>
-                </a:ext>
-              </a:extLst>
-            </p:cNvPr>
-            <p:cNvSpPr txBox="1"/>
-            <p:nvPr/>
-          </p:nvSpPr>
-          <p:spPr>
-            <a:xfrm rot="16200000">
-              <a:off x="7042382" y="4622380"/>
-              <a:ext cx="836626" cy="212719"/>
-            </a:xfrm>
-            <a:prstGeom prst="rect">
-              <a:avLst/>
-            </a:prstGeom>
-            <a:noFill/>
-          </p:spPr>
-          <p:txBody>
-            <a:bodyPr wrap="square" rtlCol="0">
-              <a:spAutoFit/>
-            </a:bodyPr>
-            <a:lstStyle/>
-            <a:p>
-              <a:pPr algn="ctr"/>
-              <a:r>
-                <a:rPr lang="en-US" sz="800" dirty="0"/>
-                <a:t>200x100</a:t>
-              </a:r>
-            </a:p>
-          </p:txBody>
-        </p:sp>
-        <p:sp>
-          <p:nvSpPr>
-            <p:cNvPr id="117" name="TextBox 116">
-              <a:extLst>
-                <a:ext uri="{FF2B5EF4-FFF2-40B4-BE49-F238E27FC236}">
-                  <a16:creationId xmlns:a16="http://schemas.microsoft.com/office/drawing/2014/main" id="{E55A1DBC-F8B4-90D8-D2DE-194B949E7047}"/>
-                </a:ext>
-              </a:extLst>
-            </p:cNvPr>
-            <p:cNvSpPr txBox="1"/>
-            <p:nvPr/>
-          </p:nvSpPr>
-          <p:spPr>
-            <a:xfrm rot="16200000">
-              <a:off x="7047593" y="5315589"/>
-              <a:ext cx="836626" cy="212719"/>
-            </a:xfrm>
-            <a:prstGeom prst="rect">
-              <a:avLst/>
-            </a:prstGeom>
-            <a:noFill/>
-          </p:spPr>
-          <p:txBody>
-            <a:bodyPr wrap="square" rtlCol="0">
-              <a:spAutoFit/>
-            </a:bodyPr>
-            <a:lstStyle/>
-            <a:p>
-              <a:pPr algn="ctr"/>
-              <a:r>
-                <a:rPr lang="en-US" sz="800" dirty="0"/>
-                <a:t>100x100</a:t>
-              </a:r>
-            </a:p>
-          </p:txBody>
-        </p:sp>
-      </p:grpSp>
       <p:sp>
         <p:nvSpPr>
           <p:cNvPr id="327" name="Rectangle 326">
@@ -7785,2452 +6611,6 @@
           <a:p>
             <a:pPr algn="ctr"/>
             <a:endParaRPr lang="en-US" sz="800" dirty="0"/>
-          </a:p>
-        </p:txBody>
-      </p:sp>
-      <p:grpSp>
-        <p:nvGrpSpPr>
-          <p:cNvPr id="340" name="Group 339">
-            <a:extLst>
-              <a:ext uri="{FF2B5EF4-FFF2-40B4-BE49-F238E27FC236}">
-                <a16:creationId xmlns:a16="http://schemas.microsoft.com/office/drawing/2014/main" id="{CC5DDE01-6EA1-A7A6-2E62-6F6E8F9841DE}"/>
-              </a:ext>
-            </a:extLst>
-          </p:cNvPr>
-          <p:cNvGrpSpPr/>
-          <p:nvPr/>
-        </p:nvGrpSpPr>
-        <p:grpSpPr>
-          <a:xfrm>
-            <a:off x="567953" y="371972"/>
-            <a:ext cx="2696492" cy="3127929"/>
-            <a:chOff x="1383411" y="673190"/>
-            <a:chExt cx="2696492" cy="3120633"/>
-          </a:xfrm>
-        </p:grpSpPr>
-        <p:cxnSp>
-          <p:nvCxnSpPr>
-            <p:cNvPr id="346" name="Connector: Elbow 345">
-              <a:extLst>
-                <a:ext uri="{FF2B5EF4-FFF2-40B4-BE49-F238E27FC236}">
-                  <a16:creationId xmlns:a16="http://schemas.microsoft.com/office/drawing/2014/main" id="{B9049F3F-453F-4425-8988-F6D8F226D9D0}"/>
-                </a:ext>
-              </a:extLst>
-            </p:cNvPr>
-            <p:cNvCxnSpPr>
-              <a:cxnSpLocks/>
-              <a:stCxn id="372" idx="0"/>
-              <a:endCxn id="348" idx="2"/>
-            </p:cNvCxnSpPr>
-            <p:nvPr/>
-          </p:nvCxnSpPr>
-          <p:spPr>
-            <a:xfrm rot="5400000" flipH="1" flipV="1">
-              <a:off x="2081384" y="938112"/>
-              <a:ext cx="274397" cy="869688"/>
-            </a:xfrm>
-            <a:prstGeom prst="bentConnector3">
-              <a:avLst>
-                <a:gd name="adj1" fmla="val 69914"/>
-              </a:avLst>
-            </a:prstGeom>
-            <a:ln w="12700"/>
-          </p:spPr>
-          <p:style>
-            <a:lnRef idx="1">
-              <a:schemeClr val="accent1"/>
-            </a:lnRef>
-            <a:fillRef idx="0">
-              <a:schemeClr val="accent1"/>
-            </a:fillRef>
-            <a:effectRef idx="0">
-              <a:schemeClr val="accent1"/>
-            </a:effectRef>
-            <a:fontRef idx="minor">
-              <a:schemeClr val="tx1"/>
-            </a:fontRef>
-          </p:style>
-        </p:cxnSp>
-        <p:cxnSp>
-          <p:nvCxnSpPr>
-            <p:cNvPr id="347" name="Connector: Elbow 346">
-              <a:extLst>
-                <a:ext uri="{FF2B5EF4-FFF2-40B4-BE49-F238E27FC236}">
-                  <a16:creationId xmlns:a16="http://schemas.microsoft.com/office/drawing/2014/main" id="{41A8241A-BE3A-53E0-73BD-A94471975B93}"/>
-                </a:ext>
-              </a:extLst>
-            </p:cNvPr>
-            <p:cNvCxnSpPr>
-              <a:cxnSpLocks/>
-              <a:stCxn id="348" idx="2"/>
-              <a:endCxn id="374" idx="0"/>
-            </p:cNvCxnSpPr>
-            <p:nvPr/>
-          </p:nvCxnSpPr>
-          <p:spPr>
-            <a:xfrm rot="16200000" flipH="1">
-              <a:off x="2992340" y="896843"/>
-              <a:ext cx="271075" cy="948902"/>
-            </a:xfrm>
-            <a:prstGeom prst="bentConnector3">
-              <a:avLst>
-                <a:gd name="adj1" fmla="val 30368"/>
-              </a:avLst>
-            </a:prstGeom>
-            <a:ln w="12700"/>
-          </p:spPr>
-          <p:style>
-            <a:lnRef idx="1">
-              <a:schemeClr val="accent1"/>
-            </a:lnRef>
-            <a:fillRef idx="0">
-              <a:schemeClr val="accent1"/>
-            </a:fillRef>
-            <a:effectRef idx="0">
-              <a:schemeClr val="accent1"/>
-            </a:effectRef>
-            <a:fontRef idx="minor">
-              <a:schemeClr val="tx1"/>
-            </a:fontRef>
-          </p:style>
-        </p:cxnSp>
-        <p:sp>
-          <p:nvSpPr>
-            <p:cNvPr id="348" name="Rectangle 347">
-              <a:extLst>
-                <a:ext uri="{FF2B5EF4-FFF2-40B4-BE49-F238E27FC236}">
-                  <a16:creationId xmlns:a16="http://schemas.microsoft.com/office/drawing/2014/main" id="{EE442574-0A38-0FE6-153A-4C0BBD0839AE}"/>
-                </a:ext>
-              </a:extLst>
-            </p:cNvPr>
-            <p:cNvSpPr/>
-            <p:nvPr/>
-          </p:nvSpPr>
-          <p:spPr>
-            <a:xfrm>
-              <a:off x="2218572" y="673190"/>
-              <a:ext cx="869708" cy="562567"/>
-            </a:xfrm>
-            <a:prstGeom prst="rect">
-              <a:avLst/>
-            </a:prstGeom>
-            <a:solidFill>
-              <a:schemeClr val="bg1">
-                <a:lumMod val="95000"/>
-              </a:schemeClr>
-            </a:solidFill>
-            <a:ln>
-              <a:solidFill>
-                <a:schemeClr val="accent1"/>
-              </a:solidFill>
-            </a:ln>
-          </p:spPr>
-          <p:style>
-            <a:lnRef idx="2">
-              <a:schemeClr val="accent1">
-                <a:shade val="50000"/>
-              </a:schemeClr>
-            </a:lnRef>
-            <a:fillRef idx="1">
-              <a:schemeClr val="accent1"/>
-            </a:fillRef>
-            <a:effectRef idx="0">
-              <a:schemeClr val="accent1"/>
-            </a:effectRef>
-            <a:fontRef idx="minor">
-              <a:schemeClr val="lt1"/>
-            </a:fontRef>
-          </p:style>
-          <p:txBody>
-            <a:bodyPr rtlCol="0" anchor="ctr"/>
-            <a:lstStyle/>
-            <a:p>
-              <a:pPr algn="ctr"/>
-              <a:r>
-                <a:rPr lang="en-US" sz="800" b="1" dirty="0">
-                  <a:solidFill>
-                    <a:schemeClr val="accent1"/>
-                  </a:solidFill>
-                </a:rPr>
-                <a:t>12 Patients</a:t>
-              </a:r>
-            </a:p>
-            <a:p>
-              <a:pPr algn="ctr"/>
-              <a:r>
-                <a:rPr lang="en-US" sz="800" dirty="0">
-                  <a:solidFill>
-                    <a:schemeClr val="tx1"/>
-                  </a:solidFill>
-                </a:rPr>
-                <a:t>Avg: 62.6 years</a:t>
-              </a:r>
-            </a:p>
-            <a:p>
-              <a:pPr algn="ctr"/>
-              <a:r>
-                <a:rPr lang="en-US" sz="800" dirty="0">
-                  <a:solidFill>
-                    <a:schemeClr val="tx1"/>
-                  </a:solidFill>
-                </a:rPr>
-                <a:t>Min: 33 years</a:t>
-              </a:r>
-            </a:p>
-            <a:p>
-              <a:pPr algn="ctr"/>
-              <a:r>
-                <a:rPr lang="en-US" sz="800" dirty="0">
-                  <a:solidFill>
-                    <a:schemeClr val="tx1"/>
-                  </a:solidFill>
-                </a:rPr>
-                <a:t>Max: 78 years</a:t>
-              </a:r>
-            </a:p>
-          </p:txBody>
-        </p:sp>
-        <p:grpSp>
-          <p:nvGrpSpPr>
-            <p:cNvPr id="349" name="Group 348">
-              <a:extLst>
-                <a:ext uri="{FF2B5EF4-FFF2-40B4-BE49-F238E27FC236}">
-                  <a16:creationId xmlns:a16="http://schemas.microsoft.com/office/drawing/2014/main" id="{E2412DAF-BAEF-E7B1-B1B2-06F1CF4CFB23}"/>
-                </a:ext>
-              </a:extLst>
-            </p:cNvPr>
-            <p:cNvGrpSpPr/>
-            <p:nvPr/>
-          </p:nvGrpSpPr>
-          <p:grpSpPr>
-            <a:xfrm>
-              <a:off x="1383411" y="1506832"/>
-              <a:ext cx="2696492" cy="805934"/>
-              <a:chOff x="1383411" y="1506832"/>
-              <a:chExt cx="2696492" cy="805934"/>
-            </a:xfrm>
-          </p:grpSpPr>
-          <p:sp>
-            <p:nvSpPr>
-              <p:cNvPr id="372" name="Rectangle 371">
-                <a:extLst>
-                  <a:ext uri="{FF2B5EF4-FFF2-40B4-BE49-F238E27FC236}">
-                    <a16:creationId xmlns:a16="http://schemas.microsoft.com/office/drawing/2014/main" id="{B3EB0B9B-6B02-0399-B5E4-F1F2E1057256}"/>
-                  </a:ext>
-                </a:extLst>
-              </p:cNvPr>
-              <p:cNvSpPr/>
-              <p:nvPr/>
-            </p:nvSpPr>
-            <p:spPr>
-              <a:xfrm>
-                <a:off x="1383411" y="1510154"/>
-                <a:ext cx="800653" cy="799290"/>
-              </a:xfrm>
-              <a:prstGeom prst="rect">
-                <a:avLst/>
-              </a:prstGeom>
-              <a:solidFill>
-                <a:schemeClr val="bg1">
-                  <a:lumMod val="95000"/>
-                </a:schemeClr>
-              </a:solidFill>
-              <a:ln>
-                <a:solidFill>
-                  <a:schemeClr val="accent1"/>
-                </a:solidFill>
-              </a:ln>
-            </p:spPr>
-            <p:style>
-              <a:lnRef idx="2">
-                <a:schemeClr val="accent1">
-                  <a:shade val="50000"/>
-                </a:schemeClr>
-              </a:lnRef>
-              <a:fillRef idx="1">
-                <a:schemeClr val="accent1"/>
-              </a:fillRef>
-              <a:effectRef idx="0">
-                <a:schemeClr val="accent1"/>
-              </a:effectRef>
-              <a:fontRef idx="minor">
-                <a:schemeClr val="lt1"/>
-              </a:fontRef>
-            </p:style>
-            <p:txBody>
-              <a:bodyPr rtlCol="0" anchor="ctr"/>
-              <a:lstStyle/>
-              <a:p>
-                <a:pPr algn="ctr"/>
-                <a:r>
-                  <a:rPr lang="en-US" sz="800" b="1" dirty="0">
-                    <a:solidFill>
-                      <a:schemeClr val="accent1"/>
-                    </a:solidFill>
-                  </a:rPr>
-                  <a:t>Training Set</a:t>
-                </a:r>
-              </a:p>
-              <a:p>
-                <a:pPr algn="ctr"/>
-                <a:r>
-                  <a:rPr lang="en-US" sz="800" dirty="0">
-                    <a:solidFill>
-                      <a:schemeClr val="tx1"/>
-                    </a:solidFill>
-                  </a:rPr>
-                  <a:t>Train the CNNs with 20% validation split.</a:t>
-                </a:r>
-              </a:p>
-            </p:txBody>
-          </p:sp>
-          <p:sp>
-            <p:nvSpPr>
-              <p:cNvPr id="373" name="Rectangle 372">
-                <a:extLst>
-                  <a:ext uri="{FF2B5EF4-FFF2-40B4-BE49-F238E27FC236}">
-                    <a16:creationId xmlns:a16="http://schemas.microsoft.com/office/drawing/2014/main" id="{DCC571E2-49F2-3534-D62B-0BB1A37D9C30}"/>
-                  </a:ext>
-                </a:extLst>
-              </p:cNvPr>
-              <p:cNvSpPr/>
-              <p:nvPr/>
-            </p:nvSpPr>
-            <p:spPr>
-              <a:xfrm>
-                <a:off x="2254081" y="1510154"/>
-                <a:ext cx="800653" cy="799290"/>
-              </a:xfrm>
-              <a:prstGeom prst="rect">
-                <a:avLst/>
-              </a:prstGeom>
-              <a:solidFill>
-                <a:schemeClr val="bg1">
-                  <a:lumMod val="95000"/>
-                </a:schemeClr>
-              </a:solidFill>
-              <a:ln>
-                <a:solidFill>
-                  <a:schemeClr val="accent1"/>
-                </a:solidFill>
-              </a:ln>
-            </p:spPr>
-            <p:style>
-              <a:lnRef idx="2">
-                <a:schemeClr val="accent1">
-                  <a:shade val="50000"/>
-                </a:schemeClr>
-              </a:lnRef>
-              <a:fillRef idx="1">
-                <a:schemeClr val="accent1"/>
-              </a:fillRef>
-              <a:effectRef idx="0">
-                <a:schemeClr val="accent1"/>
-              </a:effectRef>
-              <a:fontRef idx="minor">
-                <a:schemeClr val="lt1"/>
-              </a:fontRef>
-            </p:style>
-            <p:txBody>
-              <a:bodyPr rtlCol="0" anchor="ctr"/>
-              <a:lstStyle/>
-              <a:p>
-                <a:pPr algn="ctr"/>
-                <a:r>
-                  <a:rPr lang="en-US" sz="800" b="1" dirty="0">
-                    <a:solidFill>
-                      <a:schemeClr val="accent1"/>
-                    </a:solidFill>
-                  </a:rPr>
-                  <a:t>Testing Set</a:t>
-                </a:r>
-              </a:p>
-              <a:p>
-                <a:pPr algn="ctr"/>
-                <a:r>
-                  <a:rPr lang="en-US" sz="800" dirty="0">
-                    <a:solidFill>
-                      <a:schemeClr val="tx1"/>
-                    </a:solidFill>
-                  </a:rPr>
-                  <a:t>Assess how well the CNNs generalize to unseen data.</a:t>
-                </a:r>
-              </a:p>
-            </p:txBody>
-          </p:sp>
-          <p:sp>
-            <p:nvSpPr>
-              <p:cNvPr id="374" name="Rectangle 373">
-                <a:extLst>
-                  <a:ext uri="{FF2B5EF4-FFF2-40B4-BE49-F238E27FC236}">
-                    <a16:creationId xmlns:a16="http://schemas.microsoft.com/office/drawing/2014/main" id="{5600464B-F413-5CAC-8EAD-9D1A4D4A3909}"/>
-                  </a:ext>
-                </a:extLst>
-              </p:cNvPr>
-              <p:cNvSpPr/>
-              <p:nvPr/>
-            </p:nvSpPr>
-            <p:spPr>
-              <a:xfrm>
-                <a:off x="3124752" y="1506832"/>
-                <a:ext cx="955151" cy="805934"/>
-              </a:xfrm>
-              <a:prstGeom prst="rect">
-                <a:avLst/>
-              </a:prstGeom>
-              <a:solidFill>
-                <a:schemeClr val="bg1">
-                  <a:lumMod val="95000"/>
-                </a:schemeClr>
-              </a:solidFill>
-              <a:ln>
-                <a:solidFill>
-                  <a:schemeClr val="accent1"/>
-                </a:solidFill>
-              </a:ln>
-            </p:spPr>
-            <p:style>
-              <a:lnRef idx="2">
-                <a:schemeClr val="accent1">
-                  <a:shade val="50000"/>
-                </a:schemeClr>
-              </a:lnRef>
-              <a:fillRef idx="1">
-                <a:schemeClr val="accent1"/>
-              </a:fillRef>
-              <a:effectRef idx="0">
-                <a:schemeClr val="accent1"/>
-              </a:effectRef>
-              <a:fontRef idx="minor">
-                <a:schemeClr val="lt1"/>
-              </a:fontRef>
-            </p:style>
-            <p:txBody>
-              <a:bodyPr rtlCol="0" anchor="ctr"/>
-              <a:lstStyle/>
-              <a:p>
-                <a:pPr algn="ctr"/>
-                <a:r>
-                  <a:rPr lang="en-US" sz="800" b="1" dirty="0">
-                    <a:solidFill>
-                      <a:schemeClr val="accent1"/>
-                    </a:solidFill>
-                  </a:rPr>
-                  <a:t>Segmentation Set</a:t>
-                </a:r>
-              </a:p>
-              <a:p>
-                <a:pPr algn="ctr"/>
-                <a:r>
-                  <a:rPr lang="en-US" sz="800" dirty="0">
-                    <a:solidFill>
-                      <a:schemeClr val="tx1"/>
-                    </a:solidFill>
-                  </a:rPr>
-                  <a:t>Apply the model to mixed cancer and non-cancer samples.</a:t>
-                </a:r>
-              </a:p>
-            </p:txBody>
-          </p:sp>
-        </p:grpSp>
-        <p:cxnSp>
-          <p:nvCxnSpPr>
-            <p:cNvPr id="350" name="Connector: Elbow 349">
-              <a:extLst>
-                <a:ext uri="{FF2B5EF4-FFF2-40B4-BE49-F238E27FC236}">
-                  <a16:creationId xmlns:a16="http://schemas.microsoft.com/office/drawing/2014/main" id="{439D997D-B5AC-A4B7-FDF4-ADF68E17AC21}"/>
-                </a:ext>
-              </a:extLst>
-            </p:cNvPr>
-            <p:cNvCxnSpPr>
-              <a:cxnSpLocks/>
-              <a:stCxn id="348" idx="2"/>
-              <a:endCxn id="373" idx="0"/>
-            </p:cNvCxnSpPr>
-            <p:nvPr/>
-          </p:nvCxnSpPr>
-          <p:spPr>
-            <a:xfrm rot="16200000" flipH="1">
-              <a:off x="2516719" y="1372464"/>
-              <a:ext cx="274397" cy="982"/>
-            </a:xfrm>
-            <a:prstGeom prst="bentConnector3">
-              <a:avLst>
-                <a:gd name="adj1" fmla="val 50000"/>
-              </a:avLst>
-            </a:prstGeom>
-            <a:ln w="12700"/>
-          </p:spPr>
-          <p:style>
-            <a:lnRef idx="1">
-              <a:schemeClr val="accent1"/>
-            </a:lnRef>
-            <a:fillRef idx="0">
-              <a:schemeClr val="accent1"/>
-            </a:fillRef>
-            <a:effectRef idx="0">
-              <a:schemeClr val="accent1"/>
-            </a:effectRef>
-            <a:fontRef idx="minor">
-              <a:schemeClr val="tx1"/>
-            </a:fontRef>
-          </p:style>
-        </p:cxnSp>
-        <p:sp>
-          <p:nvSpPr>
-            <p:cNvPr id="351" name="TextBox 350">
-              <a:extLst>
-                <a:ext uri="{FF2B5EF4-FFF2-40B4-BE49-F238E27FC236}">
-                  <a16:creationId xmlns:a16="http://schemas.microsoft.com/office/drawing/2014/main" id="{C6E808A4-5C08-230B-7F62-2A2414C00176}"/>
-                </a:ext>
-              </a:extLst>
-            </p:cNvPr>
-            <p:cNvSpPr txBox="1"/>
-            <p:nvPr/>
-          </p:nvSpPr>
-          <p:spPr>
-            <a:xfrm>
-              <a:off x="1629872" y="1319472"/>
-              <a:ext cx="164378" cy="214941"/>
-            </a:xfrm>
-            <a:prstGeom prst="rect">
-              <a:avLst/>
-            </a:prstGeom>
-            <a:noFill/>
-          </p:spPr>
-          <p:txBody>
-            <a:bodyPr wrap="square" rtlCol="0">
-              <a:spAutoFit/>
-            </a:bodyPr>
-            <a:lstStyle/>
-            <a:p>
-              <a:pPr algn="ctr"/>
-              <a:r>
-                <a:rPr lang="en-US" sz="800" b="1" dirty="0">
-                  <a:solidFill>
-                    <a:schemeClr val="accent1"/>
-                  </a:solidFill>
-                </a:rPr>
-                <a:t>7</a:t>
-              </a:r>
-            </a:p>
-          </p:txBody>
-        </p:sp>
-        <p:sp>
-          <p:nvSpPr>
-            <p:cNvPr id="352" name="TextBox 351">
-              <a:extLst>
-                <a:ext uri="{FF2B5EF4-FFF2-40B4-BE49-F238E27FC236}">
-                  <a16:creationId xmlns:a16="http://schemas.microsoft.com/office/drawing/2014/main" id="{7EF8D669-8375-E2D8-374A-AA4B57ADA3CE}"/>
-                </a:ext>
-              </a:extLst>
-            </p:cNvPr>
-            <p:cNvSpPr txBox="1"/>
-            <p:nvPr/>
-          </p:nvSpPr>
-          <p:spPr>
-            <a:xfrm>
-              <a:off x="2497261" y="1322471"/>
-              <a:ext cx="164378" cy="214941"/>
-            </a:xfrm>
-            <a:prstGeom prst="rect">
-              <a:avLst/>
-            </a:prstGeom>
-            <a:noFill/>
-          </p:spPr>
-          <p:txBody>
-            <a:bodyPr wrap="square" rtlCol="0">
-              <a:spAutoFit/>
-            </a:bodyPr>
-            <a:lstStyle/>
-            <a:p>
-              <a:pPr algn="ctr"/>
-              <a:r>
-                <a:rPr lang="en-US" sz="800" b="1" dirty="0">
-                  <a:solidFill>
-                    <a:schemeClr val="accent1"/>
-                  </a:solidFill>
-                </a:rPr>
-                <a:t>4</a:t>
-              </a:r>
-            </a:p>
-          </p:txBody>
-        </p:sp>
-        <p:sp>
-          <p:nvSpPr>
-            <p:cNvPr id="353" name="TextBox 352">
-              <a:extLst>
-                <a:ext uri="{FF2B5EF4-FFF2-40B4-BE49-F238E27FC236}">
-                  <a16:creationId xmlns:a16="http://schemas.microsoft.com/office/drawing/2014/main" id="{011C371F-11EA-EC83-5888-73F306E87327}"/>
-                </a:ext>
-              </a:extLst>
-            </p:cNvPr>
-            <p:cNvSpPr txBox="1"/>
-            <p:nvPr/>
-          </p:nvSpPr>
-          <p:spPr>
-            <a:xfrm>
-              <a:off x="3441679" y="1322464"/>
-              <a:ext cx="164378" cy="214941"/>
-            </a:xfrm>
-            <a:prstGeom prst="rect">
-              <a:avLst/>
-            </a:prstGeom>
-            <a:noFill/>
-          </p:spPr>
-          <p:txBody>
-            <a:bodyPr wrap="square" rtlCol="0">
-              <a:spAutoFit/>
-            </a:bodyPr>
-            <a:lstStyle/>
-            <a:p>
-              <a:pPr algn="ctr"/>
-              <a:r>
-                <a:rPr lang="en-US" sz="800" b="1" dirty="0">
-                  <a:solidFill>
-                    <a:schemeClr val="accent1"/>
-                  </a:solidFill>
-                </a:rPr>
-                <a:t>1</a:t>
-              </a:r>
-            </a:p>
-          </p:txBody>
-        </p:sp>
-        <p:sp>
-          <p:nvSpPr>
-            <p:cNvPr id="354" name="Rectangle 353">
-              <a:extLst>
-                <a:ext uri="{FF2B5EF4-FFF2-40B4-BE49-F238E27FC236}">
-                  <a16:creationId xmlns:a16="http://schemas.microsoft.com/office/drawing/2014/main" id="{CABF16AA-DBC2-6634-EAA7-C542CE20D160}"/>
-                </a:ext>
-              </a:extLst>
-            </p:cNvPr>
-            <p:cNvSpPr/>
-            <p:nvPr/>
-          </p:nvSpPr>
-          <p:spPr>
-            <a:xfrm rot="16200000">
-              <a:off x="1514981" y="2851440"/>
-              <a:ext cx="800653" cy="197948"/>
-            </a:xfrm>
-            <a:prstGeom prst="rect">
-              <a:avLst/>
-            </a:prstGeom>
-            <a:solidFill>
-              <a:schemeClr val="bg1">
-                <a:lumMod val="95000"/>
-              </a:schemeClr>
-            </a:solidFill>
-            <a:ln>
-              <a:solidFill>
-                <a:schemeClr val="accent1"/>
-              </a:solidFill>
-            </a:ln>
-          </p:spPr>
-          <p:style>
-            <a:lnRef idx="2">
-              <a:schemeClr val="accent1">
-                <a:shade val="50000"/>
-              </a:schemeClr>
-            </a:lnRef>
-            <a:fillRef idx="1">
-              <a:schemeClr val="accent1"/>
-            </a:fillRef>
-            <a:effectRef idx="0">
-              <a:schemeClr val="accent1"/>
-            </a:effectRef>
-            <a:fontRef idx="minor">
-              <a:schemeClr val="lt1"/>
-            </a:fontRef>
-          </p:style>
-          <p:txBody>
-            <a:bodyPr rtlCol="0" anchor="ctr"/>
-            <a:lstStyle/>
-            <a:p>
-              <a:pPr algn="ctr"/>
-              <a:r>
-                <a:rPr lang="en-US" sz="800" b="1" dirty="0">
-                  <a:solidFill>
-                    <a:schemeClr val="accent1"/>
-                  </a:solidFill>
-                </a:rPr>
-                <a:t>16 non-cancer</a:t>
-              </a:r>
-              <a:endParaRPr lang="en-US" sz="800" dirty="0">
-                <a:solidFill>
-                  <a:schemeClr val="tx1"/>
-                </a:solidFill>
-              </a:endParaRPr>
-            </a:p>
-          </p:txBody>
-        </p:sp>
-        <p:sp>
-          <p:nvSpPr>
-            <p:cNvPr id="355" name="Rectangle 354">
-              <a:extLst>
-                <a:ext uri="{FF2B5EF4-FFF2-40B4-BE49-F238E27FC236}">
-                  <a16:creationId xmlns:a16="http://schemas.microsoft.com/office/drawing/2014/main" id="{4CED5030-0B53-EA6B-75AE-471635A6C1C9}"/>
-                </a:ext>
-              </a:extLst>
-            </p:cNvPr>
-            <p:cNvSpPr/>
-            <p:nvPr/>
-          </p:nvSpPr>
-          <p:spPr>
-            <a:xfrm rot="16200000">
-              <a:off x="1240058" y="2851443"/>
-              <a:ext cx="800653" cy="197948"/>
-            </a:xfrm>
-            <a:prstGeom prst="rect">
-              <a:avLst/>
-            </a:prstGeom>
-            <a:solidFill>
-              <a:schemeClr val="bg1">
-                <a:lumMod val="95000"/>
-              </a:schemeClr>
-            </a:solidFill>
-            <a:ln>
-              <a:solidFill>
-                <a:schemeClr val="accent1"/>
-              </a:solidFill>
-            </a:ln>
-          </p:spPr>
-          <p:style>
-            <a:lnRef idx="2">
-              <a:schemeClr val="accent1">
-                <a:shade val="50000"/>
-              </a:schemeClr>
-            </a:lnRef>
-            <a:fillRef idx="1">
-              <a:schemeClr val="accent1"/>
-            </a:fillRef>
-            <a:effectRef idx="0">
-              <a:schemeClr val="accent1"/>
-            </a:effectRef>
-            <a:fontRef idx="minor">
-              <a:schemeClr val="lt1"/>
-            </a:fontRef>
-          </p:style>
-          <p:txBody>
-            <a:bodyPr rtlCol="0" anchor="ctr"/>
-            <a:lstStyle/>
-            <a:p>
-              <a:pPr algn="ctr"/>
-              <a:r>
-                <a:rPr lang="en-US" sz="800" b="1" dirty="0">
-                  <a:solidFill>
-                    <a:schemeClr val="accent1"/>
-                  </a:solidFill>
-                </a:rPr>
-                <a:t>18 cancer</a:t>
-              </a:r>
-            </a:p>
-          </p:txBody>
-        </p:sp>
-        <p:cxnSp>
-          <p:nvCxnSpPr>
-            <p:cNvPr id="356" name="Connector: Elbow 355">
-              <a:extLst>
-                <a:ext uri="{FF2B5EF4-FFF2-40B4-BE49-F238E27FC236}">
-                  <a16:creationId xmlns:a16="http://schemas.microsoft.com/office/drawing/2014/main" id="{71999B51-DC0C-E16A-5711-CE8EA670C353}"/>
-                </a:ext>
-              </a:extLst>
-            </p:cNvPr>
-            <p:cNvCxnSpPr>
-              <a:cxnSpLocks/>
-              <a:stCxn id="355" idx="3"/>
-              <a:endCxn id="372" idx="2"/>
-            </p:cNvCxnSpPr>
-            <p:nvPr/>
-          </p:nvCxnSpPr>
-          <p:spPr>
-            <a:xfrm rot="5400000" flipH="1" flipV="1">
-              <a:off x="1591738" y="2358091"/>
-              <a:ext cx="240647" cy="143354"/>
-            </a:xfrm>
-            <a:prstGeom prst="bentConnector3">
-              <a:avLst>
-                <a:gd name="adj1" fmla="val 67592"/>
-              </a:avLst>
-            </a:prstGeom>
-            <a:ln w="12700"/>
-          </p:spPr>
-          <p:style>
-            <a:lnRef idx="1">
-              <a:schemeClr val="accent1"/>
-            </a:lnRef>
-            <a:fillRef idx="0">
-              <a:schemeClr val="accent1"/>
-            </a:fillRef>
-            <a:effectRef idx="0">
-              <a:schemeClr val="accent1"/>
-            </a:effectRef>
-            <a:fontRef idx="minor">
-              <a:schemeClr val="tx1"/>
-            </a:fontRef>
-          </p:style>
-        </p:cxnSp>
-        <p:cxnSp>
-          <p:nvCxnSpPr>
-            <p:cNvPr id="357" name="Connector: Elbow 356">
-              <a:extLst>
-                <a:ext uri="{FF2B5EF4-FFF2-40B4-BE49-F238E27FC236}">
-                  <a16:creationId xmlns:a16="http://schemas.microsoft.com/office/drawing/2014/main" id="{9C23E8B7-BA1C-81CE-BC9B-BDEB624EB846}"/>
-                </a:ext>
-              </a:extLst>
-            </p:cNvPr>
-            <p:cNvCxnSpPr>
-              <a:cxnSpLocks/>
-              <a:stCxn id="354" idx="3"/>
-              <a:endCxn id="372" idx="2"/>
-            </p:cNvCxnSpPr>
-            <p:nvPr/>
-          </p:nvCxnSpPr>
-          <p:spPr>
-            <a:xfrm rot="16200000" flipV="1">
-              <a:off x="1729201" y="2363981"/>
-              <a:ext cx="240644" cy="131569"/>
-            </a:xfrm>
-            <a:prstGeom prst="bentConnector3">
-              <a:avLst>
-                <a:gd name="adj1" fmla="val 67591"/>
-              </a:avLst>
-            </a:prstGeom>
-            <a:ln w="12700"/>
-          </p:spPr>
-          <p:style>
-            <a:lnRef idx="1">
-              <a:schemeClr val="accent1"/>
-            </a:lnRef>
-            <a:fillRef idx="0">
-              <a:schemeClr val="accent1"/>
-            </a:fillRef>
-            <a:effectRef idx="0">
-              <a:schemeClr val="accent1"/>
-            </a:effectRef>
-            <a:fontRef idx="minor">
-              <a:schemeClr val="tx1"/>
-            </a:fontRef>
-          </p:style>
-        </p:cxnSp>
-        <p:sp>
-          <p:nvSpPr>
-            <p:cNvPr id="358" name="Rectangle 357">
-              <a:extLst>
-                <a:ext uri="{FF2B5EF4-FFF2-40B4-BE49-F238E27FC236}">
-                  <a16:creationId xmlns:a16="http://schemas.microsoft.com/office/drawing/2014/main" id="{D5346B23-2EB3-54CF-73C0-3C14816652DB}"/>
-                </a:ext>
-              </a:extLst>
-            </p:cNvPr>
-            <p:cNvSpPr/>
-            <p:nvPr/>
-          </p:nvSpPr>
-          <p:spPr>
-            <a:xfrm>
-              <a:off x="1383411" y="3486219"/>
-              <a:ext cx="800653" cy="307604"/>
-            </a:xfrm>
-            <a:prstGeom prst="rect">
-              <a:avLst/>
-            </a:prstGeom>
-            <a:solidFill>
-              <a:schemeClr val="bg1">
-                <a:lumMod val="95000"/>
-              </a:schemeClr>
-            </a:solidFill>
-            <a:ln>
-              <a:solidFill>
-                <a:schemeClr val="accent1"/>
-              </a:solidFill>
-            </a:ln>
-          </p:spPr>
-          <p:style>
-            <a:lnRef idx="2">
-              <a:schemeClr val="accent1">
-                <a:shade val="50000"/>
-              </a:schemeClr>
-            </a:lnRef>
-            <a:fillRef idx="1">
-              <a:schemeClr val="accent1"/>
-            </a:fillRef>
-            <a:effectRef idx="0">
-              <a:schemeClr val="accent1"/>
-            </a:effectRef>
-            <a:fontRef idx="minor">
-              <a:schemeClr val="lt1"/>
-            </a:fontRef>
-          </p:style>
-          <p:txBody>
-            <a:bodyPr rtlCol="0" anchor="ctr"/>
-            <a:lstStyle/>
-            <a:p>
-              <a:pPr algn="ctr"/>
-              <a:r>
-                <a:rPr lang="en-US" sz="800" b="1" dirty="0">
-                  <a:solidFill>
-                    <a:schemeClr val="accent1"/>
-                  </a:solidFill>
-                </a:rPr>
-                <a:t>5,831 examples</a:t>
-              </a:r>
-            </a:p>
-          </p:txBody>
-        </p:sp>
-        <p:sp>
-          <p:nvSpPr>
-            <p:cNvPr id="359" name="Rectangle 358">
-              <a:extLst>
-                <a:ext uri="{FF2B5EF4-FFF2-40B4-BE49-F238E27FC236}">
-                  <a16:creationId xmlns:a16="http://schemas.microsoft.com/office/drawing/2014/main" id="{4D77B886-E53A-485D-B5C0-6E74DFABE8E3}"/>
-                </a:ext>
-              </a:extLst>
-            </p:cNvPr>
-            <p:cNvSpPr/>
-            <p:nvPr/>
-          </p:nvSpPr>
-          <p:spPr>
-            <a:xfrm>
-              <a:off x="2244536" y="3486218"/>
-              <a:ext cx="800653" cy="307604"/>
-            </a:xfrm>
-            <a:prstGeom prst="rect">
-              <a:avLst/>
-            </a:prstGeom>
-            <a:solidFill>
-              <a:schemeClr val="bg1">
-                <a:lumMod val="95000"/>
-              </a:schemeClr>
-            </a:solidFill>
-            <a:ln>
-              <a:solidFill>
-                <a:schemeClr val="accent1"/>
-              </a:solidFill>
-            </a:ln>
-          </p:spPr>
-          <p:style>
-            <a:lnRef idx="2">
-              <a:schemeClr val="accent1">
-                <a:shade val="50000"/>
-              </a:schemeClr>
-            </a:lnRef>
-            <a:fillRef idx="1">
-              <a:schemeClr val="accent1"/>
-            </a:fillRef>
-            <a:effectRef idx="0">
-              <a:schemeClr val="accent1"/>
-            </a:effectRef>
-            <a:fontRef idx="minor">
-              <a:schemeClr val="lt1"/>
-            </a:fontRef>
-          </p:style>
-          <p:txBody>
-            <a:bodyPr rtlCol="0" anchor="ctr"/>
-            <a:lstStyle/>
-            <a:p>
-              <a:pPr algn="ctr"/>
-              <a:r>
-                <a:rPr lang="en-US" sz="800" b="1" dirty="0">
-                  <a:solidFill>
-                    <a:schemeClr val="accent1"/>
-                  </a:solidFill>
-                </a:rPr>
-                <a:t>1,610 examples</a:t>
-              </a:r>
-            </a:p>
-          </p:txBody>
-        </p:sp>
-        <p:sp>
-          <p:nvSpPr>
-            <p:cNvPr id="360" name="TextBox 359">
-              <a:extLst>
-                <a:ext uri="{FF2B5EF4-FFF2-40B4-BE49-F238E27FC236}">
-                  <a16:creationId xmlns:a16="http://schemas.microsoft.com/office/drawing/2014/main" id="{5EF5DB0F-59FC-90BC-B704-A150740C1AFB}"/>
-                </a:ext>
-              </a:extLst>
-            </p:cNvPr>
-            <p:cNvSpPr txBox="1"/>
-            <p:nvPr/>
-          </p:nvSpPr>
-          <p:spPr>
-            <a:xfrm>
-              <a:off x="1482635" y="2360498"/>
-              <a:ext cx="164378" cy="214941"/>
-            </a:xfrm>
-            <a:prstGeom prst="rect">
-              <a:avLst/>
-            </a:prstGeom>
-            <a:noFill/>
-          </p:spPr>
-          <p:txBody>
-            <a:bodyPr wrap="square" rtlCol="0">
-              <a:spAutoFit/>
-            </a:bodyPr>
-            <a:lstStyle/>
-            <a:p>
-              <a:pPr algn="ctr"/>
-              <a:r>
-                <a:rPr lang="en-US" sz="800" b="1" dirty="0">
-                  <a:solidFill>
-                    <a:schemeClr val="accent1"/>
-                  </a:solidFill>
-                </a:rPr>
-                <a:t>4</a:t>
-              </a:r>
-            </a:p>
-          </p:txBody>
-        </p:sp>
-        <p:sp>
-          <p:nvSpPr>
-            <p:cNvPr id="361" name="TextBox 360">
-              <a:extLst>
-                <a:ext uri="{FF2B5EF4-FFF2-40B4-BE49-F238E27FC236}">
-                  <a16:creationId xmlns:a16="http://schemas.microsoft.com/office/drawing/2014/main" id="{A5BA229F-3A98-0F49-4765-276F115E18ED}"/>
-                </a:ext>
-              </a:extLst>
-            </p:cNvPr>
-            <p:cNvSpPr txBox="1"/>
-            <p:nvPr/>
-          </p:nvSpPr>
-          <p:spPr>
-            <a:xfrm>
-              <a:off x="1760026" y="2360498"/>
-              <a:ext cx="164378" cy="214941"/>
-            </a:xfrm>
-            <a:prstGeom prst="rect">
-              <a:avLst/>
-            </a:prstGeom>
-            <a:noFill/>
-          </p:spPr>
-          <p:txBody>
-            <a:bodyPr wrap="square" rtlCol="0">
-              <a:spAutoFit/>
-            </a:bodyPr>
-            <a:lstStyle/>
-            <a:p>
-              <a:pPr algn="ctr"/>
-              <a:r>
-                <a:rPr lang="en-US" sz="800" b="1" dirty="0">
-                  <a:solidFill>
-                    <a:schemeClr val="accent1"/>
-                  </a:solidFill>
-                </a:rPr>
-                <a:t>3</a:t>
-              </a:r>
-            </a:p>
-          </p:txBody>
-        </p:sp>
-        <p:sp>
-          <p:nvSpPr>
-            <p:cNvPr id="362" name="Rectangle 361">
-              <a:extLst>
-                <a:ext uri="{FF2B5EF4-FFF2-40B4-BE49-F238E27FC236}">
-                  <a16:creationId xmlns:a16="http://schemas.microsoft.com/office/drawing/2014/main" id="{989AABE5-3ACA-EDDD-B8E3-5819EE0F67B5}"/>
-                </a:ext>
-              </a:extLst>
-            </p:cNvPr>
-            <p:cNvSpPr/>
-            <p:nvPr/>
-          </p:nvSpPr>
-          <p:spPr>
-            <a:xfrm rot="16200000">
-              <a:off x="2373866" y="2851440"/>
-              <a:ext cx="800653" cy="197948"/>
-            </a:xfrm>
-            <a:prstGeom prst="rect">
-              <a:avLst/>
-            </a:prstGeom>
-            <a:solidFill>
-              <a:schemeClr val="bg1">
-                <a:lumMod val="95000"/>
-              </a:schemeClr>
-            </a:solidFill>
-            <a:ln>
-              <a:solidFill>
-                <a:schemeClr val="accent1"/>
-              </a:solidFill>
-            </a:ln>
-          </p:spPr>
-          <p:style>
-            <a:lnRef idx="2">
-              <a:schemeClr val="accent1">
-                <a:shade val="50000"/>
-              </a:schemeClr>
-            </a:lnRef>
-            <a:fillRef idx="1">
-              <a:schemeClr val="accent1"/>
-            </a:fillRef>
-            <a:effectRef idx="0">
-              <a:schemeClr val="accent1"/>
-            </a:effectRef>
-            <a:fontRef idx="minor">
-              <a:schemeClr val="lt1"/>
-            </a:fontRef>
-          </p:style>
-          <p:txBody>
-            <a:bodyPr rtlCol="0" anchor="ctr"/>
-            <a:lstStyle/>
-            <a:p>
-              <a:pPr algn="ctr"/>
-              <a:r>
-                <a:rPr lang="en-US" sz="800" b="1" dirty="0">
-                  <a:solidFill>
-                    <a:schemeClr val="accent1"/>
-                  </a:solidFill>
-                </a:rPr>
-                <a:t>5 non-cancer</a:t>
-              </a:r>
-              <a:endParaRPr lang="en-US" sz="800" dirty="0">
-                <a:solidFill>
-                  <a:schemeClr val="tx1"/>
-                </a:solidFill>
-              </a:endParaRPr>
-            </a:p>
-          </p:txBody>
-        </p:sp>
-        <p:sp>
-          <p:nvSpPr>
-            <p:cNvPr id="363" name="Rectangle 362">
-              <a:extLst>
-                <a:ext uri="{FF2B5EF4-FFF2-40B4-BE49-F238E27FC236}">
-                  <a16:creationId xmlns:a16="http://schemas.microsoft.com/office/drawing/2014/main" id="{57FEF51C-54A0-E64F-975C-6FE101C2FBD8}"/>
-                </a:ext>
-              </a:extLst>
-            </p:cNvPr>
-            <p:cNvSpPr/>
-            <p:nvPr/>
-          </p:nvSpPr>
-          <p:spPr>
-            <a:xfrm rot="16200000">
-              <a:off x="2098943" y="2851443"/>
-              <a:ext cx="800653" cy="197948"/>
-            </a:xfrm>
-            <a:prstGeom prst="rect">
-              <a:avLst/>
-            </a:prstGeom>
-            <a:solidFill>
-              <a:schemeClr val="bg1">
-                <a:lumMod val="95000"/>
-              </a:schemeClr>
-            </a:solidFill>
-            <a:ln>
-              <a:solidFill>
-                <a:schemeClr val="accent1"/>
-              </a:solidFill>
-            </a:ln>
-          </p:spPr>
-          <p:style>
-            <a:lnRef idx="2">
-              <a:schemeClr val="accent1">
-                <a:shade val="50000"/>
-              </a:schemeClr>
-            </a:lnRef>
-            <a:fillRef idx="1">
-              <a:schemeClr val="accent1"/>
-            </a:fillRef>
-            <a:effectRef idx="0">
-              <a:schemeClr val="accent1"/>
-            </a:effectRef>
-            <a:fontRef idx="minor">
-              <a:schemeClr val="lt1"/>
-            </a:fontRef>
-          </p:style>
-          <p:txBody>
-            <a:bodyPr rtlCol="0" anchor="ctr"/>
-            <a:lstStyle/>
-            <a:p>
-              <a:pPr algn="ctr"/>
-              <a:r>
-                <a:rPr lang="en-US" sz="800" b="1" dirty="0">
-                  <a:solidFill>
-                    <a:schemeClr val="accent1"/>
-                  </a:solidFill>
-                </a:rPr>
-                <a:t>5 cancer</a:t>
-              </a:r>
-            </a:p>
-          </p:txBody>
-        </p:sp>
-        <p:sp>
-          <p:nvSpPr>
-            <p:cNvPr id="364" name="TextBox 363">
-              <a:extLst>
-                <a:ext uri="{FF2B5EF4-FFF2-40B4-BE49-F238E27FC236}">
-                  <a16:creationId xmlns:a16="http://schemas.microsoft.com/office/drawing/2014/main" id="{DBEF8A74-7723-B250-5304-7F9A45390F9F}"/>
-                </a:ext>
-              </a:extLst>
-            </p:cNvPr>
-            <p:cNvSpPr txBox="1"/>
-            <p:nvPr/>
-          </p:nvSpPr>
-          <p:spPr>
-            <a:xfrm>
-              <a:off x="2341520" y="2360498"/>
-              <a:ext cx="164378" cy="214941"/>
-            </a:xfrm>
-            <a:prstGeom prst="rect">
-              <a:avLst/>
-            </a:prstGeom>
-            <a:noFill/>
-          </p:spPr>
-          <p:txBody>
-            <a:bodyPr wrap="square" rtlCol="0">
-              <a:spAutoFit/>
-            </a:bodyPr>
-            <a:lstStyle/>
-            <a:p>
-              <a:pPr algn="ctr"/>
-              <a:r>
-                <a:rPr lang="en-US" sz="800" b="1" dirty="0">
-                  <a:solidFill>
-                    <a:schemeClr val="accent1"/>
-                  </a:solidFill>
-                </a:rPr>
-                <a:t>2</a:t>
-              </a:r>
-            </a:p>
-          </p:txBody>
-        </p:sp>
-        <p:sp>
-          <p:nvSpPr>
-            <p:cNvPr id="365" name="TextBox 364">
-              <a:extLst>
-                <a:ext uri="{FF2B5EF4-FFF2-40B4-BE49-F238E27FC236}">
-                  <a16:creationId xmlns:a16="http://schemas.microsoft.com/office/drawing/2014/main" id="{AFB0A7B6-7925-34CF-E204-3DF0DCE70354}"/>
-                </a:ext>
-              </a:extLst>
-            </p:cNvPr>
-            <p:cNvSpPr txBox="1"/>
-            <p:nvPr/>
-          </p:nvSpPr>
-          <p:spPr>
-            <a:xfrm>
-              <a:off x="2618911" y="2360498"/>
-              <a:ext cx="164378" cy="214941"/>
-            </a:xfrm>
-            <a:prstGeom prst="rect">
-              <a:avLst/>
-            </a:prstGeom>
-            <a:noFill/>
-          </p:spPr>
-          <p:txBody>
-            <a:bodyPr wrap="square" rtlCol="0">
-              <a:spAutoFit/>
-            </a:bodyPr>
-            <a:lstStyle/>
-            <a:p>
-              <a:pPr algn="ctr"/>
-              <a:r>
-                <a:rPr lang="en-US" sz="800" b="1" dirty="0">
-                  <a:solidFill>
-                    <a:schemeClr val="accent1"/>
-                  </a:solidFill>
-                </a:rPr>
-                <a:t>2</a:t>
-              </a:r>
-            </a:p>
-          </p:txBody>
-        </p:sp>
-        <p:cxnSp>
-          <p:nvCxnSpPr>
-            <p:cNvPr id="366" name="Connector: Elbow 365">
-              <a:extLst>
-                <a:ext uri="{FF2B5EF4-FFF2-40B4-BE49-F238E27FC236}">
-                  <a16:creationId xmlns:a16="http://schemas.microsoft.com/office/drawing/2014/main" id="{732182E5-765F-B7EA-2A31-0EBE6B35E528}"/>
-                </a:ext>
-              </a:extLst>
-            </p:cNvPr>
-            <p:cNvCxnSpPr>
-              <a:cxnSpLocks/>
-              <a:stCxn id="373" idx="2"/>
-              <a:endCxn id="362" idx="3"/>
-            </p:cNvCxnSpPr>
-            <p:nvPr/>
-          </p:nvCxnSpPr>
-          <p:spPr>
-            <a:xfrm rot="16200000" flipH="1">
-              <a:off x="2593978" y="2369873"/>
-              <a:ext cx="240644" cy="119785"/>
-            </a:xfrm>
-            <a:prstGeom prst="bentConnector3">
-              <a:avLst>
-                <a:gd name="adj1" fmla="val 27131"/>
-              </a:avLst>
-            </a:prstGeom>
-            <a:ln w="12700"/>
-          </p:spPr>
-          <p:style>
-            <a:lnRef idx="1">
-              <a:schemeClr val="accent1"/>
-            </a:lnRef>
-            <a:fillRef idx="0">
-              <a:schemeClr val="accent1"/>
-            </a:fillRef>
-            <a:effectRef idx="0">
-              <a:schemeClr val="accent1"/>
-            </a:effectRef>
-            <a:fontRef idx="minor">
-              <a:schemeClr val="tx1"/>
-            </a:fontRef>
-          </p:style>
-        </p:cxnSp>
-        <p:cxnSp>
-          <p:nvCxnSpPr>
-            <p:cNvPr id="367" name="Connector: Elbow 366">
-              <a:extLst>
-                <a:ext uri="{FF2B5EF4-FFF2-40B4-BE49-F238E27FC236}">
-                  <a16:creationId xmlns:a16="http://schemas.microsoft.com/office/drawing/2014/main" id="{4785B586-6221-CB4D-003E-548F5FE5357F}"/>
-                </a:ext>
-              </a:extLst>
-            </p:cNvPr>
-            <p:cNvCxnSpPr>
-              <a:cxnSpLocks/>
-              <a:stCxn id="363" idx="3"/>
-              <a:endCxn id="373" idx="2"/>
-            </p:cNvCxnSpPr>
-            <p:nvPr/>
-          </p:nvCxnSpPr>
-          <p:spPr>
-            <a:xfrm rot="5400000" flipH="1" flipV="1">
-              <a:off x="2456516" y="2352199"/>
-              <a:ext cx="240647" cy="155138"/>
-            </a:xfrm>
-            <a:prstGeom prst="bentConnector3">
-              <a:avLst>
-                <a:gd name="adj1" fmla="val 72868"/>
-              </a:avLst>
-            </a:prstGeom>
-            <a:ln w="12700"/>
-          </p:spPr>
-          <p:style>
-            <a:lnRef idx="1">
-              <a:schemeClr val="accent1"/>
-            </a:lnRef>
-            <a:fillRef idx="0">
-              <a:schemeClr val="accent1"/>
-            </a:fillRef>
-            <a:effectRef idx="0">
-              <a:schemeClr val="accent1"/>
-            </a:effectRef>
-            <a:fontRef idx="minor">
-              <a:schemeClr val="tx1"/>
-            </a:fontRef>
-          </p:style>
-        </p:cxnSp>
-        <p:cxnSp>
-          <p:nvCxnSpPr>
-            <p:cNvPr id="368" name="Connector: Elbow 367">
-              <a:extLst>
-                <a:ext uri="{FF2B5EF4-FFF2-40B4-BE49-F238E27FC236}">
-                  <a16:creationId xmlns:a16="http://schemas.microsoft.com/office/drawing/2014/main" id="{686B29FB-4D84-39BE-F16F-93C6D32D0EE2}"/>
-                </a:ext>
-              </a:extLst>
-            </p:cNvPr>
-            <p:cNvCxnSpPr>
-              <a:cxnSpLocks/>
-              <a:stCxn id="354" idx="1"/>
-              <a:endCxn id="358" idx="0"/>
-            </p:cNvCxnSpPr>
-            <p:nvPr/>
-          </p:nvCxnSpPr>
-          <p:spPr>
-            <a:xfrm rot="5400000">
-              <a:off x="1781784" y="3352695"/>
-              <a:ext cx="135478" cy="131570"/>
-            </a:xfrm>
-            <a:prstGeom prst="bentConnector3">
-              <a:avLst>
-                <a:gd name="adj1" fmla="val 50000"/>
-              </a:avLst>
-            </a:prstGeom>
-            <a:ln w="12700"/>
-          </p:spPr>
-          <p:style>
-            <a:lnRef idx="1">
-              <a:schemeClr val="accent1"/>
-            </a:lnRef>
-            <a:fillRef idx="0">
-              <a:schemeClr val="accent1"/>
-            </a:fillRef>
-            <a:effectRef idx="0">
-              <a:schemeClr val="accent1"/>
-            </a:effectRef>
-            <a:fontRef idx="minor">
-              <a:schemeClr val="tx1"/>
-            </a:fontRef>
-          </p:style>
-        </p:cxnSp>
-        <p:cxnSp>
-          <p:nvCxnSpPr>
-            <p:cNvPr id="369" name="Connector: Elbow 368">
-              <a:extLst>
-                <a:ext uri="{FF2B5EF4-FFF2-40B4-BE49-F238E27FC236}">
-                  <a16:creationId xmlns:a16="http://schemas.microsoft.com/office/drawing/2014/main" id="{3FDCCEB9-F1FF-1155-CA9F-53C983983F71}"/>
-                </a:ext>
-              </a:extLst>
-            </p:cNvPr>
-            <p:cNvCxnSpPr>
-              <a:cxnSpLocks/>
-              <a:stCxn id="355" idx="1"/>
-              <a:endCxn id="358" idx="0"/>
-            </p:cNvCxnSpPr>
-            <p:nvPr/>
-          </p:nvCxnSpPr>
-          <p:spPr>
-            <a:xfrm rot="16200000" flipH="1">
-              <a:off x="1644324" y="3346804"/>
-              <a:ext cx="135475" cy="143353"/>
-            </a:xfrm>
-            <a:prstGeom prst="bentConnector3">
-              <a:avLst>
-                <a:gd name="adj1" fmla="val 50000"/>
-              </a:avLst>
-            </a:prstGeom>
-            <a:ln w="12700"/>
-          </p:spPr>
-          <p:style>
-            <a:lnRef idx="1">
-              <a:schemeClr val="accent1"/>
-            </a:lnRef>
-            <a:fillRef idx="0">
-              <a:schemeClr val="accent1"/>
-            </a:fillRef>
-            <a:effectRef idx="0">
-              <a:schemeClr val="accent1"/>
-            </a:effectRef>
-            <a:fontRef idx="minor">
-              <a:schemeClr val="tx1"/>
-            </a:fontRef>
-          </p:style>
-        </p:cxnSp>
-        <p:cxnSp>
-          <p:nvCxnSpPr>
-            <p:cNvPr id="370" name="Connector: Elbow 369">
-              <a:extLst>
-                <a:ext uri="{FF2B5EF4-FFF2-40B4-BE49-F238E27FC236}">
-                  <a16:creationId xmlns:a16="http://schemas.microsoft.com/office/drawing/2014/main" id="{1BCDF29C-60A0-BA70-29B9-22E157A8F4DC}"/>
-                </a:ext>
-              </a:extLst>
-            </p:cNvPr>
-            <p:cNvCxnSpPr>
-              <a:cxnSpLocks/>
-              <a:stCxn id="362" idx="1"/>
-              <a:endCxn id="359" idx="0"/>
-            </p:cNvCxnSpPr>
-            <p:nvPr/>
-          </p:nvCxnSpPr>
-          <p:spPr>
-            <a:xfrm rot="5400000">
-              <a:off x="2641790" y="3353814"/>
-              <a:ext cx="135477" cy="129330"/>
-            </a:xfrm>
-            <a:prstGeom prst="bentConnector3">
-              <a:avLst>
-                <a:gd name="adj1" fmla="val 50000"/>
-              </a:avLst>
-            </a:prstGeom>
-            <a:ln w="12700"/>
-          </p:spPr>
-          <p:style>
-            <a:lnRef idx="1">
-              <a:schemeClr val="accent1"/>
-            </a:lnRef>
-            <a:fillRef idx="0">
-              <a:schemeClr val="accent1"/>
-            </a:fillRef>
-            <a:effectRef idx="0">
-              <a:schemeClr val="accent1"/>
-            </a:effectRef>
-            <a:fontRef idx="minor">
-              <a:schemeClr val="tx1"/>
-            </a:fontRef>
-          </p:style>
-        </p:cxnSp>
-        <p:cxnSp>
-          <p:nvCxnSpPr>
-            <p:cNvPr id="371" name="Connector: Elbow 370">
-              <a:extLst>
-                <a:ext uri="{FF2B5EF4-FFF2-40B4-BE49-F238E27FC236}">
-                  <a16:creationId xmlns:a16="http://schemas.microsoft.com/office/drawing/2014/main" id="{A5B0D357-6231-9DD1-A625-76238D7C8C92}"/>
-                </a:ext>
-              </a:extLst>
-            </p:cNvPr>
-            <p:cNvCxnSpPr>
-              <a:cxnSpLocks/>
-              <a:stCxn id="363" idx="1"/>
-              <a:endCxn id="359" idx="0"/>
-            </p:cNvCxnSpPr>
-            <p:nvPr/>
-          </p:nvCxnSpPr>
-          <p:spPr>
-            <a:xfrm rot="16200000" flipH="1">
-              <a:off x="2504329" y="3345684"/>
-              <a:ext cx="135474" cy="145593"/>
-            </a:xfrm>
-            <a:prstGeom prst="bentConnector3">
-              <a:avLst>
-                <a:gd name="adj1" fmla="val 50000"/>
-              </a:avLst>
-            </a:prstGeom>
-            <a:ln w="12700"/>
-          </p:spPr>
-          <p:style>
-            <a:lnRef idx="1">
-              <a:schemeClr val="accent1"/>
-            </a:lnRef>
-            <a:fillRef idx="0">
-              <a:schemeClr val="accent1"/>
-            </a:fillRef>
-            <a:effectRef idx="0">
-              <a:schemeClr val="accent1"/>
-            </a:effectRef>
-            <a:fontRef idx="minor">
-              <a:schemeClr val="tx1"/>
-            </a:fontRef>
-          </p:style>
-        </p:cxnSp>
-      </p:grpSp>
-      <p:grpSp>
-        <p:nvGrpSpPr>
-          <p:cNvPr id="3" name="Group 2">
-            <a:extLst>
-              <a:ext uri="{FF2B5EF4-FFF2-40B4-BE49-F238E27FC236}">
-                <a16:creationId xmlns:a16="http://schemas.microsoft.com/office/drawing/2014/main" id="{8333856D-7ECD-6734-D15F-BE8F58F33B7D}"/>
-              </a:ext>
-            </a:extLst>
-          </p:cNvPr>
-          <p:cNvGrpSpPr/>
-          <p:nvPr/>
-        </p:nvGrpSpPr>
-        <p:grpSpPr>
-          <a:xfrm>
-            <a:off x="2255256" y="2215072"/>
-            <a:ext cx="1206927" cy="1239428"/>
-            <a:chOff x="2255256" y="2145213"/>
-            <a:chExt cx="1206927" cy="1239428"/>
-          </a:xfrm>
-        </p:grpSpPr>
-        <p:grpSp>
-          <p:nvGrpSpPr>
-            <p:cNvPr id="401" name="Group 400">
-              <a:extLst>
-                <a:ext uri="{FF2B5EF4-FFF2-40B4-BE49-F238E27FC236}">
-                  <a16:creationId xmlns:a16="http://schemas.microsoft.com/office/drawing/2014/main" id="{E92F1BE8-B7AE-E116-A680-C06B7F36A8AC}"/>
-                </a:ext>
-              </a:extLst>
-            </p:cNvPr>
-            <p:cNvGrpSpPr/>
-            <p:nvPr/>
-          </p:nvGrpSpPr>
-          <p:grpSpPr>
-            <a:xfrm>
-              <a:off x="2255256" y="2145213"/>
-              <a:ext cx="1206927" cy="1239428"/>
-              <a:chOff x="8871129" y="2242880"/>
-              <a:chExt cx="1206927" cy="1239428"/>
-            </a:xfrm>
-          </p:grpSpPr>
-          <p:grpSp>
-            <p:nvGrpSpPr>
-              <p:cNvPr id="378" name="Group 377">
-                <a:extLst>
-                  <a:ext uri="{FF2B5EF4-FFF2-40B4-BE49-F238E27FC236}">
-                    <a16:creationId xmlns:a16="http://schemas.microsoft.com/office/drawing/2014/main" id="{5EC6F38A-0346-7019-51B8-A7A062157479}"/>
-                  </a:ext>
-                </a:extLst>
-              </p:cNvPr>
-              <p:cNvGrpSpPr/>
-              <p:nvPr/>
-            </p:nvGrpSpPr>
-            <p:grpSpPr>
-              <a:xfrm>
-                <a:off x="8979590" y="2242880"/>
-                <a:ext cx="872454" cy="888696"/>
-                <a:chOff x="4495812" y="1649207"/>
-                <a:chExt cx="882467" cy="898895"/>
-              </a:xfrm>
-            </p:grpSpPr>
-            <p:sp>
-              <p:nvSpPr>
-                <p:cNvPr id="379" name="Cube 378">
-                  <a:extLst>
-                    <a:ext uri="{FF2B5EF4-FFF2-40B4-BE49-F238E27FC236}">
-                      <a16:creationId xmlns:a16="http://schemas.microsoft.com/office/drawing/2014/main" id="{A275FCA9-D031-57AD-1C98-674CFDAA3B1A}"/>
-                    </a:ext>
-                  </a:extLst>
-                </p:cNvPr>
-                <p:cNvSpPr/>
-                <p:nvPr/>
-              </p:nvSpPr>
-              <p:spPr>
-                <a:xfrm flipH="1">
-                  <a:off x="4496903" y="1649207"/>
-                  <a:ext cx="881376" cy="898525"/>
-                </a:xfrm>
-                <a:prstGeom prst="cube">
-                  <a:avLst/>
-                </a:prstGeom>
-                <a:solidFill>
-                  <a:schemeClr val="bg2">
-                    <a:lumMod val="50000"/>
-                  </a:schemeClr>
-                </a:solidFill>
-                <a:ln>
-                  <a:noFill/>
-                </a:ln>
-              </p:spPr>
-              <p:style>
-                <a:lnRef idx="2">
-                  <a:schemeClr val="accent1">
-                    <a:shade val="50000"/>
-                  </a:schemeClr>
-                </a:lnRef>
-                <a:fillRef idx="1">
-                  <a:schemeClr val="accent1"/>
-                </a:fillRef>
-                <a:effectRef idx="0">
-                  <a:schemeClr val="accent1"/>
-                </a:effectRef>
-                <a:fontRef idx="minor">
-                  <a:schemeClr val="lt1"/>
-                </a:fontRef>
-              </p:style>
-              <p:txBody>
-                <a:bodyPr rtlCol="0" anchor="ctr"/>
-                <a:lstStyle/>
-                <a:p>
-                  <a:pPr algn="ctr"/>
-                  <a:r>
-                    <a:rPr lang="en-US" sz="800"/>
-                    <a:t>`</a:t>
-                  </a:r>
-                </a:p>
-              </p:txBody>
-            </p:sp>
-            <p:pic>
-              <p:nvPicPr>
-                <p:cNvPr id="380" name="Picture 379">
-                  <a:extLst>
-                    <a:ext uri="{FF2B5EF4-FFF2-40B4-BE49-F238E27FC236}">
-                      <a16:creationId xmlns:a16="http://schemas.microsoft.com/office/drawing/2014/main" id="{8DA70759-34F6-691E-F6D4-095F7B0F3DB8}"/>
-                    </a:ext>
-                  </a:extLst>
-                </p:cNvPr>
-                <p:cNvPicPr>
-                  <a:picLocks noChangeAspect="1"/>
-                </p:cNvPicPr>
-                <p:nvPr/>
-              </p:nvPicPr>
-              <p:blipFill rotWithShape="1">
-                <a:blip r:embed="rId4"/>
-                <a:srcRect l="1480" t="2647" r="1957" b="3668"/>
-                <a:stretch/>
-              </p:blipFill>
-              <p:spPr>
-                <a:xfrm>
-                  <a:off x="4718655" y="1871176"/>
-                  <a:ext cx="659623" cy="676554"/>
-                </a:xfrm>
-                <a:prstGeom prst="rect">
-                  <a:avLst/>
-                </a:prstGeom>
-              </p:spPr>
-            </p:pic>
-            <p:sp>
-              <p:nvSpPr>
-                <p:cNvPr id="382" name="Rectangle 381">
-                  <a:extLst>
-                    <a:ext uri="{FF2B5EF4-FFF2-40B4-BE49-F238E27FC236}">
-                      <a16:creationId xmlns:a16="http://schemas.microsoft.com/office/drawing/2014/main" id="{E344B17E-56C8-FDD7-7A3A-A829EEFB8C26}"/>
-                    </a:ext>
-                  </a:extLst>
-                </p:cNvPr>
-                <p:cNvSpPr/>
-                <p:nvPr/>
-              </p:nvSpPr>
-              <p:spPr>
-                <a:xfrm>
-                  <a:off x="4718657" y="2031358"/>
-                  <a:ext cx="46320" cy="120928"/>
-                </a:xfrm>
-                <a:prstGeom prst="rect">
-                  <a:avLst/>
-                </a:prstGeom>
-                <a:noFill/>
-                <a:ln>
-                  <a:solidFill>
-                    <a:srgbClr val="FF0000"/>
-                  </a:solidFill>
-                  <a:prstDash val="sysDot"/>
-                </a:ln>
-              </p:spPr>
-              <p:style>
-                <a:lnRef idx="2">
-                  <a:schemeClr val="accent1">
-                    <a:shade val="50000"/>
-                  </a:schemeClr>
-                </a:lnRef>
-                <a:fillRef idx="1">
-                  <a:schemeClr val="accent1"/>
-                </a:fillRef>
-                <a:effectRef idx="0">
-                  <a:schemeClr val="accent1"/>
-                </a:effectRef>
-                <a:fontRef idx="minor">
-                  <a:schemeClr val="lt1"/>
-                </a:fontRef>
-              </p:style>
-              <p:txBody>
-                <a:bodyPr rtlCol="0" anchor="ctr"/>
-                <a:lstStyle/>
-                <a:p>
-                  <a:pPr algn="ctr"/>
-                  <a:endParaRPr lang="en-US" sz="800"/>
-                </a:p>
-              </p:txBody>
-            </p:sp>
-            <p:sp>
-              <p:nvSpPr>
-                <p:cNvPr id="383" name="Freeform: Shape 382">
-                  <a:extLst>
-                    <a:ext uri="{FF2B5EF4-FFF2-40B4-BE49-F238E27FC236}">
-                      <a16:creationId xmlns:a16="http://schemas.microsoft.com/office/drawing/2014/main" id="{2FC37EE9-87FE-7BFA-4E3C-CC7435AF8036}"/>
-                    </a:ext>
-                  </a:extLst>
-                </p:cNvPr>
-                <p:cNvSpPr/>
-                <p:nvPr/>
-              </p:nvSpPr>
-              <p:spPr>
-                <a:xfrm>
-                  <a:off x="4495812" y="1938505"/>
-                  <a:ext cx="222238" cy="609597"/>
-                </a:xfrm>
-                <a:custGeom>
-                  <a:avLst/>
-                  <a:gdLst>
-                    <a:gd name="connsiteX0" fmla="*/ 4233 w 224366"/>
-                    <a:gd name="connsiteY0" fmla="*/ 0 h 609600"/>
-                    <a:gd name="connsiteX1" fmla="*/ 0 w 224366"/>
-                    <a:gd name="connsiteY1" fmla="*/ 389466 h 609600"/>
-                    <a:gd name="connsiteX2" fmla="*/ 224366 w 224366"/>
-                    <a:gd name="connsiteY2" fmla="*/ 609600 h 609600"/>
-                    <a:gd name="connsiteX3" fmla="*/ 220133 w 224366"/>
-                    <a:gd name="connsiteY3" fmla="*/ 103716 h 609600"/>
-                    <a:gd name="connsiteX4" fmla="*/ 4233 w 224366"/>
-                    <a:gd name="connsiteY4" fmla="*/ 0 h 609600"/>
-                  </a:gdLst>
-                  <a:ahLst/>
-                  <a:cxnLst>
-                    <a:cxn ang="0">
-                      <a:pos x="connsiteX0" y="connsiteY0"/>
-                    </a:cxn>
-                    <a:cxn ang="0">
-                      <a:pos x="connsiteX1" y="connsiteY1"/>
-                    </a:cxn>
-                    <a:cxn ang="0">
-                      <a:pos x="connsiteX2" y="connsiteY2"/>
-                    </a:cxn>
-                    <a:cxn ang="0">
-                      <a:pos x="connsiteX3" y="connsiteY3"/>
-                    </a:cxn>
-                    <a:cxn ang="0">
-                      <a:pos x="connsiteX4" y="connsiteY4"/>
-                    </a:cxn>
-                  </a:cxnLst>
-                  <a:rect l="l" t="t" r="r" b="b"/>
-                  <a:pathLst>
-                    <a:path w="224366" h="609600">
-                      <a:moveTo>
-                        <a:pt x="4233" y="0"/>
-                      </a:moveTo>
-                      <a:lnTo>
-                        <a:pt x="0" y="389466"/>
-                      </a:lnTo>
-                      <a:lnTo>
-                        <a:pt x="224366" y="609600"/>
-                      </a:lnTo>
-                      <a:lnTo>
-                        <a:pt x="220133" y="103716"/>
-                      </a:lnTo>
-                      <a:lnTo>
-                        <a:pt x="4233" y="0"/>
-                      </a:lnTo>
-                      <a:close/>
-                    </a:path>
-                  </a:pathLst>
-                </a:custGeom>
-                <a:gradFill flip="none" rotWithShape="1">
-                  <a:gsLst>
-                    <a:gs pos="0">
-                      <a:schemeClr val="bg2"/>
-                    </a:gs>
-                    <a:gs pos="32000">
-                      <a:srgbClr val="807D7D"/>
-                    </a:gs>
-                    <a:gs pos="100000">
-                      <a:schemeClr val="bg2">
-                        <a:lumMod val="25000"/>
-                      </a:schemeClr>
-                    </a:gs>
-                  </a:gsLst>
-                  <a:lin ang="5400000" scaled="0"/>
-                  <a:tileRect/>
-                </a:gradFill>
-                <a:ln>
-                  <a:noFill/>
-                </a:ln>
-              </p:spPr>
-              <p:style>
-                <a:lnRef idx="2">
-                  <a:schemeClr val="accent1">
-                    <a:shade val="50000"/>
-                  </a:schemeClr>
-                </a:lnRef>
-                <a:fillRef idx="1">
-                  <a:schemeClr val="accent1"/>
-                </a:fillRef>
-                <a:effectRef idx="0">
-                  <a:schemeClr val="accent1"/>
-                </a:effectRef>
-                <a:fontRef idx="minor">
-                  <a:schemeClr val="lt1"/>
-                </a:fontRef>
-              </p:style>
-              <p:txBody>
-                <a:bodyPr rtlCol="0" anchor="ctr"/>
-                <a:lstStyle/>
-                <a:p>
-                  <a:pPr algn="ctr"/>
-                  <a:endParaRPr lang="en-US" sz="800"/>
-                </a:p>
-              </p:txBody>
-            </p:sp>
-            <p:sp>
-              <p:nvSpPr>
-                <p:cNvPr id="385" name="Rectangle 384">
-                  <a:extLst>
-                    <a:ext uri="{FF2B5EF4-FFF2-40B4-BE49-F238E27FC236}">
-                      <a16:creationId xmlns:a16="http://schemas.microsoft.com/office/drawing/2014/main" id="{319F7737-DBD1-FD80-5613-97EE9CFB6F22}"/>
-                    </a:ext>
-                  </a:extLst>
-                </p:cNvPr>
-                <p:cNvSpPr/>
-                <p:nvPr/>
-              </p:nvSpPr>
-              <p:spPr>
-                <a:xfrm>
-                  <a:off x="4830594" y="2030567"/>
-                  <a:ext cx="46320" cy="120928"/>
-                </a:xfrm>
-                <a:prstGeom prst="rect">
-                  <a:avLst/>
-                </a:prstGeom>
-                <a:noFill/>
-                <a:ln>
-                  <a:solidFill>
-                    <a:srgbClr val="FF0000"/>
-                  </a:solidFill>
-                  <a:prstDash val="sysDot"/>
-                </a:ln>
-              </p:spPr>
-              <p:style>
-                <a:lnRef idx="2">
-                  <a:schemeClr val="accent1">
-                    <a:shade val="50000"/>
-                  </a:schemeClr>
-                </a:lnRef>
-                <a:fillRef idx="1">
-                  <a:schemeClr val="accent1"/>
-                </a:fillRef>
-                <a:effectRef idx="0">
-                  <a:schemeClr val="accent1"/>
-                </a:effectRef>
-                <a:fontRef idx="minor">
-                  <a:schemeClr val="lt1"/>
-                </a:fontRef>
-              </p:style>
-              <p:txBody>
-                <a:bodyPr rtlCol="0" anchor="ctr"/>
-                <a:lstStyle/>
-                <a:p>
-                  <a:pPr algn="ctr"/>
-                  <a:endParaRPr lang="en-US" sz="800"/>
-                </a:p>
-              </p:txBody>
-            </p:sp>
-            <p:sp>
-              <p:nvSpPr>
-                <p:cNvPr id="386" name="Rectangle 385">
-                  <a:extLst>
-                    <a:ext uri="{FF2B5EF4-FFF2-40B4-BE49-F238E27FC236}">
-                      <a16:creationId xmlns:a16="http://schemas.microsoft.com/office/drawing/2014/main" id="{DDEBD0F2-5939-093E-C1E9-3AB252FC9795}"/>
-                    </a:ext>
-                  </a:extLst>
-                </p:cNvPr>
-                <p:cNvSpPr/>
-                <p:nvPr/>
-              </p:nvSpPr>
-              <p:spPr>
-                <a:xfrm>
-                  <a:off x="4936888" y="2009056"/>
-                  <a:ext cx="46320" cy="120928"/>
-                </a:xfrm>
-                <a:prstGeom prst="rect">
-                  <a:avLst/>
-                </a:prstGeom>
-                <a:noFill/>
-                <a:ln>
-                  <a:solidFill>
-                    <a:srgbClr val="FF0000"/>
-                  </a:solidFill>
-                  <a:prstDash val="sysDot"/>
-                </a:ln>
-              </p:spPr>
-              <p:style>
-                <a:lnRef idx="2">
-                  <a:schemeClr val="accent1">
-                    <a:shade val="50000"/>
-                  </a:schemeClr>
-                </a:lnRef>
-                <a:fillRef idx="1">
-                  <a:schemeClr val="accent1"/>
-                </a:fillRef>
-                <a:effectRef idx="0">
-                  <a:schemeClr val="accent1"/>
-                </a:effectRef>
-                <a:fontRef idx="minor">
-                  <a:schemeClr val="lt1"/>
-                </a:fontRef>
-              </p:style>
-              <p:txBody>
-                <a:bodyPr rtlCol="0" anchor="ctr"/>
-                <a:lstStyle/>
-                <a:p>
-                  <a:pPr algn="ctr"/>
-                  <a:endParaRPr lang="en-US" sz="800" dirty="0"/>
-                </a:p>
-              </p:txBody>
-            </p:sp>
-            <p:sp>
-              <p:nvSpPr>
-                <p:cNvPr id="387" name="Rectangle 386">
-                  <a:extLst>
-                    <a:ext uri="{FF2B5EF4-FFF2-40B4-BE49-F238E27FC236}">
-                      <a16:creationId xmlns:a16="http://schemas.microsoft.com/office/drawing/2014/main" id="{A90E11C0-B76A-B739-F0E7-239C16B45850}"/>
-                    </a:ext>
-                  </a:extLst>
-                </p:cNvPr>
-                <p:cNvSpPr/>
-                <p:nvPr/>
-              </p:nvSpPr>
-              <p:spPr>
-                <a:xfrm>
-                  <a:off x="5042314" y="2009955"/>
-                  <a:ext cx="46320" cy="120928"/>
-                </a:xfrm>
-                <a:prstGeom prst="rect">
-                  <a:avLst/>
-                </a:prstGeom>
-                <a:noFill/>
-                <a:ln>
-                  <a:solidFill>
-                    <a:srgbClr val="FF0000"/>
-                  </a:solidFill>
-                  <a:prstDash val="sysDot"/>
-                </a:ln>
-              </p:spPr>
-              <p:style>
-                <a:lnRef idx="2">
-                  <a:schemeClr val="accent1">
-                    <a:shade val="50000"/>
-                  </a:schemeClr>
-                </a:lnRef>
-                <a:fillRef idx="1">
-                  <a:schemeClr val="accent1"/>
-                </a:fillRef>
-                <a:effectRef idx="0">
-                  <a:schemeClr val="accent1"/>
-                </a:effectRef>
-                <a:fontRef idx="minor">
-                  <a:schemeClr val="lt1"/>
-                </a:fontRef>
-              </p:style>
-              <p:txBody>
-                <a:bodyPr rtlCol="0" anchor="ctr"/>
-                <a:lstStyle/>
-                <a:p>
-                  <a:pPr algn="ctr"/>
-                  <a:endParaRPr lang="en-US" sz="800"/>
-                </a:p>
-              </p:txBody>
-            </p:sp>
-            <p:sp>
-              <p:nvSpPr>
-                <p:cNvPr id="388" name="Rectangle 387">
-                  <a:extLst>
-                    <a:ext uri="{FF2B5EF4-FFF2-40B4-BE49-F238E27FC236}">
-                      <a16:creationId xmlns:a16="http://schemas.microsoft.com/office/drawing/2014/main" id="{70CBBB2E-48F4-2E32-26D6-23004C104931}"/>
-                    </a:ext>
-                  </a:extLst>
-                </p:cNvPr>
-                <p:cNvSpPr/>
-                <p:nvPr/>
-              </p:nvSpPr>
-              <p:spPr>
-                <a:xfrm>
-                  <a:off x="5141698" y="2009955"/>
-                  <a:ext cx="46320" cy="120928"/>
-                </a:xfrm>
-                <a:prstGeom prst="rect">
-                  <a:avLst/>
-                </a:prstGeom>
-                <a:noFill/>
-                <a:ln>
-                  <a:solidFill>
-                    <a:srgbClr val="FF0000"/>
-                  </a:solidFill>
-                  <a:prstDash val="sysDot"/>
-                </a:ln>
-              </p:spPr>
-              <p:style>
-                <a:lnRef idx="2">
-                  <a:schemeClr val="accent1">
-                    <a:shade val="50000"/>
-                  </a:schemeClr>
-                </a:lnRef>
-                <a:fillRef idx="1">
-                  <a:schemeClr val="accent1"/>
-                </a:fillRef>
-                <a:effectRef idx="0">
-                  <a:schemeClr val="accent1"/>
-                </a:effectRef>
-                <a:fontRef idx="minor">
-                  <a:schemeClr val="lt1"/>
-                </a:fontRef>
-              </p:style>
-              <p:txBody>
-                <a:bodyPr rtlCol="0" anchor="ctr"/>
-                <a:lstStyle/>
-                <a:p>
-                  <a:pPr algn="ctr"/>
-                  <a:endParaRPr lang="en-US" sz="800"/>
-                </a:p>
-              </p:txBody>
-            </p:sp>
-            <p:sp>
-              <p:nvSpPr>
-                <p:cNvPr id="389" name="Rectangle 388">
-                  <a:extLst>
-                    <a:ext uri="{FF2B5EF4-FFF2-40B4-BE49-F238E27FC236}">
-                      <a16:creationId xmlns:a16="http://schemas.microsoft.com/office/drawing/2014/main" id="{F1F718CC-C24D-6607-CBD9-7C363AA89F6D}"/>
-                    </a:ext>
-                  </a:extLst>
-                </p:cNvPr>
-                <p:cNvSpPr/>
-                <p:nvPr/>
-              </p:nvSpPr>
-              <p:spPr>
-                <a:xfrm>
-                  <a:off x="5236828" y="2009955"/>
-                  <a:ext cx="46320" cy="120928"/>
-                </a:xfrm>
-                <a:prstGeom prst="rect">
-                  <a:avLst/>
-                </a:prstGeom>
-                <a:noFill/>
-                <a:ln>
-                  <a:solidFill>
-                    <a:srgbClr val="FF0000"/>
-                  </a:solidFill>
-                  <a:prstDash val="sysDot"/>
-                </a:ln>
-              </p:spPr>
-              <p:style>
-                <a:lnRef idx="2">
-                  <a:schemeClr val="accent1">
-                    <a:shade val="50000"/>
-                  </a:schemeClr>
-                </a:lnRef>
-                <a:fillRef idx="1">
-                  <a:schemeClr val="accent1"/>
-                </a:fillRef>
-                <a:effectRef idx="0">
-                  <a:schemeClr val="accent1"/>
-                </a:effectRef>
-                <a:fontRef idx="minor">
-                  <a:schemeClr val="lt1"/>
-                </a:fontRef>
-              </p:style>
-              <p:txBody>
-                <a:bodyPr rtlCol="0" anchor="ctr"/>
-                <a:lstStyle/>
-                <a:p>
-                  <a:pPr algn="ctr"/>
-                  <a:endParaRPr lang="en-US" sz="800"/>
-                </a:p>
-              </p:txBody>
-            </p:sp>
-            <p:sp>
-              <p:nvSpPr>
-                <p:cNvPr id="390" name="Rectangle 389">
-                  <a:extLst>
-                    <a:ext uri="{FF2B5EF4-FFF2-40B4-BE49-F238E27FC236}">
-                      <a16:creationId xmlns:a16="http://schemas.microsoft.com/office/drawing/2014/main" id="{D9357E90-A4B8-0395-FDFF-32433895CBB3}"/>
-                    </a:ext>
-                  </a:extLst>
-                </p:cNvPr>
-                <p:cNvSpPr/>
-                <p:nvPr/>
-              </p:nvSpPr>
-              <p:spPr>
-                <a:xfrm>
-                  <a:off x="5330632" y="2012991"/>
-                  <a:ext cx="46320" cy="120928"/>
-                </a:xfrm>
-                <a:prstGeom prst="rect">
-                  <a:avLst/>
-                </a:prstGeom>
-                <a:noFill/>
-                <a:ln>
-                  <a:solidFill>
-                    <a:srgbClr val="FF0000"/>
-                  </a:solidFill>
-                  <a:prstDash val="sysDot"/>
-                </a:ln>
-              </p:spPr>
-              <p:style>
-                <a:lnRef idx="2">
-                  <a:schemeClr val="accent1">
-                    <a:shade val="50000"/>
-                  </a:schemeClr>
-                </a:lnRef>
-                <a:fillRef idx="1">
-                  <a:schemeClr val="accent1"/>
-                </a:fillRef>
-                <a:effectRef idx="0">
-                  <a:schemeClr val="accent1"/>
-                </a:effectRef>
-                <a:fontRef idx="minor">
-                  <a:schemeClr val="lt1"/>
-                </a:fontRef>
-              </p:style>
-              <p:txBody>
-                <a:bodyPr rtlCol="0" anchor="ctr"/>
-                <a:lstStyle/>
-                <a:p>
-                  <a:pPr algn="ctr"/>
-                  <a:endParaRPr lang="en-US" sz="800"/>
-                </a:p>
-              </p:txBody>
-            </p:sp>
-          </p:grpSp>
-          <p:sp>
-            <p:nvSpPr>
-              <p:cNvPr id="391" name="TextBox 390">
-                <a:extLst>
-                  <a:ext uri="{FF2B5EF4-FFF2-40B4-BE49-F238E27FC236}">
-                    <a16:creationId xmlns:a16="http://schemas.microsoft.com/office/drawing/2014/main" id="{247326ED-3D70-4EC1-F7B8-1AEAE8A2BD3F}"/>
-                  </a:ext>
-                </a:extLst>
-              </p:cNvPr>
-              <p:cNvSpPr txBox="1"/>
-              <p:nvPr/>
-            </p:nvSpPr>
-            <p:spPr>
-              <a:xfrm>
-                <a:off x="9156706" y="3107434"/>
-                <a:ext cx="740478" cy="215444"/>
-              </a:xfrm>
-              <a:prstGeom prst="rect">
-                <a:avLst/>
-              </a:prstGeom>
-              <a:noFill/>
-            </p:spPr>
-            <p:txBody>
-              <a:bodyPr wrap="square" rtlCol="0">
-                <a:spAutoFit/>
-              </a:bodyPr>
-              <a:lstStyle/>
-              <a:p>
-                <a:pPr algn="ctr"/>
-                <a:r>
-                  <a:rPr lang="en-US" sz="800" b="1" dirty="0"/>
-                  <a:t>2,048 A-lines</a:t>
-                </a:r>
-              </a:p>
-            </p:txBody>
-          </p:sp>
-          <p:sp>
-            <p:nvSpPr>
-              <p:cNvPr id="392" name="TextBox 391">
-                <a:extLst>
-                  <a:ext uri="{FF2B5EF4-FFF2-40B4-BE49-F238E27FC236}">
-                    <a16:creationId xmlns:a16="http://schemas.microsoft.com/office/drawing/2014/main" id="{A7FC3ADB-87D5-39FD-4C9E-C34E4E12ED25}"/>
-                  </a:ext>
-                </a:extLst>
-              </p:cNvPr>
-              <p:cNvSpPr txBox="1"/>
-              <p:nvPr/>
-            </p:nvSpPr>
-            <p:spPr>
-              <a:xfrm rot="2700000">
-                <a:off x="8573184" y="2968920"/>
-                <a:ext cx="811333" cy="215444"/>
-              </a:xfrm>
-              <a:prstGeom prst="rect">
-                <a:avLst/>
-              </a:prstGeom>
-              <a:noFill/>
-            </p:spPr>
-            <p:txBody>
-              <a:bodyPr wrap="square" rtlCol="0">
-                <a:spAutoFit/>
-              </a:bodyPr>
-              <a:lstStyle/>
-              <a:p>
-                <a:pPr algn="ctr"/>
-                <a:r>
-                  <a:rPr lang="en-US" sz="800" b="1" dirty="0"/>
-                  <a:t>256 Frames</a:t>
-                </a:r>
-              </a:p>
-            </p:txBody>
-          </p:sp>
-          <p:sp>
-            <p:nvSpPr>
-              <p:cNvPr id="393" name="TextBox 392">
-                <a:extLst>
-                  <a:ext uri="{FF2B5EF4-FFF2-40B4-BE49-F238E27FC236}">
-                    <a16:creationId xmlns:a16="http://schemas.microsoft.com/office/drawing/2014/main" id="{C4938310-62B0-F1D1-6C9D-2EF8179D5236}"/>
-                  </a:ext>
-                </a:extLst>
-              </p:cNvPr>
-              <p:cNvSpPr txBox="1"/>
-              <p:nvPr/>
-            </p:nvSpPr>
-            <p:spPr>
-              <a:xfrm rot="16200000">
-                <a:off x="9504019" y="2700533"/>
-                <a:ext cx="932630" cy="215444"/>
-              </a:xfrm>
-              <a:prstGeom prst="rect">
-                <a:avLst/>
-              </a:prstGeom>
-              <a:noFill/>
-            </p:spPr>
-            <p:txBody>
-              <a:bodyPr wrap="square" rtlCol="0">
-                <a:spAutoFit/>
-              </a:bodyPr>
-              <a:lstStyle/>
-              <a:p>
-                <a:pPr algn="ctr"/>
-                <a:r>
-                  <a:rPr lang="en-US" sz="800" b="1" dirty="0"/>
-                  <a:t>2,048 Pixels</a:t>
-                </a:r>
-              </a:p>
-            </p:txBody>
-          </p:sp>
-          <p:sp>
-            <p:nvSpPr>
-              <p:cNvPr id="394" name="TextBox 393">
-                <a:extLst>
-                  <a:ext uri="{FF2B5EF4-FFF2-40B4-BE49-F238E27FC236}">
-                    <a16:creationId xmlns:a16="http://schemas.microsoft.com/office/drawing/2014/main" id="{8C278CE4-4171-095E-5728-80CCC458DBA4}"/>
-                  </a:ext>
-                </a:extLst>
-              </p:cNvPr>
-              <p:cNvSpPr txBox="1"/>
-              <p:nvPr/>
-            </p:nvSpPr>
-            <p:spPr>
-              <a:xfrm>
-                <a:off x="9271397" y="2703270"/>
-                <a:ext cx="129275" cy="215444"/>
-              </a:xfrm>
-              <a:prstGeom prst="rect">
-                <a:avLst/>
-              </a:prstGeom>
-              <a:noFill/>
-            </p:spPr>
-            <p:txBody>
-              <a:bodyPr wrap="square" rtlCol="0">
-                <a:spAutoFit/>
-              </a:bodyPr>
-              <a:lstStyle/>
-              <a:p>
-                <a:pPr algn="ctr"/>
-                <a:r>
-                  <a:rPr lang="en-US" sz="800" b="1" dirty="0">
-                    <a:solidFill>
-                      <a:srgbClr val="FF0000"/>
-                    </a:solidFill>
-                  </a:rPr>
-                  <a:t>*</a:t>
-                </a:r>
-                <a:endParaRPr lang="en-US" sz="800" dirty="0">
-                  <a:solidFill>
-                    <a:srgbClr val="FF0000"/>
-                  </a:solidFill>
-                </a:endParaRPr>
-              </a:p>
-            </p:txBody>
-          </p:sp>
-        </p:grpSp>
-        <p:sp>
-          <p:nvSpPr>
-            <p:cNvPr id="404" name="TextBox 403">
-              <a:extLst>
-                <a:ext uri="{FF2B5EF4-FFF2-40B4-BE49-F238E27FC236}">
-                  <a16:creationId xmlns:a16="http://schemas.microsoft.com/office/drawing/2014/main" id="{9A1B36EC-1A52-E8C4-8778-A8BFF9A79256}"/>
-                </a:ext>
-              </a:extLst>
-            </p:cNvPr>
-            <p:cNvSpPr txBox="1"/>
-            <p:nvPr/>
-          </p:nvSpPr>
-          <p:spPr>
-            <a:xfrm>
-              <a:off x="2368324" y="2145484"/>
-              <a:ext cx="871375" cy="215444"/>
-            </a:xfrm>
-            <a:prstGeom prst="rect">
-              <a:avLst/>
-            </a:prstGeom>
-            <a:noFill/>
-          </p:spPr>
-          <p:txBody>
-            <a:bodyPr wrap="square" rtlCol="0">
-              <a:spAutoFit/>
-            </a:bodyPr>
-            <a:lstStyle/>
-            <a:p>
-              <a:pPr algn="ctr"/>
-              <a:r>
-                <a:rPr lang="en-US" sz="800" b="1" dirty="0"/>
-                <a:t>OCT Sample</a:t>
-              </a:r>
-            </a:p>
-          </p:txBody>
-        </p:sp>
-      </p:grpSp>
-      <p:sp>
-        <p:nvSpPr>
-          <p:cNvPr id="405" name="TextBox 404">
-            <a:extLst>
-              <a:ext uri="{FF2B5EF4-FFF2-40B4-BE49-F238E27FC236}">
-                <a16:creationId xmlns:a16="http://schemas.microsoft.com/office/drawing/2014/main" id="{01B56A24-28C9-25A4-D021-F14386817B28}"/>
-              </a:ext>
-            </a:extLst>
-          </p:cNvPr>
-          <p:cNvSpPr txBox="1"/>
-          <p:nvPr/>
-        </p:nvSpPr>
-        <p:spPr>
-          <a:xfrm>
-            <a:off x="4146911" y="523586"/>
-            <a:ext cx="129275" cy="215444"/>
-          </a:xfrm>
-          <a:prstGeom prst="rect">
-            <a:avLst/>
-          </a:prstGeom>
-          <a:noFill/>
-        </p:spPr>
-        <p:txBody>
-          <a:bodyPr wrap="square" rtlCol="0">
-            <a:spAutoFit/>
-          </a:bodyPr>
-          <a:lstStyle/>
-          <a:p>
-            <a:pPr algn="ctr"/>
-            <a:r>
-              <a:rPr lang="en-US" sz="800" b="1" dirty="0">
-                <a:solidFill>
-                  <a:srgbClr val="FF0000"/>
-                </a:solidFill>
-              </a:rPr>
-              <a:t>*</a:t>
-            </a:r>
-            <a:endParaRPr lang="en-US" sz="800" dirty="0">
-              <a:solidFill>
-                <a:srgbClr val="FF0000"/>
-              </a:solidFill>
-            </a:endParaRPr>
-          </a:p>
-        </p:txBody>
-      </p:sp>
-      <p:sp>
-        <p:nvSpPr>
-          <p:cNvPr id="419" name="TextBox 418">
-            <a:extLst>
-              <a:ext uri="{FF2B5EF4-FFF2-40B4-BE49-F238E27FC236}">
-                <a16:creationId xmlns:a16="http://schemas.microsoft.com/office/drawing/2014/main" id="{1F7A742B-8EEE-610E-D476-22349B9E6282}"/>
-              </a:ext>
-            </a:extLst>
-          </p:cNvPr>
-          <p:cNvSpPr txBox="1"/>
-          <p:nvPr/>
-        </p:nvSpPr>
-        <p:spPr>
-          <a:xfrm>
-            <a:off x="388564" y="301582"/>
-            <a:ext cx="215444" cy="246221"/>
-          </a:xfrm>
-          <a:prstGeom prst="rect">
-            <a:avLst/>
-          </a:prstGeom>
-          <a:noFill/>
-        </p:spPr>
-        <p:txBody>
-          <a:bodyPr wrap="square" rtlCol="0">
-            <a:spAutoFit/>
-          </a:bodyPr>
-          <a:lstStyle/>
-          <a:p>
-            <a:pPr algn="ctr"/>
-            <a:r>
-              <a:rPr lang="en-US" sz="1000" b="1" dirty="0"/>
-              <a:t>A</a:t>
-            </a:r>
-            <a:endParaRPr lang="en-US" sz="800" b="1" dirty="0"/>
-          </a:p>
-        </p:txBody>
-      </p:sp>
-      <p:sp>
-        <p:nvSpPr>
-          <p:cNvPr id="420" name="TextBox 419">
-            <a:extLst>
-              <a:ext uri="{FF2B5EF4-FFF2-40B4-BE49-F238E27FC236}">
-                <a16:creationId xmlns:a16="http://schemas.microsoft.com/office/drawing/2014/main" id="{01190C70-7CA7-8E06-3D89-92566D269C2E}"/>
-              </a:ext>
-            </a:extLst>
-          </p:cNvPr>
-          <p:cNvSpPr txBox="1"/>
-          <p:nvPr/>
-        </p:nvSpPr>
-        <p:spPr>
-          <a:xfrm>
-            <a:off x="3510362" y="301582"/>
-            <a:ext cx="215444" cy="246221"/>
-          </a:xfrm>
-          <a:prstGeom prst="rect">
-            <a:avLst/>
-          </a:prstGeom>
-          <a:noFill/>
-        </p:spPr>
-        <p:txBody>
-          <a:bodyPr wrap="square" rtlCol="0">
-            <a:spAutoFit/>
-          </a:bodyPr>
-          <a:lstStyle/>
-          <a:p>
-            <a:pPr algn="ctr"/>
-            <a:r>
-              <a:rPr lang="en-US" sz="1000" b="1" dirty="0"/>
-              <a:t>B</a:t>
-            </a:r>
-            <a:endParaRPr lang="en-US" sz="800" b="1" dirty="0"/>
           </a:p>
         </p:txBody>
       </p:sp>
@@ -14597,7 +10977,7 @@
         </p:xfrm>
         <a:graphic>
           <a:graphicData uri="http://schemas.openxmlformats.org/drawingml/2006/chart">
-            <c:chart xmlns:c="http://schemas.openxmlformats.org/drawingml/2006/chart" xmlns:r="http://schemas.openxmlformats.org/officeDocument/2006/relationships" r:id="rId5"/>
+            <c:chart xmlns:c="http://schemas.openxmlformats.org/drawingml/2006/chart" xmlns:r="http://schemas.openxmlformats.org/officeDocument/2006/relationships" r:id="rId4"/>
           </a:graphicData>
         </a:graphic>
       </p:graphicFrame>
@@ -14895,7 +11275,7 @@
             <p:nvPr/>
           </p:nvPicPr>
           <p:blipFill rotWithShape="1">
-            <a:blip r:embed="rId6">
+            <a:blip r:embed="rId5">
               <a:extLst>
                 <a:ext uri="{28A0092B-C50C-407E-A947-70E740481C1C}">
                   <a14:useLocalDpi xmlns:a14="http://schemas.microsoft.com/office/drawing/2010/main" val="0"/>
@@ -14940,7 +11320,7 @@
             <p:nvPr/>
           </p:nvPicPr>
           <p:blipFill rotWithShape="1">
-            <a:blip r:embed="rId7">
+            <a:blip r:embed="rId6">
               <a:extLst>
                 <a:ext uri="{28A0092B-C50C-407E-A947-70E740481C1C}">
                   <a14:useLocalDpi xmlns:a14="http://schemas.microsoft.com/office/drawing/2010/main" val="0"/>
@@ -14985,7 +11365,7 @@
             <p:nvPr/>
           </p:nvPicPr>
           <p:blipFill rotWithShape="1">
-            <a:blip r:embed="rId7">
+            <a:blip r:embed="rId6">
               <a:extLst>
                 <a:ext uri="{28A0092B-C50C-407E-A947-70E740481C1C}">
                   <a14:useLocalDpi xmlns:a14="http://schemas.microsoft.com/office/drawing/2010/main" val="0"/>
@@ -15030,7 +11410,7 @@
             <p:nvPr/>
           </p:nvPicPr>
           <p:blipFill rotWithShape="1">
-            <a:blip r:embed="rId6">
+            <a:blip r:embed="rId5">
               <a:extLst>
                 <a:ext uri="{28A0092B-C50C-407E-A947-70E740481C1C}">
                   <a14:useLocalDpi xmlns:a14="http://schemas.microsoft.com/office/drawing/2010/main" val="0"/>
@@ -15075,7 +11455,7 @@
             <p:nvPr/>
           </p:nvPicPr>
           <p:blipFill rotWithShape="1">
-            <a:blip r:embed="rId8"/>
+            <a:blip r:embed="rId7"/>
             <a:srcRect l="10568" t="3973" r="37128" b="60999"/>
             <a:stretch/>
           </p:blipFill>
@@ -15104,7 +11484,7 @@
             <p:nvPr/>
           </p:nvPicPr>
           <p:blipFill rotWithShape="1">
-            <a:blip r:embed="rId8"/>
+            <a:blip r:embed="rId7"/>
             <a:srcRect l="11748" t="56243" r="61310" b="7962"/>
             <a:stretch/>
           </p:blipFill>
@@ -15133,7 +11513,7 @@
             <p:nvPr/>
           </p:nvPicPr>
           <p:blipFill rotWithShape="1">
-            <a:blip r:embed="rId8"/>
+            <a:blip r:embed="rId7"/>
             <a:srcRect l="42372" t="56502" r="55786" b="7896"/>
             <a:stretch/>
           </p:blipFill>
@@ -15162,7 +11542,7 @@
             <p:nvPr/>
           </p:nvPicPr>
           <p:blipFill rotWithShape="1">
-            <a:blip r:embed="rId9"/>
+            <a:blip r:embed="rId8"/>
             <a:srcRect l="10075" t="58623" r="62834" b="6702"/>
             <a:stretch/>
           </p:blipFill>
@@ -15191,7 +11571,7 @@
             <p:nvPr/>
           </p:nvPicPr>
           <p:blipFill rotWithShape="1">
-            <a:blip r:embed="rId10"/>
+            <a:blip r:embed="rId9"/>
             <a:srcRect l="9863" t="8730" r="34361" b="58002"/>
             <a:stretch/>
           </p:blipFill>
@@ -16268,46 +12648,3783 @@
           </a:p>
         </p:txBody>
       </p:sp>
-      <p:sp>
-        <p:nvSpPr>
-          <p:cNvPr id="19" name="TextBox 18">
+      <p:grpSp>
+        <p:nvGrpSpPr>
+          <p:cNvPr id="2" name="Group 1">
             <a:extLst>
               <a:ext uri="{FF2B5EF4-FFF2-40B4-BE49-F238E27FC236}">
-                <a16:creationId xmlns:a16="http://schemas.microsoft.com/office/drawing/2014/main" id="{6D5AFC49-B135-7DEB-03A2-1C95B0C4F562}"/>
+                <a16:creationId xmlns:a16="http://schemas.microsoft.com/office/drawing/2014/main" id="{60A45CA2-612C-1AE1-0387-FD616B512705}"/>
               </a:ext>
             </a:extLst>
           </p:cNvPr>
-          <p:cNvSpPr txBox="1"/>
+          <p:cNvGrpSpPr/>
           <p:nvPr/>
-        </p:nvSpPr>
-        <p:spPr>
-          <a:xfrm rot="16200000">
-            <a:off x="279003" y="2528654"/>
-            <a:ext cx="607859" cy="215444"/>
+        </p:nvGrpSpPr>
+        <p:grpSpPr>
+          <a:xfrm>
+            <a:off x="388564" y="235566"/>
+            <a:ext cx="6291461" cy="3376367"/>
+            <a:chOff x="388564" y="235566"/>
+            <a:chExt cx="6291461" cy="3376367"/>
           </a:xfrm>
-          <a:prstGeom prst="rect">
-            <a:avLst/>
-          </a:prstGeom>
-          <a:noFill/>
-        </p:spPr>
-        <p:txBody>
-          <a:bodyPr wrap="none" rtlCol="0">
-            <a:spAutoFit/>
-          </a:bodyPr>
-          <a:lstStyle/>
-          <a:p>
-            <a:r>
-              <a:rPr lang="en-US" sz="800" b="1" dirty="0">
+        </p:grpSpPr>
+        <p:grpSp>
+          <p:nvGrpSpPr>
+            <p:cNvPr id="219" name="Group 218">
+              <a:extLst>
+                <a:ext uri="{FF2B5EF4-FFF2-40B4-BE49-F238E27FC236}">
+                  <a16:creationId xmlns:a16="http://schemas.microsoft.com/office/drawing/2014/main" id="{C84806F6-FC05-B645-5C9B-A584EEBFC868}"/>
+                </a:ext>
+              </a:extLst>
+            </p:cNvPr>
+            <p:cNvGrpSpPr/>
+            <p:nvPr/>
+          </p:nvGrpSpPr>
+          <p:grpSpPr>
+            <a:xfrm>
+              <a:off x="3506520" y="235566"/>
+              <a:ext cx="3173505" cy="3376367"/>
+              <a:chOff x="4438898" y="3976482"/>
+              <a:chExt cx="3133367" cy="3376367"/>
+            </a:xfrm>
+          </p:grpSpPr>
+          <p:grpSp>
+            <p:nvGrpSpPr>
+              <p:cNvPr id="109" name="Group 108">
+                <a:extLst>
+                  <a:ext uri="{FF2B5EF4-FFF2-40B4-BE49-F238E27FC236}">
+                    <a16:creationId xmlns:a16="http://schemas.microsoft.com/office/drawing/2014/main" id="{2E50B090-3CBA-6AE9-490F-F2001B2E8B8F}"/>
+                  </a:ext>
+                </a:extLst>
+              </p:cNvPr>
+              <p:cNvGrpSpPr/>
+              <p:nvPr/>
+            </p:nvGrpSpPr>
+            <p:grpSpPr>
+              <a:xfrm>
+                <a:off x="4438898" y="3976482"/>
+                <a:ext cx="2937441" cy="3376367"/>
+                <a:chOff x="4369786" y="795412"/>
+                <a:chExt cx="2937441" cy="3376367"/>
+              </a:xfrm>
+            </p:grpSpPr>
+            <p:grpSp>
+              <p:nvGrpSpPr>
+                <p:cNvPr id="94" name="Group 93">
+                  <a:extLst>
+                    <a:ext uri="{FF2B5EF4-FFF2-40B4-BE49-F238E27FC236}">
+                      <a16:creationId xmlns:a16="http://schemas.microsoft.com/office/drawing/2014/main" id="{C7A978F7-F97F-0C05-0E6B-2D9F83942269}"/>
+                    </a:ext>
+                  </a:extLst>
+                </p:cNvPr>
+                <p:cNvGrpSpPr/>
+                <p:nvPr/>
+              </p:nvGrpSpPr>
+              <p:grpSpPr>
+                <a:xfrm>
+                  <a:off x="4998544" y="1093582"/>
+                  <a:ext cx="2308683" cy="2802841"/>
+                  <a:chOff x="4998544" y="1093582"/>
+                  <a:chExt cx="2308683" cy="2802841"/>
+                </a:xfrm>
+              </p:grpSpPr>
+              <p:sp>
+                <p:nvSpPr>
+                  <p:cNvPr id="9" name="AutoShape 4">
+                    <a:extLst>
+                      <a:ext uri="{FF2B5EF4-FFF2-40B4-BE49-F238E27FC236}">
+                        <a16:creationId xmlns:a16="http://schemas.microsoft.com/office/drawing/2014/main" id="{10366ECC-6357-B41F-5552-F397223F99F3}"/>
+                      </a:ext>
+                    </a:extLst>
+                  </p:cNvPr>
+                  <p:cNvSpPr>
+                    <a:spLocks noChangeAspect="1" noChangeArrowheads="1"/>
+                  </p:cNvSpPr>
+                  <p:nvPr/>
+                </p:nvSpPr>
+                <p:spPr bwMode="auto">
+                  <a:xfrm>
+                    <a:off x="6096000" y="3429000"/>
+                    <a:ext cx="304800" cy="304800"/>
+                  </a:xfrm>
+                  <a:prstGeom prst="rect">
+                    <a:avLst/>
+                  </a:prstGeom>
+                  <a:noFill/>
+                  <a:extLst>
+                    <a:ext uri="{909E8E84-426E-40DD-AFC4-6F175D3DCCD1}">
+                      <a14:hiddenFill xmlns:a14="http://schemas.microsoft.com/office/drawing/2010/main">
+                        <a:solidFill>
+                          <a:srgbClr val="FFFFFF"/>
+                        </a:solidFill>
+                      </a14:hiddenFill>
+                    </a:ext>
+                  </a:extLst>
+                </p:spPr>
+                <p:txBody>
+                  <a:bodyPr vert="horz" wrap="square" lIns="91440" tIns="45720" rIns="91440" bIns="45720" numCol="1" anchor="t" anchorCtr="0" compatLnSpc="1">
+                    <a:prstTxWarp prst="textNoShape">
+                      <a:avLst/>
+                    </a:prstTxWarp>
+                  </a:bodyPr>
+                  <a:lstStyle/>
+                  <a:p>
+                    <a:endParaRPr lang="en-US" sz="800"/>
+                  </a:p>
+                </p:txBody>
+              </p:sp>
+              <p:grpSp>
+                <p:nvGrpSpPr>
+                  <p:cNvPr id="93" name="Group 92">
+                    <a:extLst>
+                      <a:ext uri="{FF2B5EF4-FFF2-40B4-BE49-F238E27FC236}">
+                        <a16:creationId xmlns:a16="http://schemas.microsoft.com/office/drawing/2014/main" id="{729225D1-44EA-9901-3C72-04EE35A6DCD5}"/>
+                      </a:ext>
+                    </a:extLst>
+                  </p:cNvPr>
+                  <p:cNvGrpSpPr/>
+                  <p:nvPr/>
+                </p:nvGrpSpPr>
+                <p:grpSpPr>
+                  <a:xfrm>
+                    <a:off x="4998544" y="1093582"/>
+                    <a:ext cx="2308683" cy="863651"/>
+                    <a:chOff x="5000162" y="1093582"/>
+                    <a:chExt cx="2308683" cy="863651"/>
+                  </a:xfrm>
+                </p:grpSpPr>
+                <p:pic>
+                  <p:nvPicPr>
+                    <p:cNvPr id="68" name="Picture 67" descr="A black and white photo of a window with snow on it&#10;&#10;Description automatically generated with low confidence">
+                      <a:extLst>
+                        <a:ext uri="{FF2B5EF4-FFF2-40B4-BE49-F238E27FC236}">
+                          <a16:creationId xmlns:a16="http://schemas.microsoft.com/office/drawing/2014/main" id="{D2DF4487-C4C5-7436-2AA5-B0CE1D882070}"/>
+                        </a:ext>
+                      </a:extLst>
+                    </p:cNvPr>
+                    <p:cNvPicPr>
+                      <a:picLocks noChangeAspect="1"/>
+                    </p:cNvPicPr>
+                    <p:nvPr/>
+                  </p:nvPicPr>
+                  <p:blipFill rotWithShape="1">
+                    <a:blip r:embed="rId2">
+                      <a:extLst>
+                        <a:ext uri="{28A0092B-C50C-407E-A947-70E740481C1C}">
+                          <a14:useLocalDpi xmlns:a14="http://schemas.microsoft.com/office/drawing/2010/main" val="0"/>
+                        </a:ext>
+                      </a:extLst>
+                    </a:blip>
+                    <a:srcRect l="501" t="1368" r="87590" b="77158"/>
+                    <a:stretch/>
+                  </p:blipFill>
+                  <p:spPr>
+                    <a:xfrm>
+                      <a:off x="5000162" y="1093582"/>
+                      <a:ext cx="432796" cy="863651"/>
+                    </a:xfrm>
+                    <a:prstGeom prst="rect">
+                      <a:avLst/>
+                    </a:prstGeom>
+                  </p:spPr>
+                </p:pic>
+                <p:pic>
+                  <p:nvPicPr>
+                    <p:cNvPr id="70" name="Picture 69" descr="A black and white photo of a window with snow on it&#10;&#10;Description automatically generated with low confidence">
+                      <a:extLst>
+                        <a:ext uri="{FF2B5EF4-FFF2-40B4-BE49-F238E27FC236}">
+                          <a16:creationId xmlns:a16="http://schemas.microsoft.com/office/drawing/2014/main" id="{5B05D05A-46CC-B3AD-0AFF-644435941143}"/>
+                        </a:ext>
+                      </a:extLst>
+                    </p:cNvPr>
+                    <p:cNvPicPr>
+                      <a:picLocks noChangeAspect="1"/>
+                    </p:cNvPicPr>
+                    <p:nvPr/>
+                  </p:nvPicPr>
+                  <p:blipFill rotWithShape="1">
+                    <a:blip r:embed="rId2">
+                      <a:extLst>
+                        <a:ext uri="{28A0092B-C50C-407E-A947-70E740481C1C}">
+                          <a14:useLocalDpi xmlns:a14="http://schemas.microsoft.com/office/drawing/2010/main" val="0"/>
+                        </a:ext>
+                      </a:extLst>
+                    </a:blip>
+                    <a:srcRect l="555" t="26970" r="87754" b="51739"/>
+                    <a:stretch/>
+                  </p:blipFill>
+                  <p:spPr>
+                    <a:xfrm>
+                      <a:off x="5469233" y="1093582"/>
+                      <a:ext cx="432796" cy="863651"/>
+                    </a:xfrm>
+                    <a:prstGeom prst="rect">
+                      <a:avLst/>
+                    </a:prstGeom>
+                  </p:spPr>
+                </p:pic>
+                <p:pic>
+                  <p:nvPicPr>
+                    <p:cNvPr id="71" name="Picture 70" descr="A black and white photo of a window with snow on it&#10;&#10;Description automatically generated with low confidence">
+                      <a:extLst>
+                        <a:ext uri="{FF2B5EF4-FFF2-40B4-BE49-F238E27FC236}">
+                          <a16:creationId xmlns:a16="http://schemas.microsoft.com/office/drawing/2014/main" id="{FD266BE5-9E44-4090-D509-FD2A8C7E29FF}"/>
+                        </a:ext>
+                      </a:extLst>
+                    </p:cNvPr>
+                    <p:cNvPicPr>
+                      <a:picLocks noChangeAspect="1"/>
+                    </p:cNvPicPr>
+                    <p:nvPr/>
+                  </p:nvPicPr>
+                  <p:blipFill rotWithShape="1">
+                    <a:blip r:embed="rId2">
+                      <a:extLst>
+                        <a:ext uri="{28A0092B-C50C-407E-A947-70E740481C1C}">
+                          <a14:useLocalDpi xmlns:a14="http://schemas.microsoft.com/office/drawing/2010/main" val="0"/>
+                        </a:ext>
+                      </a:extLst>
+                    </a:blip>
+                    <a:srcRect l="446" t="52584" r="87622" b="26202"/>
+                    <a:stretch/>
+                  </p:blipFill>
+                  <p:spPr>
+                    <a:xfrm>
+                      <a:off x="5938304" y="1093582"/>
+                      <a:ext cx="438976" cy="863651"/>
+                    </a:xfrm>
+                    <a:prstGeom prst="rect">
+                      <a:avLst/>
+                    </a:prstGeom>
+                  </p:spPr>
+                </p:pic>
+                <p:pic>
+                  <p:nvPicPr>
+                    <p:cNvPr id="72" name="Picture 71" descr="A black and white photo of a window with snow on it&#10;&#10;Description automatically generated with low confidence">
+                      <a:extLst>
+                        <a:ext uri="{FF2B5EF4-FFF2-40B4-BE49-F238E27FC236}">
+                          <a16:creationId xmlns:a16="http://schemas.microsoft.com/office/drawing/2014/main" id="{37F802F7-6240-D5B4-1D13-31C0A09F6190}"/>
+                        </a:ext>
+                      </a:extLst>
+                    </p:cNvPr>
+                    <p:cNvPicPr>
+                      <a:picLocks noChangeAspect="1"/>
+                    </p:cNvPicPr>
+                    <p:nvPr/>
+                  </p:nvPicPr>
+                  <p:blipFill rotWithShape="1">
+                    <a:blip r:embed="rId2">
+                      <a:extLst>
+                        <a:ext uri="{28A0092B-C50C-407E-A947-70E740481C1C}">
+                          <a14:useLocalDpi xmlns:a14="http://schemas.microsoft.com/office/drawing/2010/main" val="0"/>
+                        </a:ext>
+                      </a:extLst>
+                    </a:blip>
+                    <a:srcRect l="29593" t="78202" r="58585" b="506"/>
+                    <a:stretch/>
+                  </p:blipFill>
+                  <p:spPr>
+                    <a:xfrm>
+                      <a:off x="6413555" y="1093582"/>
+                      <a:ext cx="433301" cy="863651"/>
+                    </a:xfrm>
+                    <a:prstGeom prst="rect">
+                      <a:avLst/>
+                    </a:prstGeom>
+                  </p:spPr>
+                </p:pic>
+                <p:pic>
+                  <p:nvPicPr>
+                    <p:cNvPr id="73" name="Picture 72" descr="A black and white photo of a window with snow on it&#10;&#10;Description automatically generated with low confidence">
+                      <a:extLst>
+                        <a:ext uri="{FF2B5EF4-FFF2-40B4-BE49-F238E27FC236}">
+                          <a16:creationId xmlns:a16="http://schemas.microsoft.com/office/drawing/2014/main" id="{0475AC2A-7113-6DFB-9307-7CDD891FD0F2}"/>
+                        </a:ext>
+                      </a:extLst>
+                    </p:cNvPr>
+                    <p:cNvPicPr>
+                      <a:picLocks noChangeAspect="1"/>
+                    </p:cNvPicPr>
+                    <p:nvPr/>
+                  </p:nvPicPr>
+                  <p:blipFill rotWithShape="1">
+                    <a:blip r:embed="rId2">
+                      <a:extLst>
+                        <a:ext uri="{28A0092B-C50C-407E-A947-70E740481C1C}">
+                          <a14:useLocalDpi xmlns:a14="http://schemas.microsoft.com/office/drawing/2010/main" val="0"/>
+                        </a:ext>
+                      </a:extLst>
+                    </a:blip>
+                    <a:srcRect l="58804" t="27074" r="29630" b="51741"/>
+                    <a:stretch/>
+                  </p:blipFill>
+                  <p:spPr>
+                    <a:xfrm>
+                      <a:off x="6883130" y="1093972"/>
+                      <a:ext cx="425715" cy="862871"/>
+                    </a:xfrm>
+                    <a:prstGeom prst="rect">
+                      <a:avLst/>
+                    </a:prstGeom>
+                  </p:spPr>
+                </p:pic>
+              </p:grpSp>
+              <p:grpSp>
+                <p:nvGrpSpPr>
+                  <p:cNvPr id="91" name="Group 90">
+                    <a:extLst>
+                      <a:ext uri="{FF2B5EF4-FFF2-40B4-BE49-F238E27FC236}">
+                        <a16:creationId xmlns:a16="http://schemas.microsoft.com/office/drawing/2014/main" id="{9306D7B7-A786-E250-AA44-F70241EB11C2}"/>
+                      </a:ext>
+                    </a:extLst>
+                  </p:cNvPr>
+                  <p:cNvGrpSpPr/>
+                  <p:nvPr/>
+                </p:nvGrpSpPr>
+                <p:grpSpPr>
+                  <a:xfrm>
+                    <a:off x="4998879" y="2524524"/>
+                    <a:ext cx="2308012" cy="863651"/>
+                    <a:chOff x="4996926" y="2525554"/>
+                    <a:chExt cx="2308012" cy="863651"/>
+                  </a:xfrm>
+                </p:grpSpPr>
+                <p:pic>
+                  <p:nvPicPr>
+                    <p:cNvPr id="74" name="Picture 73" descr="A black and white photo of a window with snow on it&#10;&#10;Description automatically generated with low confidence">
+                      <a:extLst>
+                        <a:ext uri="{FF2B5EF4-FFF2-40B4-BE49-F238E27FC236}">
+                          <a16:creationId xmlns:a16="http://schemas.microsoft.com/office/drawing/2014/main" id="{C4DE3554-180B-6D12-ED76-16CAD55DDD9D}"/>
+                        </a:ext>
+                      </a:extLst>
+                    </p:cNvPr>
+                    <p:cNvPicPr>
+                      <a:picLocks noChangeAspect="1"/>
+                    </p:cNvPicPr>
+                    <p:nvPr/>
+                  </p:nvPicPr>
+                  <p:blipFill rotWithShape="1">
+                    <a:blip r:embed="rId2">
+                      <a:extLst>
+                        <a:ext uri="{28A0092B-C50C-407E-A947-70E740481C1C}">
+                          <a14:useLocalDpi xmlns:a14="http://schemas.microsoft.com/office/drawing/2010/main" val="0"/>
+                        </a:ext>
+                      </a:extLst>
+                    </a:blip>
+                    <a:srcRect l="58692" t="52745" r="29468" b="26069"/>
+                    <a:stretch/>
+                  </p:blipFill>
+                  <p:spPr>
+                    <a:xfrm>
+                      <a:off x="5941584" y="2525554"/>
+                      <a:ext cx="432796" cy="863651"/>
+                    </a:xfrm>
+                    <a:prstGeom prst="rect">
+                      <a:avLst/>
+                    </a:prstGeom>
+                  </p:spPr>
+                </p:pic>
+                <p:pic>
+                  <p:nvPicPr>
+                    <p:cNvPr id="75" name="Picture 74" descr="A black and white photo of a window with snow on it&#10;&#10;Description automatically generated with low confidence">
+                      <a:extLst>
+                        <a:ext uri="{FF2B5EF4-FFF2-40B4-BE49-F238E27FC236}">
+                          <a16:creationId xmlns:a16="http://schemas.microsoft.com/office/drawing/2014/main" id="{82106033-5D4E-4D8A-E880-6BAA5C4A1E88}"/>
+                        </a:ext>
+                      </a:extLst>
+                    </p:cNvPr>
+                    <p:cNvPicPr>
+                      <a:picLocks noChangeAspect="1"/>
+                    </p:cNvPicPr>
+                    <p:nvPr/>
+                  </p:nvPicPr>
+                  <p:blipFill rotWithShape="1">
+                    <a:blip r:embed="rId2">
+                      <a:extLst>
+                        <a:ext uri="{28A0092B-C50C-407E-A947-70E740481C1C}">
+                          <a14:useLocalDpi xmlns:a14="http://schemas.microsoft.com/office/drawing/2010/main" val="0"/>
+                        </a:ext>
+                      </a:extLst>
+                    </a:blip>
+                    <a:srcRect l="29722" t="52493" r="58647" b="26076"/>
+                    <a:stretch/>
+                  </p:blipFill>
+                  <p:spPr>
+                    <a:xfrm>
+                      <a:off x="5470873" y="2525554"/>
+                      <a:ext cx="432796" cy="863651"/>
+                    </a:xfrm>
+                    <a:prstGeom prst="rect">
+                      <a:avLst/>
+                    </a:prstGeom>
+                  </p:spPr>
+                </p:pic>
+                <p:pic>
+                  <p:nvPicPr>
+                    <p:cNvPr id="76" name="Picture 75" descr="A black and white photo of a window with snow on it&#10;&#10;Description automatically generated with low confidence">
+                      <a:extLst>
+                        <a:ext uri="{FF2B5EF4-FFF2-40B4-BE49-F238E27FC236}">
+                          <a16:creationId xmlns:a16="http://schemas.microsoft.com/office/drawing/2014/main" id="{D23BE054-47F2-3542-DE38-4922E6F27F3B}"/>
+                        </a:ext>
+                      </a:extLst>
+                    </p:cNvPr>
+                    <p:cNvPicPr>
+                      <a:picLocks noChangeAspect="1"/>
+                    </p:cNvPicPr>
+                    <p:nvPr/>
+                  </p:nvPicPr>
+                  <p:blipFill rotWithShape="1">
+                    <a:blip r:embed="rId2">
+                      <a:extLst>
+                        <a:ext uri="{28A0092B-C50C-407E-A947-70E740481C1C}">
+                          <a14:useLocalDpi xmlns:a14="http://schemas.microsoft.com/office/drawing/2010/main" val="0"/>
+                        </a:ext>
+                      </a:extLst>
+                    </a:blip>
+                    <a:srcRect l="29603" t="1373" r="58464" b="77268"/>
+                    <a:stretch/>
+                  </p:blipFill>
+                  <p:spPr>
+                    <a:xfrm>
+                      <a:off x="4996926" y="2525554"/>
+                      <a:ext cx="436032" cy="863651"/>
+                    </a:xfrm>
+                    <a:prstGeom prst="rect">
+                      <a:avLst/>
+                    </a:prstGeom>
+                  </p:spPr>
+                </p:pic>
+                <p:pic>
+                  <p:nvPicPr>
+                    <p:cNvPr id="77" name="Picture 76" descr="A black and white photo of a window with snow on it&#10;&#10;Description automatically generated with low confidence">
+                      <a:extLst>
+                        <a:ext uri="{FF2B5EF4-FFF2-40B4-BE49-F238E27FC236}">
+                          <a16:creationId xmlns:a16="http://schemas.microsoft.com/office/drawing/2014/main" id="{DF5AD0BE-3D1D-6519-E9F0-74A2DA52EEED}"/>
+                        </a:ext>
+                      </a:extLst>
+                    </p:cNvPr>
+                    <p:cNvPicPr>
+                      <a:picLocks noChangeAspect="1"/>
+                    </p:cNvPicPr>
+                    <p:nvPr/>
+                  </p:nvPicPr>
+                  <p:blipFill rotWithShape="1">
+                    <a:blip r:embed="rId2">
+                      <a:extLst>
+                        <a:ext uri="{28A0092B-C50C-407E-A947-70E740481C1C}">
+                          <a14:useLocalDpi xmlns:a14="http://schemas.microsoft.com/office/drawing/2010/main" val="0"/>
+                        </a:ext>
+                      </a:extLst>
+                    </a:blip>
+                    <a:srcRect l="87806" t="1323" r="675" b="77383"/>
+                    <a:stretch/>
+                  </p:blipFill>
+                  <p:spPr>
+                    <a:xfrm>
+                      <a:off x="6883130" y="2525944"/>
+                      <a:ext cx="421808" cy="862871"/>
+                    </a:xfrm>
+                    <a:prstGeom prst="rect">
+                      <a:avLst/>
+                    </a:prstGeom>
+                  </p:spPr>
+                </p:pic>
+                <p:pic>
+                  <p:nvPicPr>
+                    <p:cNvPr id="78" name="Picture 77" descr="A black and white photo of a window with snow on it&#10;&#10;Description automatically generated with low confidence">
+                      <a:extLst>
+                        <a:ext uri="{FF2B5EF4-FFF2-40B4-BE49-F238E27FC236}">
+                          <a16:creationId xmlns:a16="http://schemas.microsoft.com/office/drawing/2014/main" id="{C5C3A636-DD68-AC5F-860B-D84B835E5932}"/>
+                        </a:ext>
+                      </a:extLst>
+                    </p:cNvPr>
+                    <p:cNvPicPr>
+                      <a:picLocks noChangeAspect="1"/>
+                    </p:cNvPicPr>
+                    <p:nvPr/>
+                  </p:nvPicPr>
+                  <p:blipFill rotWithShape="1">
+                    <a:blip r:embed="rId2">
+                      <a:extLst>
+                        <a:ext uri="{28A0092B-C50C-407E-A947-70E740481C1C}">
+                          <a14:useLocalDpi xmlns:a14="http://schemas.microsoft.com/office/drawing/2010/main" val="0"/>
+                        </a:ext>
+                      </a:extLst>
+                    </a:blip>
+                    <a:srcRect l="87750" t="52558" r="394" b="26067"/>
+                    <a:stretch/>
+                  </p:blipFill>
+                  <p:spPr>
+                    <a:xfrm>
+                      <a:off x="6412295" y="2525554"/>
+                      <a:ext cx="432919" cy="863651"/>
+                    </a:xfrm>
+                    <a:prstGeom prst="rect">
+                      <a:avLst/>
+                    </a:prstGeom>
+                  </p:spPr>
+                </p:pic>
+              </p:grpSp>
+              <p:grpSp>
+                <p:nvGrpSpPr>
+                  <p:cNvPr id="92" name="Group 91">
+                    <a:extLst>
+                      <a:ext uri="{FF2B5EF4-FFF2-40B4-BE49-F238E27FC236}">
+                        <a16:creationId xmlns:a16="http://schemas.microsoft.com/office/drawing/2014/main" id="{9041F23E-7AA8-53C2-FC29-18A5F2867BCC}"/>
+                      </a:ext>
+                    </a:extLst>
+                  </p:cNvPr>
+                  <p:cNvGrpSpPr/>
+                  <p:nvPr/>
+                </p:nvGrpSpPr>
+                <p:grpSpPr>
+                  <a:xfrm>
+                    <a:off x="5000983" y="2023176"/>
+                    <a:ext cx="2303805" cy="435405"/>
+                    <a:chOff x="5001133" y="2018627"/>
+                    <a:chExt cx="2303805" cy="435405"/>
+                  </a:xfrm>
+                </p:grpSpPr>
+                <p:pic>
+                  <p:nvPicPr>
+                    <p:cNvPr id="81" name="Picture 80" descr="A picture containing vegetable&#10;&#10;Description automatically generated">
+                      <a:extLst>
+                        <a:ext uri="{FF2B5EF4-FFF2-40B4-BE49-F238E27FC236}">
+                          <a16:creationId xmlns:a16="http://schemas.microsoft.com/office/drawing/2014/main" id="{A14E5BE0-3BF5-C9D0-2DDC-1DFDDD85FB32}"/>
+                        </a:ext>
+                      </a:extLst>
+                    </p:cNvPr>
+                    <p:cNvPicPr>
+                      <a:picLocks noChangeAspect="1"/>
+                    </p:cNvPicPr>
+                    <p:nvPr/>
+                  </p:nvPicPr>
+                  <p:blipFill rotWithShape="1">
+                    <a:blip r:embed="rId3">
+                      <a:extLst>
+                        <a:ext uri="{28A0092B-C50C-407E-A947-70E740481C1C}">
+                          <a14:useLocalDpi xmlns:a14="http://schemas.microsoft.com/office/drawing/2010/main" val="0"/>
+                        </a:ext>
+                      </a:extLst>
+                    </a:blip>
+                    <a:srcRect l="328" t="78147" r="78354" b="487"/>
+                    <a:stretch/>
+                  </p:blipFill>
+                  <p:spPr>
+                    <a:xfrm>
+                      <a:off x="6402613" y="2020017"/>
+                      <a:ext cx="436318" cy="432625"/>
+                    </a:xfrm>
+                    <a:prstGeom prst="rect">
+                      <a:avLst/>
+                    </a:prstGeom>
+                  </p:spPr>
+                </p:pic>
+                <p:pic>
+                  <p:nvPicPr>
+                    <p:cNvPr id="82" name="Picture 81" descr="A picture containing vegetable&#10;&#10;Description automatically generated">
+                      <a:extLst>
+                        <a:ext uri="{FF2B5EF4-FFF2-40B4-BE49-F238E27FC236}">
+                          <a16:creationId xmlns:a16="http://schemas.microsoft.com/office/drawing/2014/main" id="{96054404-1270-228A-E8C4-BEDF79FA85B5}"/>
+                        </a:ext>
+                      </a:extLst>
+                    </p:cNvPr>
+                    <p:cNvPicPr>
+                      <a:picLocks noChangeAspect="1"/>
+                    </p:cNvPicPr>
+                    <p:nvPr/>
+                  </p:nvPicPr>
+                  <p:blipFill rotWithShape="1">
+                    <a:blip r:embed="rId3">
+                      <a:extLst>
+                        <a:ext uri="{28A0092B-C50C-407E-A947-70E740481C1C}">
+                          <a14:useLocalDpi xmlns:a14="http://schemas.microsoft.com/office/drawing/2010/main" val="0"/>
+                        </a:ext>
+                      </a:extLst>
+                    </a:blip>
+                    <a:srcRect l="26558" t="1444" r="52378" b="77426"/>
+                    <a:stretch/>
+                  </p:blipFill>
+                  <p:spPr>
+                    <a:xfrm>
+                      <a:off x="5465863" y="2018627"/>
+                      <a:ext cx="438755" cy="435405"/>
+                    </a:xfrm>
+                    <a:prstGeom prst="rect">
+                      <a:avLst/>
+                    </a:prstGeom>
+                  </p:spPr>
+                </p:pic>
+                <p:pic>
+                  <p:nvPicPr>
+                    <p:cNvPr id="83" name="Picture 82" descr="A picture containing vegetable&#10;&#10;Description automatically generated">
+                      <a:extLst>
+                        <a:ext uri="{FF2B5EF4-FFF2-40B4-BE49-F238E27FC236}">
+                          <a16:creationId xmlns:a16="http://schemas.microsoft.com/office/drawing/2014/main" id="{CFCE7A10-255C-E58C-4E1A-024195E9A79B}"/>
+                        </a:ext>
+                      </a:extLst>
+                    </p:cNvPr>
+                    <p:cNvPicPr>
+                      <a:picLocks noChangeAspect="1"/>
+                    </p:cNvPicPr>
+                    <p:nvPr/>
+                  </p:nvPicPr>
+                  <p:blipFill rotWithShape="1">
+                    <a:blip r:embed="rId3">
+                      <a:extLst>
+                        <a:ext uri="{28A0092B-C50C-407E-A947-70E740481C1C}">
+                          <a14:useLocalDpi xmlns:a14="http://schemas.microsoft.com/office/drawing/2010/main" val="0"/>
+                        </a:ext>
+                      </a:extLst>
+                    </a:blip>
+                    <a:srcRect l="52636" t="26941" r="26441" b="51752"/>
+                    <a:stretch/>
+                  </p:blipFill>
+                  <p:spPr>
+                    <a:xfrm>
+                      <a:off x="5937523" y="2018627"/>
+                      <a:ext cx="432185" cy="435405"/>
+                    </a:xfrm>
+                    <a:prstGeom prst="rect">
+                      <a:avLst/>
+                    </a:prstGeom>
+                  </p:spPr>
+                </p:pic>
+                <p:pic>
+                  <p:nvPicPr>
+                    <p:cNvPr id="85" name="Picture 84" descr="A picture containing vegetable&#10;&#10;Description automatically generated">
+                      <a:extLst>
+                        <a:ext uri="{FF2B5EF4-FFF2-40B4-BE49-F238E27FC236}">
+                          <a16:creationId xmlns:a16="http://schemas.microsoft.com/office/drawing/2014/main" id="{23EE0DC0-9B40-E57F-DF78-02B996FC3219}"/>
+                        </a:ext>
+                      </a:extLst>
+                    </p:cNvPr>
+                    <p:cNvPicPr>
+                      <a:picLocks noChangeAspect="1"/>
+                    </p:cNvPicPr>
+                    <p:nvPr/>
+                  </p:nvPicPr>
+                  <p:blipFill rotWithShape="1">
+                    <a:blip r:embed="rId3">
+                      <a:extLst>
+                        <a:ext uri="{28A0092B-C50C-407E-A947-70E740481C1C}">
+                          <a14:useLocalDpi xmlns:a14="http://schemas.microsoft.com/office/drawing/2010/main" val="0"/>
+                        </a:ext>
+                      </a:extLst>
+                    </a:blip>
+                    <a:srcRect l="78476" t="78137" r="435" b="569"/>
+                    <a:stretch/>
+                  </p:blipFill>
+                  <p:spPr>
+                    <a:xfrm>
+                      <a:off x="6871837" y="2020016"/>
+                      <a:ext cx="433101" cy="432626"/>
+                    </a:xfrm>
+                    <a:prstGeom prst="rect">
+                      <a:avLst/>
+                    </a:prstGeom>
+                  </p:spPr>
+                </p:pic>
+                <p:pic>
+                  <p:nvPicPr>
+                    <p:cNvPr id="86" name="Picture 85" descr="A picture containing vegetable&#10;&#10;Description automatically generated">
+                      <a:extLst>
+                        <a:ext uri="{FF2B5EF4-FFF2-40B4-BE49-F238E27FC236}">
+                          <a16:creationId xmlns:a16="http://schemas.microsoft.com/office/drawing/2014/main" id="{8DFB7624-304A-8172-23FB-DFDE80F9D2B9}"/>
+                        </a:ext>
+                      </a:extLst>
+                    </p:cNvPr>
+                    <p:cNvPicPr>
+                      <a:picLocks noChangeAspect="1"/>
+                    </p:cNvPicPr>
+                    <p:nvPr/>
+                  </p:nvPicPr>
+                  <p:blipFill rotWithShape="1">
+                    <a:blip r:embed="rId3">
+                      <a:extLst>
+                        <a:ext uri="{28A0092B-C50C-407E-A947-70E740481C1C}">
+                          <a14:useLocalDpi xmlns:a14="http://schemas.microsoft.com/office/drawing/2010/main" val="0"/>
+                        </a:ext>
+                      </a:extLst>
+                    </a:blip>
+                    <a:srcRect l="567" t="26992" r="78493" b="51665"/>
+                    <a:stretch/>
+                  </p:blipFill>
+                  <p:spPr>
+                    <a:xfrm>
+                      <a:off x="5001133" y="2018627"/>
+                      <a:ext cx="431825" cy="435405"/>
+                    </a:xfrm>
+                    <a:prstGeom prst="rect">
+                      <a:avLst/>
+                    </a:prstGeom>
+                  </p:spPr>
+                </p:pic>
+              </p:grpSp>
+              <p:grpSp>
+                <p:nvGrpSpPr>
+                  <p:cNvPr id="90" name="Group 89">
+                    <a:extLst>
+                      <a:ext uri="{FF2B5EF4-FFF2-40B4-BE49-F238E27FC236}">
+                        <a16:creationId xmlns:a16="http://schemas.microsoft.com/office/drawing/2014/main" id="{089FEA2A-EEE9-B273-194D-E2F2B1F002AF}"/>
+                      </a:ext>
+                    </a:extLst>
+                  </p:cNvPr>
+                  <p:cNvGrpSpPr/>
+                  <p:nvPr/>
+                </p:nvGrpSpPr>
+                <p:grpSpPr>
+                  <a:xfrm>
+                    <a:off x="4998879" y="3454118"/>
+                    <a:ext cx="2308012" cy="442305"/>
+                    <a:chOff x="4996926" y="3454118"/>
+                    <a:chExt cx="2308012" cy="442305"/>
+                  </a:xfrm>
+                </p:grpSpPr>
+                <p:pic>
+                  <p:nvPicPr>
+                    <p:cNvPr id="80" name="Picture 79" descr="A picture containing vegetable&#10;&#10;Description automatically generated">
+                      <a:extLst>
+                        <a:ext uri="{FF2B5EF4-FFF2-40B4-BE49-F238E27FC236}">
+                          <a16:creationId xmlns:a16="http://schemas.microsoft.com/office/drawing/2014/main" id="{5A92DB18-625F-7C2F-092B-24868DA9F726}"/>
+                        </a:ext>
+                      </a:extLst>
+                    </p:cNvPr>
+                    <p:cNvPicPr>
+                      <a:picLocks noChangeAspect="1"/>
+                    </p:cNvPicPr>
+                    <p:nvPr/>
+                  </p:nvPicPr>
+                  <p:blipFill rotWithShape="1">
+                    <a:blip r:embed="rId3">
+                      <a:extLst>
+                        <a:ext uri="{28A0092B-C50C-407E-A947-70E740481C1C}">
+                          <a14:useLocalDpi xmlns:a14="http://schemas.microsoft.com/office/drawing/2010/main" val="0"/>
+                        </a:ext>
+                      </a:extLst>
+                    </a:blip>
+                    <a:srcRect l="480" t="1508" r="78372" b="77294"/>
+                    <a:stretch/>
+                  </p:blipFill>
+                  <p:spPr>
+                    <a:xfrm>
+                      <a:off x="4996926" y="3457567"/>
+                      <a:ext cx="439077" cy="435406"/>
+                    </a:xfrm>
+                    <a:prstGeom prst="rect">
+                      <a:avLst/>
+                    </a:prstGeom>
+                  </p:spPr>
+                </p:pic>
+                <p:pic>
+                  <p:nvPicPr>
+                    <p:cNvPr id="84" name="Picture 83" descr="A picture containing vegetable&#10;&#10;Description automatically generated">
+                      <a:extLst>
+                        <a:ext uri="{FF2B5EF4-FFF2-40B4-BE49-F238E27FC236}">
+                          <a16:creationId xmlns:a16="http://schemas.microsoft.com/office/drawing/2014/main" id="{1C977499-A8E2-611F-8E7F-202D0C2037E1}"/>
+                        </a:ext>
+                      </a:extLst>
+                    </p:cNvPr>
+                    <p:cNvPicPr>
+                      <a:picLocks noChangeAspect="1"/>
+                    </p:cNvPicPr>
+                    <p:nvPr/>
+                  </p:nvPicPr>
+                  <p:blipFill rotWithShape="1">
+                    <a:blip r:embed="rId3">
+                      <a:extLst>
+                        <a:ext uri="{28A0092B-C50C-407E-A947-70E740481C1C}">
+                          <a14:useLocalDpi xmlns:a14="http://schemas.microsoft.com/office/drawing/2010/main" val="0"/>
+                        </a:ext>
+                      </a:extLst>
+                    </a:blip>
+                    <a:srcRect l="78392" t="26949" r="428" b="51705"/>
+                    <a:stretch/>
+                  </p:blipFill>
+                  <p:spPr>
+                    <a:xfrm>
+                      <a:off x="6862614" y="3454778"/>
+                      <a:ext cx="442324" cy="440985"/>
+                    </a:xfrm>
+                    <a:prstGeom prst="rect">
+                      <a:avLst/>
+                    </a:prstGeom>
+                  </p:spPr>
+                </p:pic>
+                <p:pic>
+                  <p:nvPicPr>
+                    <p:cNvPr id="87" name="Picture 86" descr="A picture containing vegetable&#10;&#10;Description automatically generated">
+                      <a:extLst>
+                        <a:ext uri="{FF2B5EF4-FFF2-40B4-BE49-F238E27FC236}">
+                          <a16:creationId xmlns:a16="http://schemas.microsoft.com/office/drawing/2014/main" id="{3129AD5E-FB78-C777-D798-649492F16349}"/>
+                        </a:ext>
+                      </a:extLst>
+                    </p:cNvPr>
+                    <p:cNvPicPr>
+                      <a:picLocks noChangeAspect="1"/>
+                    </p:cNvPicPr>
+                    <p:nvPr/>
+                  </p:nvPicPr>
+                  <p:blipFill rotWithShape="1">
+                    <a:blip r:embed="rId3">
+                      <a:extLst>
+                        <a:ext uri="{28A0092B-C50C-407E-A947-70E740481C1C}">
+                          <a14:useLocalDpi xmlns:a14="http://schemas.microsoft.com/office/drawing/2010/main" val="0"/>
+                        </a:ext>
+                      </a:extLst>
+                    </a:blip>
+                    <a:srcRect l="26634" t="78158" r="52480" b="732"/>
+                    <a:stretch/>
+                  </p:blipFill>
+                  <p:spPr>
+                    <a:xfrm>
+                      <a:off x="6392276" y="3454118"/>
+                      <a:ext cx="442324" cy="442305"/>
+                    </a:xfrm>
+                    <a:prstGeom prst="rect">
+                      <a:avLst/>
+                    </a:prstGeom>
+                  </p:spPr>
+                </p:pic>
+                <p:pic>
+                  <p:nvPicPr>
+                    <p:cNvPr id="88" name="Picture 87" descr="A picture containing vegetable&#10;&#10;Description automatically generated">
+                      <a:extLst>
+                        <a:ext uri="{FF2B5EF4-FFF2-40B4-BE49-F238E27FC236}">
+                          <a16:creationId xmlns:a16="http://schemas.microsoft.com/office/drawing/2014/main" id="{7AD4CC3F-A259-2C74-3DEA-6D7805FEB7BA}"/>
+                        </a:ext>
+                      </a:extLst>
+                    </p:cNvPr>
+                    <p:cNvPicPr>
+                      <a:picLocks noChangeAspect="1"/>
+                    </p:cNvPicPr>
+                    <p:nvPr/>
+                  </p:nvPicPr>
+                  <p:blipFill rotWithShape="1">
+                    <a:blip r:embed="rId3">
+                      <a:extLst>
+                        <a:ext uri="{28A0092B-C50C-407E-A947-70E740481C1C}">
+                          <a14:useLocalDpi xmlns:a14="http://schemas.microsoft.com/office/drawing/2010/main" val="0"/>
+                        </a:ext>
+                      </a:extLst>
+                    </a:blip>
+                    <a:srcRect l="78523" t="1460" r="633" b="77227"/>
+                    <a:stretch/>
+                  </p:blipFill>
+                  <p:spPr>
+                    <a:xfrm>
+                      <a:off x="5933833" y="3457568"/>
+                      <a:ext cx="430429" cy="435405"/>
+                    </a:xfrm>
+                    <a:prstGeom prst="rect">
+                      <a:avLst/>
+                    </a:prstGeom>
+                  </p:spPr>
+                </p:pic>
+                <p:pic>
+                  <p:nvPicPr>
+                    <p:cNvPr id="89" name="Picture 88" descr="A picture containing vegetable&#10;&#10;Description automatically generated">
+                      <a:extLst>
+                        <a:ext uri="{FF2B5EF4-FFF2-40B4-BE49-F238E27FC236}">
+                          <a16:creationId xmlns:a16="http://schemas.microsoft.com/office/drawing/2014/main" id="{28ED0917-9997-0C1E-4854-197BE44E185A}"/>
+                        </a:ext>
+                      </a:extLst>
+                    </p:cNvPr>
+                    <p:cNvPicPr>
+                      <a:picLocks noChangeAspect="1"/>
+                    </p:cNvPicPr>
+                    <p:nvPr/>
+                  </p:nvPicPr>
+                  <p:blipFill rotWithShape="1">
+                    <a:blip r:embed="rId3">
+                      <a:extLst>
+                        <a:ext uri="{28A0092B-C50C-407E-A947-70E740481C1C}">
+                          <a14:useLocalDpi xmlns:a14="http://schemas.microsoft.com/office/drawing/2010/main" val="0"/>
+                        </a:ext>
+                      </a:extLst>
+                    </a:blip>
+                    <a:srcRect l="52443" t="1477" r="26365" b="77411"/>
+                    <a:stretch/>
+                  </p:blipFill>
+                  <p:spPr>
+                    <a:xfrm>
+                      <a:off x="5464017" y="3457568"/>
+                      <a:ext cx="441802" cy="435405"/>
+                    </a:xfrm>
+                    <a:prstGeom prst="rect">
+                      <a:avLst/>
+                    </a:prstGeom>
+                  </p:spPr>
+                </p:pic>
+              </p:grpSp>
+            </p:grpSp>
+            <p:sp>
+              <p:nvSpPr>
+                <p:cNvPr id="95" name="TextBox 94">
+                  <a:extLst>
+                    <a:ext uri="{FF2B5EF4-FFF2-40B4-BE49-F238E27FC236}">
+                      <a16:creationId xmlns:a16="http://schemas.microsoft.com/office/drawing/2014/main" id="{14890761-B05B-F9F1-1023-D0A4A534DD95}"/>
+                    </a:ext>
+                  </a:extLst>
+                </p:cNvPr>
+                <p:cNvSpPr txBox="1"/>
+                <p:nvPr/>
+              </p:nvSpPr>
+              <p:spPr>
+                <a:xfrm rot="16200000">
+                  <a:off x="3971375" y="1745070"/>
+                  <a:ext cx="1082228" cy="243107"/>
+                </a:xfrm>
+                <a:prstGeom prst="rect">
+                  <a:avLst/>
+                </a:prstGeom>
+                <a:noFill/>
+              </p:spPr>
+              <p:txBody>
+                <a:bodyPr wrap="square" rtlCol="0">
+                  <a:spAutoFit/>
+                </a:bodyPr>
+                <a:lstStyle/>
+                <a:p>
+                  <a:pPr algn="ctr"/>
+                  <a:r>
+                    <a:rPr lang="en-US" sz="1000" b="1" dirty="0"/>
+                    <a:t>Cancerous</a:t>
+                  </a:r>
+                </a:p>
+              </p:txBody>
+            </p:sp>
+            <p:sp>
+              <p:nvSpPr>
+                <p:cNvPr id="96" name="TextBox 95">
+                  <a:extLst>
+                    <a:ext uri="{FF2B5EF4-FFF2-40B4-BE49-F238E27FC236}">
+                      <a16:creationId xmlns:a16="http://schemas.microsoft.com/office/drawing/2014/main" id="{FEB1E10C-A7C2-FC3C-DF5D-FE72AC069142}"/>
+                    </a:ext>
+                  </a:extLst>
+                </p:cNvPr>
+                <p:cNvSpPr txBox="1"/>
+                <p:nvPr/>
+              </p:nvSpPr>
+              <p:spPr>
+                <a:xfrm rot="16200000">
+                  <a:off x="3743733" y="3155786"/>
+                  <a:ext cx="1502811" cy="250705"/>
+                </a:xfrm>
+                <a:prstGeom prst="rect">
+                  <a:avLst/>
+                </a:prstGeom>
+                <a:noFill/>
+              </p:spPr>
+              <p:txBody>
+                <a:bodyPr wrap="square" rtlCol="0">
+                  <a:spAutoFit/>
+                </a:bodyPr>
+                <a:lstStyle/>
+                <a:p>
+                  <a:pPr algn="ctr"/>
+                  <a:r>
+                    <a:rPr lang="en-US" sz="1000" b="1" dirty="0"/>
+                    <a:t>Non-cancerous</a:t>
+                  </a:r>
+                </a:p>
+              </p:txBody>
+            </p:sp>
+            <p:sp>
+              <p:nvSpPr>
+                <p:cNvPr id="97" name="TextBox 96">
+                  <a:extLst>
+                    <a:ext uri="{FF2B5EF4-FFF2-40B4-BE49-F238E27FC236}">
+                      <a16:creationId xmlns:a16="http://schemas.microsoft.com/office/drawing/2014/main" id="{5C9BF090-75CD-1AD0-520F-3EA64FE8C1BB}"/>
+                    </a:ext>
+                  </a:extLst>
+                </p:cNvPr>
+                <p:cNvSpPr txBox="1"/>
+                <p:nvPr/>
+              </p:nvSpPr>
+              <p:spPr>
+                <a:xfrm rot="16200000">
+                  <a:off x="4128019" y="1440458"/>
+                  <a:ext cx="1502811" cy="212719"/>
+                </a:xfrm>
+                <a:prstGeom prst="rect">
+                  <a:avLst/>
+                </a:prstGeom>
+                <a:noFill/>
+              </p:spPr>
+              <p:txBody>
+                <a:bodyPr wrap="square" rtlCol="0">
+                  <a:spAutoFit/>
+                </a:bodyPr>
+                <a:lstStyle/>
+                <a:p>
+                  <a:pPr algn="ctr"/>
+                  <a:r>
+                    <a:rPr lang="en-US" sz="800" dirty="0"/>
+                    <a:t>B-frame slice</a:t>
+                  </a:r>
+                </a:p>
+              </p:txBody>
+            </p:sp>
+            <p:sp>
+              <p:nvSpPr>
+                <p:cNvPr id="98" name="TextBox 97">
+                  <a:extLst>
+                    <a:ext uri="{FF2B5EF4-FFF2-40B4-BE49-F238E27FC236}">
+                      <a16:creationId xmlns:a16="http://schemas.microsoft.com/office/drawing/2014/main" id="{FBE31D40-E00A-E9B2-A35B-69419D9C5A8A}"/>
+                    </a:ext>
+                  </a:extLst>
+                </p:cNvPr>
+                <p:cNvSpPr txBox="1"/>
+                <p:nvPr/>
+              </p:nvSpPr>
+              <p:spPr>
+                <a:xfrm rot="16200000">
+                  <a:off x="4124028" y="2858271"/>
+                  <a:ext cx="1502811" cy="212719"/>
+                </a:xfrm>
+                <a:prstGeom prst="rect">
+                  <a:avLst/>
+                </a:prstGeom>
+                <a:noFill/>
+              </p:spPr>
+              <p:txBody>
+                <a:bodyPr wrap="square" rtlCol="0">
+                  <a:spAutoFit/>
+                </a:bodyPr>
+                <a:lstStyle/>
+                <a:p>
+                  <a:pPr algn="ctr"/>
+                  <a:r>
+                    <a:rPr lang="en-US" sz="800" dirty="0"/>
+                    <a:t>B-frame slice</a:t>
+                  </a:r>
+                </a:p>
+              </p:txBody>
+            </p:sp>
+            <p:sp>
+              <p:nvSpPr>
+                <p:cNvPr id="99" name="TextBox 98">
+                  <a:extLst>
+                    <a:ext uri="{FF2B5EF4-FFF2-40B4-BE49-F238E27FC236}">
+                      <a16:creationId xmlns:a16="http://schemas.microsoft.com/office/drawing/2014/main" id="{F5E7F43C-E3AF-1A96-7E11-4C4F324BBEFC}"/>
+                    </a:ext>
+                  </a:extLst>
+                </p:cNvPr>
+                <p:cNvSpPr txBox="1"/>
+                <p:nvPr/>
+              </p:nvSpPr>
+              <p:spPr>
+                <a:xfrm rot="16200000">
+                  <a:off x="4389391" y="3571765"/>
+                  <a:ext cx="987308" cy="212719"/>
+                </a:xfrm>
+                <a:prstGeom prst="rect">
+                  <a:avLst/>
+                </a:prstGeom>
+                <a:noFill/>
+              </p:spPr>
+              <p:txBody>
+                <a:bodyPr wrap="square" rtlCol="0">
+                  <a:spAutoFit/>
+                </a:bodyPr>
+                <a:lstStyle/>
+                <a:p>
+                  <a:pPr algn="ctr"/>
+                  <a:r>
+                    <a:rPr lang="en-US" sz="800" dirty="0"/>
+                    <a:t>Texture</a:t>
+                  </a:r>
+                </a:p>
+              </p:txBody>
+            </p:sp>
+            <p:sp>
+              <p:nvSpPr>
+                <p:cNvPr id="100" name="TextBox 99">
+                  <a:extLst>
+                    <a:ext uri="{FF2B5EF4-FFF2-40B4-BE49-F238E27FC236}">
+                      <a16:creationId xmlns:a16="http://schemas.microsoft.com/office/drawing/2014/main" id="{00F3B888-3378-0C13-BCE7-FE4570A905B9}"/>
+                    </a:ext>
+                  </a:extLst>
+                </p:cNvPr>
+                <p:cNvSpPr txBox="1"/>
+                <p:nvPr/>
+              </p:nvSpPr>
+              <p:spPr>
+                <a:xfrm rot="16200000">
+                  <a:off x="4460079" y="2137578"/>
+                  <a:ext cx="836626" cy="212719"/>
+                </a:xfrm>
+                <a:prstGeom prst="rect">
+                  <a:avLst/>
+                </a:prstGeom>
+                <a:noFill/>
+              </p:spPr>
+              <p:txBody>
+                <a:bodyPr wrap="square" rtlCol="0">
+                  <a:spAutoFit/>
+                </a:bodyPr>
+                <a:lstStyle/>
+                <a:p>
+                  <a:pPr algn="ctr"/>
+                  <a:r>
+                    <a:rPr lang="en-US" sz="800" dirty="0"/>
+                    <a:t>Texture</a:t>
+                  </a:r>
+                </a:p>
+              </p:txBody>
+            </p:sp>
+            <p:sp>
+              <p:nvSpPr>
+                <p:cNvPr id="105" name="Left Brace 104">
+                  <a:extLst>
+                    <a:ext uri="{FF2B5EF4-FFF2-40B4-BE49-F238E27FC236}">
+                      <a16:creationId xmlns:a16="http://schemas.microsoft.com/office/drawing/2014/main" id="{CE213242-0402-C47C-F3B2-C49FAC57B7D8}"/>
+                    </a:ext>
+                  </a:extLst>
+                </p:cNvPr>
+                <p:cNvSpPr/>
+                <p:nvPr/>
+              </p:nvSpPr>
+              <p:spPr>
+                <a:xfrm>
+                  <a:off x="4613021" y="2823937"/>
+                  <a:ext cx="155448" cy="914400"/>
+                </a:xfrm>
+                <a:prstGeom prst="leftBrace">
+                  <a:avLst/>
+                </a:prstGeom>
+                <a:ln w="19050"/>
+              </p:spPr>
+              <p:style>
+                <a:lnRef idx="1">
+                  <a:schemeClr val="accent1"/>
+                </a:lnRef>
+                <a:fillRef idx="0">
+                  <a:schemeClr val="accent1"/>
+                </a:fillRef>
+                <a:effectRef idx="0">
+                  <a:schemeClr val="accent1"/>
+                </a:effectRef>
+                <a:fontRef idx="minor">
+                  <a:schemeClr val="tx1"/>
+                </a:fontRef>
+              </p:style>
+              <p:txBody>
+                <a:bodyPr rtlCol="0" anchor="ctr"/>
+                <a:lstStyle/>
+                <a:p>
+                  <a:pPr algn="ctr"/>
+                  <a:endParaRPr lang="en-US" sz="800" dirty="0"/>
+                </a:p>
+              </p:txBody>
+            </p:sp>
+            <p:sp>
+              <p:nvSpPr>
+                <p:cNvPr id="106" name="Left Brace 105">
+                  <a:extLst>
+                    <a:ext uri="{FF2B5EF4-FFF2-40B4-BE49-F238E27FC236}">
+                      <a16:creationId xmlns:a16="http://schemas.microsoft.com/office/drawing/2014/main" id="{F5D7BE22-57A8-3690-8C2D-03E50A2403B3}"/>
+                    </a:ext>
+                  </a:extLst>
+                </p:cNvPr>
+                <p:cNvSpPr/>
+                <p:nvPr/>
+              </p:nvSpPr>
+              <p:spPr>
+                <a:xfrm>
+                  <a:off x="4622926" y="1409423"/>
+                  <a:ext cx="155448" cy="914400"/>
+                </a:xfrm>
+                <a:prstGeom prst="leftBrace">
+                  <a:avLst/>
+                </a:prstGeom>
+                <a:ln w="19050"/>
+              </p:spPr>
+              <p:style>
+                <a:lnRef idx="1">
+                  <a:schemeClr val="accent1"/>
+                </a:lnRef>
+                <a:fillRef idx="0">
+                  <a:schemeClr val="accent1"/>
+                </a:fillRef>
+                <a:effectRef idx="0">
+                  <a:schemeClr val="accent1"/>
+                </a:effectRef>
+                <a:fontRef idx="minor">
+                  <a:schemeClr val="tx1"/>
+                </a:fontRef>
+              </p:style>
+              <p:txBody>
+                <a:bodyPr rtlCol="0" anchor="ctr"/>
+                <a:lstStyle/>
+                <a:p>
+                  <a:pPr algn="ctr"/>
+                  <a:endParaRPr lang="en-US" sz="800" dirty="0"/>
+                </a:p>
+              </p:txBody>
+            </p:sp>
+          </p:grpSp>
+          <p:sp>
+            <p:nvSpPr>
+              <p:cNvPr id="116" name="TextBox 115">
+                <a:extLst>
+                  <a:ext uri="{FF2B5EF4-FFF2-40B4-BE49-F238E27FC236}">
+                    <a16:creationId xmlns:a16="http://schemas.microsoft.com/office/drawing/2014/main" id="{3585E568-6A00-4ED1-3D31-852BE52B8C2E}"/>
+                  </a:ext>
+                </a:extLst>
+              </p:cNvPr>
+              <p:cNvSpPr txBox="1"/>
+              <p:nvPr/>
+            </p:nvSpPr>
+            <p:spPr>
+              <a:xfrm rot="16200000">
+                <a:off x="7042382" y="4622380"/>
+                <a:ext cx="836626" cy="212719"/>
+              </a:xfrm>
+              <a:prstGeom prst="rect">
+                <a:avLst/>
+              </a:prstGeom>
+              <a:noFill/>
+            </p:spPr>
+            <p:txBody>
+              <a:bodyPr wrap="square" rtlCol="0">
+                <a:spAutoFit/>
+              </a:bodyPr>
+              <a:lstStyle/>
+              <a:p>
+                <a:pPr algn="ctr"/>
+                <a:r>
+                  <a:rPr lang="en-US" sz="800" dirty="0"/>
+                  <a:t>200x100</a:t>
+                </a:r>
+              </a:p>
+            </p:txBody>
+          </p:sp>
+          <p:sp>
+            <p:nvSpPr>
+              <p:cNvPr id="117" name="TextBox 116">
+                <a:extLst>
+                  <a:ext uri="{FF2B5EF4-FFF2-40B4-BE49-F238E27FC236}">
+                    <a16:creationId xmlns:a16="http://schemas.microsoft.com/office/drawing/2014/main" id="{E55A1DBC-F8B4-90D8-D2DE-194B949E7047}"/>
+                  </a:ext>
+                </a:extLst>
+              </p:cNvPr>
+              <p:cNvSpPr txBox="1"/>
+              <p:nvPr/>
+            </p:nvSpPr>
+            <p:spPr>
+              <a:xfrm rot="16200000">
+                <a:off x="7047593" y="5315589"/>
+                <a:ext cx="836626" cy="212719"/>
+              </a:xfrm>
+              <a:prstGeom prst="rect">
+                <a:avLst/>
+              </a:prstGeom>
+              <a:noFill/>
+            </p:spPr>
+            <p:txBody>
+              <a:bodyPr wrap="square" rtlCol="0">
+                <a:spAutoFit/>
+              </a:bodyPr>
+              <a:lstStyle/>
+              <a:p>
+                <a:pPr algn="ctr"/>
+                <a:r>
+                  <a:rPr lang="en-US" sz="800" dirty="0"/>
+                  <a:t>100x100</a:t>
+                </a:r>
+              </a:p>
+            </p:txBody>
+          </p:sp>
+        </p:grpSp>
+        <p:grpSp>
+          <p:nvGrpSpPr>
+            <p:cNvPr id="340" name="Group 339">
+              <a:extLst>
+                <a:ext uri="{FF2B5EF4-FFF2-40B4-BE49-F238E27FC236}">
+                  <a16:creationId xmlns:a16="http://schemas.microsoft.com/office/drawing/2014/main" id="{CC5DDE01-6EA1-A7A6-2E62-6F6E8F9841DE}"/>
+                </a:ext>
+              </a:extLst>
+            </p:cNvPr>
+            <p:cNvGrpSpPr/>
+            <p:nvPr/>
+          </p:nvGrpSpPr>
+          <p:grpSpPr>
+            <a:xfrm>
+              <a:off x="567953" y="371972"/>
+              <a:ext cx="2696492" cy="3127929"/>
+              <a:chOff x="1383411" y="673190"/>
+              <a:chExt cx="2696492" cy="3120633"/>
+            </a:xfrm>
+          </p:grpSpPr>
+          <p:cxnSp>
+            <p:nvCxnSpPr>
+              <p:cNvPr id="346" name="Connector: Elbow 345">
+                <a:extLst>
+                  <a:ext uri="{FF2B5EF4-FFF2-40B4-BE49-F238E27FC236}">
+                    <a16:creationId xmlns:a16="http://schemas.microsoft.com/office/drawing/2014/main" id="{B9049F3F-453F-4425-8988-F6D8F226D9D0}"/>
+                  </a:ext>
+                </a:extLst>
+              </p:cNvPr>
+              <p:cNvCxnSpPr>
+                <a:cxnSpLocks/>
+                <a:stCxn id="372" idx="0"/>
+                <a:endCxn id="348" idx="2"/>
+              </p:cNvCxnSpPr>
+              <p:nvPr/>
+            </p:nvCxnSpPr>
+            <p:spPr>
+              <a:xfrm rot="5400000" flipH="1" flipV="1">
+                <a:off x="2081384" y="938112"/>
+                <a:ext cx="274397" cy="869688"/>
+              </a:xfrm>
+              <a:prstGeom prst="bentConnector3">
+                <a:avLst>
+                  <a:gd name="adj1" fmla="val 69914"/>
+                </a:avLst>
+              </a:prstGeom>
+              <a:ln w="12700"/>
+            </p:spPr>
+            <p:style>
+              <a:lnRef idx="1">
+                <a:schemeClr val="accent1"/>
+              </a:lnRef>
+              <a:fillRef idx="0">
+                <a:schemeClr val="accent1"/>
+              </a:fillRef>
+              <a:effectRef idx="0">
+                <a:schemeClr val="accent1"/>
+              </a:effectRef>
+              <a:fontRef idx="minor">
+                <a:schemeClr val="tx1"/>
+              </a:fontRef>
+            </p:style>
+          </p:cxnSp>
+          <p:cxnSp>
+            <p:nvCxnSpPr>
+              <p:cNvPr id="347" name="Connector: Elbow 346">
+                <a:extLst>
+                  <a:ext uri="{FF2B5EF4-FFF2-40B4-BE49-F238E27FC236}">
+                    <a16:creationId xmlns:a16="http://schemas.microsoft.com/office/drawing/2014/main" id="{41A8241A-BE3A-53E0-73BD-A94471975B93}"/>
+                  </a:ext>
+                </a:extLst>
+              </p:cNvPr>
+              <p:cNvCxnSpPr>
+                <a:cxnSpLocks/>
+                <a:stCxn id="348" idx="2"/>
+                <a:endCxn id="374" idx="0"/>
+              </p:cNvCxnSpPr>
+              <p:nvPr/>
+            </p:nvCxnSpPr>
+            <p:spPr>
+              <a:xfrm rot="16200000" flipH="1">
+                <a:off x="2992340" y="896843"/>
+                <a:ext cx="271075" cy="948902"/>
+              </a:xfrm>
+              <a:prstGeom prst="bentConnector3">
+                <a:avLst>
+                  <a:gd name="adj1" fmla="val 30368"/>
+                </a:avLst>
+              </a:prstGeom>
+              <a:ln w="12700"/>
+            </p:spPr>
+            <p:style>
+              <a:lnRef idx="1">
+                <a:schemeClr val="accent1"/>
+              </a:lnRef>
+              <a:fillRef idx="0">
+                <a:schemeClr val="accent1"/>
+              </a:fillRef>
+              <a:effectRef idx="0">
+                <a:schemeClr val="accent1"/>
+              </a:effectRef>
+              <a:fontRef idx="minor">
+                <a:schemeClr val="tx1"/>
+              </a:fontRef>
+            </p:style>
+          </p:cxnSp>
+          <p:sp>
+            <p:nvSpPr>
+              <p:cNvPr id="348" name="Rectangle 347">
+                <a:extLst>
+                  <a:ext uri="{FF2B5EF4-FFF2-40B4-BE49-F238E27FC236}">
+                    <a16:creationId xmlns:a16="http://schemas.microsoft.com/office/drawing/2014/main" id="{EE442574-0A38-0FE6-153A-4C0BBD0839AE}"/>
+                  </a:ext>
+                </a:extLst>
+              </p:cNvPr>
+              <p:cNvSpPr/>
+              <p:nvPr/>
+            </p:nvSpPr>
+            <p:spPr>
+              <a:xfrm>
+                <a:off x="2218572" y="673190"/>
+                <a:ext cx="869708" cy="562567"/>
+              </a:xfrm>
+              <a:prstGeom prst="rect">
+                <a:avLst/>
+              </a:prstGeom>
+              <a:solidFill>
+                <a:schemeClr val="bg1">
+                  <a:lumMod val="95000"/>
+                </a:schemeClr>
+              </a:solidFill>
+              <a:ln>
                 <a:solidFill>
                   <a:schemeClr val="accent1"/>
                 </a:solidFill>
-                <a:cs typeface="Arial" panose="020B0604020202020204" pitchFamily="34" charset="0"/>
-              </a:rPr>
-              <a:t># samples</a:t>
-            </a:r>
-          </a:p>
-        </p:txBody>
-      </p:sp>
+              </a:ln>
+            </p:spPr>
+            <p:style>
+              <a:lnRef idx="2">
+                <a:schemeClr val="accent1">
+                  <a:shade val="50000"/>
+                </a:schemeClr>
+              </a:lnRef>
+              <a:fillRef idx="1">
+                <a:schemeClr val="accent1"/>
+              </a:fillRef>
+              <a:effectRef idx="0">
+                <a:schemeClr val="accent1"/>
+              </a:effectRef>
+              <a:fontRef idx="minor">
+                <a:schemeClr val="lt1"/>
+              </a:fontRef>
+            </p:style>
+            <p:txBody>
+              <a:bodyPr rtlCol="0" anchor="ctr"/>
+              <a:lstStyle/>
+              <a:p>
+                <a:pPr algn="ctr"/>
+                <a:r>
+                  <a:rPr lang="en-US" sz="800" b="1" dirty="0">
+                    <a:solidFill>
+                      <a:schemeClr val="accent1"/>
+                    </a:solidFill>
+                  </a:rPr>
+                  <a:t>10 Patients</a:t>
+                </a:r>
+              </a:p>
+              <a:p>
+                <a:pPr algn="ctr"/>
+                <a:r>
+                  <a:rPr lang="en-US" sz="800" dirty="0">
+                    <a:solidFill>
+                      <a:schemeClr val="tx1"/>
+                    </a:solidFill>
+                  </a:rPr>
+                  <a:t>Avg: 62.6 years</a:t>
+                </a:r>
+              </a:p>
+              <a:p>
+                <a:pPr algn="ctr"/>
+                <a:r>
+                  <a:rPr lang="en-US" sz="800" dirty="0">
+                    <a:solidFill>
+                      <a:schemeClr val="tx1"/>
+                    </a:solidFill>
+                  </a:rPr>
+                  <a:t>Min: 33 years</a:t>
+                </a:r>
+              </a:p>
+              <a:p>
+                <a:pPr algn="ctr"/>
+                <a:r>
+                  <a:rPr lang="en-US" sz="800" dirty="0">
+                    <a:solidFill>
+                      <a:schemeClr val="tx1"/>
+                    </a:solidFill>
+                  </a:rPr>
+                  <a:t>Max: 78 years</a:t>
+                </a:r>
+              </a:p>
+            </p:txBody>
+          </p:sp>
+          <p:grpSp>
+            <p:nvGrpSpPr>
+              <p:cNvPr id="349" name="Group 348">
+                <a:extLst>
+                  <a:ext uri="{FF2B5EF4-FFF2-40B4-BE49-F238E27FC236}">
+                    <a16:creationId xmlns:a16="http://schemas.microsoft.com/office/drawing/2014/main" id="{E2412DAF-BAEF-E7B1-B1B2-06F1CF4CFB23}"/>
+                  </a:ext>
+                </a:extLst>
+              </p:cNvPr>
+              <p:cNvGrpSpPr/>
+              <p:nvPr/>
+            </p:nvGrpSpPr>
+            <p:grpSpPr>
+              <a:xfrm>
+                <a:off x="1383411" y="1506832"/>
+                <a:ext cx="2696492" cy="805934"/>
+                <a:chOff x="1383411" y="1506832"/>
+                <a:chExt cx="2696492" cy="805934"/>
+              </a:xfrm>
+            </p:grpSpPr>
+            <p:sp>
+              <p:nvSpPr>
+                <p:cNvPr id="372" name="Rectangle 371">
+                  <a:extLst>
+                    <a:ext uri="{FF2B5EF4-FFF2-40B4-BE49-F238E27FC236}">
+                      <a16:creationId xmlns:a16="http://schemas.microsoft.com/office/drawing/2014/main" id="{B3EB0B9B-6B02-0399-B5E4-F1F2E1057256}"/>
+                    </a:ext>
+                  </a:extLst>
+                </p:cNvPr>
+                <p:cNvSpPr/>
+                <p:nvPr/>
+              </p:nvSpPr>
+              <p:spPr>
+                <a:xfrm>
+                  <a:off x="1383411" y="1510154"/>
+                  <a:ext cx="800653" cy="799290"/>
+                </a:xfrm>
+                <a:prstGeom prst="rect">
+                  <a:avLst/>
+                </a:prstGeom>
+                <a:solidFill>
+                  <a:schemeClr val="bg1">
+                    <a:lumMod val="95000"/>
+                  </a:schemeClr>
+                </a:solidFill>
+                <a:ln>
+                  <a:solidFill>
+                    <a:schemeClr val="accent1"/>
+                  </a:solidFill>
+                </a:ln>
+              </p:spPr>
+              <p:style>
+                <a:lnRef idx="2">
+                  <a:schemeClr val="accent1">
+                    <a:shade val="50000"/>
+                  </a:schemeClr>
+                </a:lnRef>
+                <a:fillRef idx="1">
+                  <a:schemeClr val="accent1"/>
+                </a:fillRef>
+                <a:effectRef idx="0">
+                  <a:schemeClr val="accent1"/>
+                </a:effectRef>
+                <a:fontRef idx="minor">
+                  <a:schemeClr val="lt1"/>
+                </a:fontRef>
+              </p:style>
+              <p:txBody>
+                <a:bodyPr rtlCol="0" anchor="ctr"/>
+                <a:lstStyle/>
+                <a:p>
+                  <a:pPr algn="ctr"/>
+                  <a:r>
+                    <a:rPr lang="en-US" sz="800" b="1" dirty="0">
+                      <a:solidFill>
+                        <a:schemeClr val="accent1"/>
+                      </a:solidFill>
+                    </a:rPr>
+                    <a:t>Training Set</a:t>
+                  </a:r>
+                </a:p>
+                <a:p>
+                  <a:pPr algn="ctr"/>
+                  <a:r>
+                    <a:rPr lang="en-US" sz="800" dirty="0">
+                      <a:solidFill>
+                        <a:schemeClr val="tx1"/>
+                      </a:solidFill>
+                    </a:rPr>
+                    <a:t>Train the CNNs with 20% validation split.</a:t>
+                  </a:r>
+                </a:p>
+              </p:txBody>
+            </p:sp>
+            <p:sp>
+              <p:nvSpPr>
+                <p:cNvPr id="373" name="Rectangle 372">
+                  <a:extLst>
+                    <a:ext uri="{FF2B5EF4-FFF2-40B4-BE49-F238E27FC236}">
+                      <a16:creationId xmlns:a16="http://schemas.microsoft.com/office/drawing/2014/main" id="{DCC571E2-49F2-3534-D62B-0BB1A37D9C30}"/>
+                    </a:ext>
+                  </a:extLst>
+                </p:cNvPr>
+                <p:cNvSpPr/>
+                <p:nvPr/>
+              </p:nvSpPr>
+              <p:spPr>
+                <a:xfrm>
+                  <a:off x="2254081" y="1510154"/>
+                  <a:ext cx="800653" cy="799290"/>
+                </a:xfrm>
+                <a:prstGeom prst="rect">
+                  <a:avLst/>
+                </a:prstGeom>
+                <a:solidFill>
+                  <a:schemeClr val="bg1">
+                    <a:lumMod val="95000"/>
+                  </a:schemeClr>
+                </a:solidFill>
+                <a:ln>
+                  <a:solidFill>
+                    <a:schemeClr val="accent1"/>
+                  </a:solidFill>
+                </a:ln>
+              </p:spPr>
+              <p:style>
+                <a:lnRef idx="2">
+                  <a:schemeClr val="accent1">
+                    <a:shade val="50000"/>
+                  </a:schemeClr>
+                </a:lnRef>
+                <a:fillRef idx="1">
+                  <a:schemeClr val="accent1"/>
+                </a:fillRef>
+                <a:effectRef idx="0">
+                  <a:schemeClr val="accent1"/>
+                </a:effectRef>
+                <a:fontRef idx="minor">
+                  <a:schemeClr val="lt1"/>
+                </a:fontRef>
+              </p:style>
+              <p:txBody>
+                <a:bodyPr rtlCol="0" anchor="ctr"/>
+                <a:lstStyle/>
+                <a:p>
+                  <a:pPr algn="ctr"/>
+                  <a:r>
+                    <a:rPr lang="en-US" sz="800" b="1" dirty="0">
+                      <a:solidFill>
+                        <a:schemeClr val="accent1"/>
+                      </a:solidFill>
+                    </a:rPr>
+                    <a:t>Testing Set</a:t>
+                  </a:r>
+                </a:p>
+                <a:p>
+                  <a:pPr algn="ctr"/>
+                  <a:r>
+                    <a:rPr lang="en-US" sz="800" dirty="0">
+                      <a:solidFill>
+                        <a:schemeClr val="tx1"/>
+                      </a:solidFill>
+                    </a:rPr>
+                    <a:t>Assess how well the CNNs generalize to unseen data.</a:t>
+                  </a:r>
+                </a:p>
+              </p:txBody>
+            </p:sp>
+            <p:sp>
+              <p:nvSpPr>
+                <p:cNvPr id="374" name="Rectangle 373">
+                  <a:extLst>
+                    <a:ext uri="{FF2B5EF4-FFF2-40B4-BE49-F238E27FC236}">
+                      <a16:creationId xmlns:a16="http://schemas.microsoft.com/office/drawing/2014/main" id="{5600464B-F413-5CAC-8EAD-9D1A4D4A3909}"/>
+                    </a:ext>
+                  </a:extLst>
+                </p:cNvPr>
+                <p:cNvSpPr/>
+                <p:nvPr/>
+              </p:nvSpPr>
+              <p:spPr>
+                <a:xfrm>
+                  <a:off x="3124752" y="1506832"/>
+                  <a:ext cx="955151" cy="805934"/>
+                </a:xfrm>
+                <a:prstGeom prst="rect">
+                  <a:avLst/>
+                </a:prstGeom>
+                <a:solidFill>
+                  <a:schemeClr val="bg1">
+                    <a:lumMod val="95000"/>
+                  </a:schemeClr>
+                </a:solidFill>
+                <a:ln>
+                  <a:solidFill>
+                    <a:schemeClr val="accent1"/>
+                  </a:solidFill>
+                </a:ln>
+              </p:spPr>
+              <p:style>
+                <a:lnRef idx="2">
+                  <a:schemeClr val="accent1">
+                    <a:shade val="50000"/>
+                  </a:schemeClr>
+                </a:lnRef>
+                <a:fillRef idx="1">
+                  <a:schemeClr val="accent1"/>
+                </a:fillRef>
+                <a:effectRef idx="0">
+                  <a:schemeClr val="accent1"/>
+                </a:effectRef>
+                <a:fontRef idx="minor">
+                  <a:schemeClr val="lt1"/>
+                </a:fontRef>
+              </p:style>
+              <p:txBody>
+                <a:bodyPr rtlCol="0" anchor="ctr"/>
+                <a:lstStyle/>
+                <a:p>
+                  <a:pPr algn="ctr"/>
+                  <a:r>
+                    <a:rPr lang="en-US" sz="800" b="1" dirty="0">
+                      <a:solidFill>
+                        <a:schemeClr val="accent1"/>
+                      </a:solidFill>
+                    </a:rPr>
+                    <a:t>Segmentation Set</a:t>
+                  </a:r>
+                </a:p>
+                <a:p>
+                  <a:pPr algn="ctr"/>
+                  <a:r>
+                    <a:rPr lang="en-US" sz="800" dirty="0">
+                      <a:solidFill>
+                        <a:schemeClr val="tx1"/>
+                      </a:solidFill>
+                    </a:rPr>
+                    <a:t>Apply the model to mixed cancer and non-cancer samples.</a:t>
+                  </a:r>
+                </a:p>
+              </p:txBody>
+            </p:sp>
+          </p:grpSp>
+          <p:cxnSp>
+            <p:nvCxnSpPr>
+              <p:cNvPr id="350" name="Connector: Elbow 349">
+                <a:extLst>
+                  <a:ext uri="{FF2B5EF4-FFF2-40B4-BE49-F238E27FC236}">
+                    <a16:creationId xmlns:a16="http://schemas.microsoft.com/office/drawing/2014/main" id="{439D997D-B5AC-A4B7-FDF4-ADF68E17AC21}"/>
+                  </a:ext>
+                </a:extLst>
+              </p:cNvPr>
+              <p:cNvCxnSpPr>
+                <a:cxnSpLocks/>
+                <a:stCxn id="348" idx="2"/>
+                <a:endCxn id="373" idx="0"/>
+              </p:cNvCxnSpPr>
+              <p:nvPr/>
+            </p:nvCxnSpPr>
+            <p:spPr>
+              <a:xfrm rot="16200000" flipH="1">
+                <a:off x="2516719" y="1372464"/>
+                <a:ext cx="274397" cy="982"/>
+              </a:xfrm>
+              <a:prstGeom prst="bentConnector3">
+                <a:avLst>
+                  <a:gd name="adj1" fmla="val 50000"/>
+                </a:avLst>
+              </a:prstGeom>
+              <a:ln w="12700"/>
+            </p:spPr>
+            <p:style>
+              <a:lnRef idx="1">
+                <a:schemeClr val="accent1"/>
+              </a:lnRef>
+              <a:fillRef idx="0">
+                <a:schemeClr val="accent1"/>
+              </a:fillRef>
+              <a:effectRef idx="0">
+                <a:schemeClr val="accent1"/>
+              </a:effectRef>
+              <a:fontRef idx="minor">
+                <a:schemeClr val="tx1"/>
+              </a:fontRef>
+            </p:style>
+          </p:cxnSp>
+          <p:sp>
+            <p:nvSpPr>
+              <p:cNvPr id="351" name="TextBox 350">
+                <a:extLst>
+                  <a:ext uri="{FF2B5EF4-FFF2-40B4-BE49-F238E27FC236}">
+                    <a16:creationId xmlns:a16="http://schemas.microsoft.com/office/drawing/2014/main" id="{C6E808A4-5C08-230B-7F62-2A2414C00176}"/>
+                  </a:ext>
+                </a:extLst>
+              </p:cNvPr>
+              <p:cNvSpPr txBox="1"/>
+              <p:nvPr/>
+            </p:nvSpPr>
+            <p:spPr>
+              <a:xfrm>
+                <a:off x="1629872" y="1319472"/>
+                <a:ext cx="164378" cy="214941"/>
+              </a:xfrm>
+              <a:prstGeom prst="rect">
+                <a:avLst/>
+              </a:prstGeom>
+              <a:noFill/>
+            </p:spPr>
+            <p:txBody>
+              <a:bodyPr wrap="square" rtlCol="0">
+                <a:spAutoFit/>
+              </a:bodyPr>
+              <a:lstStyle/>
+              <a:p>
+                <a:pPr algn="ctr"/>
+                <a:r>
+                  <a:rPr lang="en-US" sz="800" b="1" dirty="0">
+                    <a:solidFill>
+                      <a:schemeClr val="accent1"/>
+                    </a:solidFill>
+                  </a:rPr>
+                  <a:t>7</a:t>
+                </a:r>
+              </a:p>
+            </p:txBody>
+          </p:sp>
+          <p:sp>
+            <p:nvSpPr>
+              <p:cNvPr id="352" name="TextBox 351">
+                <a:extLst>
+                  <a:ext uri="{FF2B5EF4-FFF2-40B4-BE49-F238E27FC236}">
+                    <a16:creationId xmlns:a16="http://schemas.microsoft.com/office/drawing/2014/main" id="{7EF8D669-8375-E2D8-374A-AA4B57ADA3CE}"/>
+                  </a:ext>
+                </a:extLst>
+              </p:cNvPr>
+              <p:cNvSpPr txBox="1"/>
+              <p:nvPr/>
+            </p:nvSpPr>
+            <p:spPr>
+              <a:xfrm>
+                <a:off x="2497261" y="1322471"/>
+                <a:ext cx="164378" cy="214941"/>
+              </a:xfrm>
+              <a:prstGeom prst="rect">
+                <a:avLst/>
+              </a:prstGeom>
+              <a:noFill/>
+            </p:spPr>
+            <p:txBody>
+              <a:bodyPr wrap="square" rtlCol="0">
+                <a:spAutoFit/>
+              </a:bodyPr>
+              <a:lstStyle/>
+              <a:p>
+                <a:pPr algn="ctr"/>
+                <a:r>
+                  <a:rPr lang="en-US" sz="800" b="1" dirty="0">
+                    <a:solidFill>
+                      <a:schemeClr val="accent1"/>
+                    </a:solidFill>
+                  </a:rPr>
+                  <a:t>4</a:t>
+                </a:r>
+              </a:p>
+            </p:txBody>
+          </p:sp>
+          <p:sp>
+            <p:nvSpPr>
+              <p:cNvPr id="353" name="TextBox 352">
+                <a:extLst>
+                  <a:ext uri="{FF2B5EF4-FFF2-40B4-BE49-F238E27FC236}">
+                    <a16:creationId xmlns:a16="http://schemas.microsoft.com/office/drawing/2014/main" id="{011C371F-11EA-EC83-5888-73F306E87327}"/>
+                  </a:ext>
+                </a:extLst>
+              </p:cNvPr>
+              <p:cNvSpPr txBox="1"/>
+              <p:nvPr/>
+            </p:nvSpPr>
+            <p:spPr>
+              <a:xfrm>
+                <a:off x="3441679" y="1322464"/>
+                <a:ext cx="164378" cy="214941"/>
+              </a:xfrm>
+              <a:prstGeom prst="rect">
+                <a:avLst/>
+              </a:prstGeom>
+              <a:noFill/>
+            </p:spPr>
+            <p:txBody>
+              <a:bodyPr wrap="square" rtlCol="0">
+                <a:spAutoFit/>
+              </a:bodyPr>
+              <a:lstStyle/>
+              <a:p>
+                <a:pPr algn="ctr"/>
+                <a:r>
+                  <a:rPr lang="en-US" sz="800" b="1" dirty="0">
+                    <a:solidFill>
+                      <a:schemeClr val="accent1"/>
+                    </a:solidFill>
+                  </a:rPr>
+                  <a:t>1</a:t>
+                </a:r>
+              </a:p>
+            </p:txBody>
+          </p:sp>
+          <p:sp>
+            <p:nvSpPr>
+              <p:cNvPr id="354" name="Rectangle 353">
+                <a:extLst>
+                  <a:ext uri="{FF2B5EF4-FFF2-40B4-BE49-F238E27FC236}">
+                    <a16:creationId xmlns:a16="http://schemas.microsoft.com/office/drawing/2014/main" id="{CABF16AA-DBC2-6634-EAA7-C542CE20D160}"/>
+                  </a:ext>
+                </a:extLst>
+              </p:cNvPr>
+              <p:cNvSpPr/>
+              <p:nvPr/>
+            </p:nvSpPr>
+            <p:spPr>
+              <a:xfrm rot="16200000">
+                <a:off x="1514981" y="2851440"/>
+                <a:ext cx="800653" cy="197948"/>
+              </a:xfrm>
+              <a:prstGeom prst="rect">
+                <a:avLst/>
+              </a:prstGeom>
+              <a:solidFill>
+                <a:schemeClr val="bg1">
+                  <a:lumMod val="95000"/>
+                </a:schemeClr>
+              </a:solidFill>
+              <a:ln>
+                <a:solidFill>
+                  <a:schemeClr val="accent1"/>
+                </a:solidFill>
+              </a:ln>
+            </p:spPr>
+            <p:style>
+              <a:lnRef idx="2">
+                <a:schemeClr val="accent1">
+                  <a:shade val="50000"/>
+                </a:schemeClr>
+              </a:lnRef>
+              <a:fillRef idx="1">
+                <a:schemeClr val="accent1"/>
+              </a:fillRef>
+              <a:effectRef idx="0">
+                <a:schemeClr val="accent1"/>
+              </a:effectRef>
+              <a:fontRef idx="minor">
+                <a:schemeClr val="lt1"/>
+              </a:fontRef>
+            </p:style>
+            <p:txBody>
+              <a:bodyPr rtlCol="0" anchor="ctr"/>
+              <a:lstStyle/>
+              <a:p>
+                <a:pPr algn="ctr"/>
+                <a:r>
+                  <a:rPr lang="en-US" sz="800" b="1" dirty="0">
+                    <a:solidFill>
+                      <a:schemeClr val="accent1"/>
+                    </a:solidFill>
+                  </a:rPr>
+                  <a:t>16 non-cancer</a:t>
+                </a:r>
+                <a:endParaRPr lang="en-US" sz="800" dirty="0">
+                  <a:solidFill>
+                    <a:schemeClr val="tx1"/>
+                  </a:solidFill>
+                </a:endParaRPr>
+              </a:p>
+            </p:txBody>
+          </p:sp>
+          <p:sp>
+            <p:nvSpPr>
+              <p:cNvPr id="355" name="Rectangle 354">
+                <a:extLst>
+                  <a:ext uri="{FF2B5EF4-FFF2-40B4-BE49-F238E27FC236}">
+                    <a16:creationId xmlns:a16="http://schemas.microsoft.com/office/drawing/2014/main" id="{4CED5030-0B53-EA6B-75AE-471635A6C1C9}"/>
+                  </a:ext>
+                </a:extLst>
+              </p:cNvPr>
+              <p:cNvSpPr/>
+              <p:nvPr/>
+            </p:nvSpPr>
+            <p:spPr>
+              <a:xfrm rot="16200000">
+                <a:off x="1240058" y="2851443"/>
+                <a:ext cx="800653" cy="197948"/>
+              </a:xfrm>
+              <a:prstGeom prst="rect">
+                <a:avLst/>
+              </a:prstGeom>
+              <a:solidFill>
+                <a:schemeClr val="bg1">
+                  <a:lumMod val="95000"/>
+                </a:schemeClr>
+              </a:solidFill>
+              <a:ln>
+                <a:solidFill>
+                  <a:schemeClr val="accent1"/>
+                </a:solidFill>
+              </a:ln>
+            </p:spPr>
+            <p:style>
+              <a:lnRef idx="2">
+                <a:schemeClr val="accent1">
+                  <a:shade val="50000"/>
+                </a:schemeClr>
+              </a:lnRef>
+              <a:fillRef idx="1">
+                <a:schemeClr val="accent1"/>
+              </a:fillRef>
+              <a:effectRef idx="0">
+                <a:schemeClr val="accent1"/>
+              </a:effectRef>
+              <a:fontRef idx="minor">
+                <a:schemeClr val="lt1"/>
+              </a:fontRef>
+            </p:style>
+            <p:txBody>
+              <a:bodyPr rtlCol="0" anchor="ctr"/>
+              <a:lstStyle/>
+              <a:p>
+                <a:pPr algn="ctr"/>
+                <a:r>
+                  <a:rPr lang="en-US" sz="800" b="1" dirty="0">
+                    <a:solidFill>
+                      <a:schemeClr val="accent1"/>
+                    </a:solidFill>
+                  </a:rPr>
+                  <a:t>18 cancer</a:t>
+                </a:r>
+              </a:p>
+            </p:txBody>
+          </p:sp>
+          <p:cxnSp>
+            <p:nvCxnSpPr>
+              <p:cNvPr id="356" name="Connector: Elbow 355">
+                <a:extLst>
+                  <a:ext uri="{FF2B5EF4-FFF2-40B4-BE49-F238E27FC236}">
+                    <a16:creationId xmlns:a16="http://schemas.microsoft.com/office/drawing/2014/main" id="{71999B51-DC0C-E16A-5711-CE8EA670C353}"/>
+                  </a:ext>
+                </a:extLst>
+              </p:cNvPr>
+              <p:cNvCxnSpPr>
+                <a:cxnSpLocks/>
+                <a:stCxn id="355" idx="3"/>
+                <a:endCxn id="372" idx="2"/>
+              </p:cNvCxnSpPr>
+              <p:nvPr/>
+            </p:nvCxnSpPr>
+            <p:spPr>
+              <a:xfrm rot="5400000" flipH="1" flipV="1">
+                <a:off x="1591738" y="2358091"/>
+                <a:ext cx="240647" cy="143354"/>
+              </a:xfrm>
+              <a:prstGeom prst="bentConnector3">
+                <a:avLst>
+                  <a:gd name="adj1" fmla="val 67592"/>
+                </a:avLst>
+              </a:prstGeom>
+              <a:ln w="12700"/>
+            </p:spPr>
+            <p:style>
+              <a:lnRef idx="1">
+                <a:schemeClr val="accent1"/>
+              </a:lnRef>
+              <a:fillRef idx="0">
+                <a:schemeClr val="accent1"/>
+              </a:fillRef>
+              <a:effectRef idx="0">
+                <a:schemeClr val="accent1"/>
+              </a:effectRef>
+              <a:fontRef idx="minor">
+                <a:schemeClr val="tx1"/>
+              </a:fontRef>
+            </p:style>
+          </p:cxnSp>
+          <p:cxnSp>
+            <p:nvCxnSpPr>
+              <p:cNvPr id="357" name="Connector: Elbow 356">
+                <a:extLst>
+                  <a:ext uri="{FF2B5EF4-FFF2-40B4-BE49-F238E27FC236}">
+                    <a16:creationId xmlns:a16="http://schemas.microsoft.com/office/drawing/2014/main" id="{9C23E8B7-BA1C-81CE-BC9B-BDEB624EB846}"/>
+                  </a:ext>
+                </a:extLst>
+              </p:cNvPr>
+              <p:cNvCxnSpPr>
+                <a:cxnSpLocks/>
+                <a:stCxn id="354" idx="3"/>
+                <a:endCxn id="372" idx="2"/>
+              </p:cNvCxnSpPr>
+              <p:nvPr/>
+            </p:nvCxnSpPr>
+            <p:spPr>
+              <a:xfrm rot="16200000" flipV="1">
+                <a:off x="1729201" y="2363981"/>
+                <a:ext cx="240644" cy="131569"/>
+              </a:xfrm>
+              <a:prstGeom prst="bentConnector3">
+                <a:avLst>
+                  <a:gd name="adj1" fmla="val 67591"/>
+                </a:avLst>
+              </a:prstGeom>
+              <a:ln w="12700"/>
+            </p:spPr>
+            <p:style>
+              <a:lnRef idx="1">
+                <a:schemeClr val="accent1"/>
+              </a:lnRef>
+              <a:fillRef idx="0">
+                <a:schemeClr val="accent1"/>
+              </a:fillRef>
+              <a:effectRef idx="0">
+                <a:schemeClr val="accent1"/>
+              </a:effectRef>
+              <a:fontRef idx="minor">
+                <a:schemeClr val="tx1"/>
+              </a:fontRef>
+            </p:style>
+          </p:cxnSp>
+          <p:sp>
+            <p:nvSpPr>
+              <p:cNvPr id="358" name="Rectangle 357">
+                <a:extLst>
+                  <a:ext uri="{FF2B5EF4-FFF2-40B4-BE49-F238E27FC236}">
+                    <a16:creationId xmlns:a16="http://schemas.microsoft.com/office/drawing/2014/main" id="{D5346B23-2EB3-54CF-73C0-3C14816652DB}"/>
+                  </a:ext>
+                </a:extLst>
+              </p:cNvPr>
+              <p:cNvSpPr/>
+              <p:nvPr/>
+            </p:nvSpPr>
+            <p:spPr>
+              <a:xfrm>
+                <a:off x="1383411" y="3486219"/>
+                <a:ext cx="800653" cy="307604"/>
+              </a:xfrm>
+              <a:prstGeom prst="rect">
+                <a:avLst/>
+              </a:prstGeom>
+              <a:solidFill>
+                <a:schemeClr val="bg1">
+                  <a:lumMod val="95000"/>
+                </a:schemeClr>
+              </a:solidFill>
+              <a:ln>
+                <a:solidFill>
+                  <a:schemeClr val="accent1"/>
+                </a:solidFill>
+              </a:ln>
+            </p:spPr>
+            <p:style>
+              <a:lnRef idx="2">
+                <a:schemeClr val="accent1">
+                  <a:shade val="50000"/>
+                </a:schemeClr>
+              </a:lnRef>
+              <a:fillRef idx="1">
+                <a:schemeClr val="accent1"/>
+              </a:fillRef>
+              <a:effectRef idx="0">
+                <a:schemeClr val="accent1"/>
+              </a:effectRef>
+              <a:fontRef idx="minor">
+                <a:schemeClr val="lt1"/>
+              </a:fontRef>
+            </p:style>
+            <p:txBody>
+              <a:bodyPr rtlCol="0" anchor="ctr"/>
+              <a:lstStyle/>
+              <a:p>
+                <a:pPr algn="ctr"/>
+                <a:r>
+                  <a:rPr lang="en-US" sz="800" b="1" dirty="0">
+                    <a:solidFill>
+                      <a:schemeClr val="accent1"/>
+                    </a:solidFill>
+                  </a:rPr>
+                  <a:t>5,831 examples</a:t>
+                </a:r>
+              </a:p>
+            </p:txBody>
+          </p:sp>
+          <p:sp>
+            <p:nvSpPr>
+              <p:cNvPr id="359" name="Rectangle 358">
+                <a:extLst>
+                  <a:ext uri="{FF2B5EF4-FFF2-40B4-BE49-F238E27FC236}">
+                    <a16:creationId xmlns:a16="http://schemas.microsoft.com/office/drawing/2014/main" id="{4D77B886-E53A-485D-B5C0-6E74DFABE8E3}"/>
+                  </a:ext>
+                </a:extLst>
+              </p:cNvPr>
+              <p:cNvSpPr/>
+              <p:nvPr/>
+            </p:nvSpPr>
+            <p:spPr>
+              <a:xfrm>
+                <a:off x="2244536" y="3486218"/>
+                <a:ext cx="800653" cy="307604"/>
+              </a:xfrm>
+              <a:prstGeom prst="rect">
+                <a:avLst/>
+              </a:prstGeom>
+              <a:solidFill>
+                <a:schemeClr val="bg1">
+                  <a:lumMod val="95000"/>
+                </a:schemeClr>
+              </a:solidFill>
+              <a:ln>
+                <a:solidFill>
+                  <a:schemeClr val="accent1"/>
+                </a:solidFill>
+              </a:ln>
+            </p:spPr>
+            <p:style>
+              <a:lnRef idx="2">
+                <a:schemeClr val="accent1">
+                  <a:shade val="50000"/>
+                </a:schemeClr>
+              </a:lnRef>
+              <a:fillRef idx="1">
+                <a:schemeClr val="accent1"/>
+              </a:fillRef>
+              <a:effectRef idx="0">
+                <a:schemeClr val="accent1"/>
+              </a:effectRef>
+              <a:fontRef idx="minor">
+                <a:schemeClr val="lt1"/>
+              </a:fontRef>
+            </p:style>
+            <p:txBody>
+              <a:bodyPr rtlCol="0" anchor="ctr"/>
+              <a:lstStyle/>
+              <a:p>
+                <a:pPr algn="ctr"/>
+                <a:r>
+                  <a:rPr lang="en-US" sz="800" b="1" dirty="0">
+                    <a:solidFill>
+                      <a:schemeClr val="accent1"/>
+                    </a:solidFill>
+                  </a:rPr>
+                  <a:t>1,610 examples</a:t>
+                </a:r>
+              </a:p>
+            </p:txBody>
+          </p:sp>
+          <p:sp>
+            <p:nvSpPr>
+              <p:cNvPr id="360" name="TextBox 359">
+                <a:extLst>
+                  <a:ext uri="{FF2B5EF4-FFF2-40B4-BE49-F238E27FC236}">
+                    <a16:creationId xmlns:a16="http://schemas.microsoft.com/office/drawing/2014/main" id="{5EF5DB0F-59FC-90BC-B704-A150740C1AFB}"/>
+                  </a:ext>
+                </a:extLst>
+              </p:cNvPr>
+              <p:cNvSpPr txBox="1"/>
+              <p:nvPr/>
+            </p:nvSpPr>
+            <p:spPr>
+              <a:xfrm>
+                <a:off x="1482635" y="2360498"/>
+                <a:ext cx="164378" cy="214941"/>
+              </a:xfrm>
+              <a:prstGeom prst="rect">
+                <a:avLst/>
+              </a:prstGeom>
+              <a:noFill/>
+            </p:spPr>
+            <p:txBody>
+              <a:bodyPr wrap="square" rtlCol="0">
+                <a:spAutoFit/>
+              </a:bodyPr>
+              <a:lstStyle/>
+              <a:p>
+                <a:pPr algn="ctr"/>
+                <a:r>
+                  <a:rPr lang="en-US" sz="800" b="1" dirty="0">
+                    <a:solidFill>
+                      <a:schemeClr val="accent1"/>
+                    </a:solidFill>
+                  </a:rPr>
+                  <a:t>4</a:t>
+                </a:r>
+              </a:p>
+            </p:txBody>
+          </p:sp>
+          <p:sp>
+            <p:nvSpPr>
+              <p:cNvPr id="361" name="TextBox 360">
+                <a:extLst>
+                  <a:ext uri="{FF2B5EF4-FFF2-40B4-BE49-F238E27FC236}">
+                    <a16:creationId xmlns:a16="http://schemas.microsoft.com/office/drawing/2014/main" id="{A5BA229F-3A98-0F49-4765-276F115E18ED}"/>
+                  </a:ext>
+                </a:extLst>
+              </p:cNvPr>
+              <p:cNvSpPr txBox="1"/>
+              <p:nvPr/>
+            </p:nvSpPr>
+            <p:spPr>
+              <a:xfrm>
+                <a:off x="1760026" y="2360498"/>
+                <a:ext cx="164378" cy="214941"/>
+              </a:xfrm>
+              <a:prstGeom prst="rect">
+                <a:avLst/>
+              </a:prstGeom>
+              <a:noFill/>
+            </p:spPr>
+            <p:txBody>
+              <a:bodyPr wrap="square" rtlCol="0">
+                <a:spAutoFit/>
+              </a:bodyPr>
+              <a:lstStyle/>
+              <a:p>
+                <a:pPr algn="ctr"/>
+                <a:r>
+                  <a:rPr lang="en-US" sz="800" b="1" dirty="0">
+                    <a:solidFill>
+                      <a:schemeClr val="accent1"/>
+                    </a:solidFill>
+                  </a:rPr>
+                  <a:t>3</a:t>
+                </a:r>
+              </a:p>
+            </p:txBody>
+          </p:sp>
+          <p:sp>
+            <p:nvSpPr>
+              <p:cNvPr id="362" name="Rectangle 361">
+                <a:extLst>
+                  <a:ext uri="{FF2B5EF4-FFF2-40B4-BE49-F238E27FC236}">
+                    <a16:creationId xmlns:a16="http://schemas.microsoft.com/office/drawing/2014/main" id="{989AABE5-3ACA-EDDD-B8E3-5819EE0F67B5}"/>
+                  </a:ext>
+                </a:extLst>
+              </p:cNvPr>
+              <p:cNvSpPr/>
+              <p:nvPr/>
+            </p:nvSpPr>
+            <p:spPr>
+              <a:xfrm rot="16200000">
+                <a:off x="2373866" y="2851440"/>
+                <a:ext cx="800653" cy="197948"/>
+              </a:xfrm>
+              <a:prstGeom prst="rect">
+                <a:avLst/>
+              </a:prstGeom>
+              <a:solidFill>
+                <a:schemeClr val="bg1">
+                  <a:lumMod val="95000"/>
+                </a:schemeClr>
+              </a:solidFill>
+              <a:ln>
+                <a:solidFill>
+                  <a:schemeClr val="accent1"/>
+                </a:solidFill>
+              </a:ln>
+            </p:spPr>
+            <p:style>
+              <a:lnRef idx="2">
+                <a:schemeClr val="accent1">
+                  <a:shade val="50000"/>
+                </a:schemeClr>
+              </a:lnRef>
+              <a:fillRef idx="1">
+                <a:schemeClr val="accent1"/>
+              </a:fillRef>
+              <a:effectRef idx="0">
+                <a:schemeClr val="accent1"/>
+              </a:effectRef>
+              <a:fontRef idx="minor">
+                <a:schemeClr val="lt1"/>
+              </a:fontRef>
+            </p:style>
+            <p:txBody>
+              <a:bodyPr rtlCol="0" anchor="ctr"/>
+              <a:lstStyle/>
+              <a:p>
+                <a:pPr algn="ctr"/>
+                <a:r>
+                  <a:rPr lang="en-US" sz="800" b="1" dirty="0">
+                    <a:solidFill>
+                      <a:schemeClr val="accent1"/>
+                    </a:solidFill>
+                  </a:rPr>
+                  <a:t>5 non-cancer</a:t>
+                </a:r>
+                <a:endParaRPr lang="en-US" sz="800" dirty="0">
+                  <a:solidFill>
+                    <a:schemeClr val="tx1"/>
+                  </a:solidFill>
+                </a:endParaRPr>
+              </a:p>
+            </p:txBody>
+          </p:sp>
+          <p:sp>
+            <p:nvSpPr>
+              <p:cNvPr id="363" name="Rectangle 362">
+                <a:extLst>
+                  <a:ext uri="{FF2B5EF4-FFF2-40B4-BE49-F238E27FC236}">
+                    <a16:creationId xmlns:a16="http://schemas.microsoft.com/office/drawing/2014/main" id="{57FEF51C-54A0-E64F-975C-6FE101C2FBD8}"/>
+                  </a:ext>
+                </a:extLst>
+              </p:cNvPr>
+              <p:cNvSpPr/>
+              <p:nvPr/>
+            </p:nvSpPr>
+            <p:spPr>
+              <a:xfrm rot="16200000">
+                <a:off x="2098943" y="2851443"/>
+                <a:ext cx="800653" cy="197948"/>
+              </a:xfrm>
+              <a:prstGeom prst="rect">
+                <a:avLst/>
+              </a:prstGeom>
+              <a:solidFill>
+                <a:schemeClr val="bg1">
+                  <a:lumMod val="95000"/>
+                </a:schemeClr>
+              </a:solidFill>
+              <a:ln>
+                <a:solidFill>
+                  <a:schemeClr val="accent1"/>
+                </a:solidFill>
+              </a:ln>
+            </p:spPr>
+            <p:style>
+              <a:lnRef idx="2">
+                <a:schemeClr val="accent1">
+                  <a:shade val="50000"/>
+                </a:schemeClr>
+              </a:lnRef>
+              <a:fillRef idx="1">
+                <a:schemeClr val="accent1"/>
+              </a:fillRef>
+              <a:effectRef idx="0">
+                <a:schemeClr val="accent1"/>
+              </a:effectRef>
+              <a:fontRef idx="minor">
+                <a:schemeClr val="lt1"/>
+              </a:fontRef>
+            </p:style>
+            <p:txBody>
+              <a:bodyPr rtlCol="0" anchor="ctr"/>
+              <a:lstStyle/>
+              <a:p>
+                <a:pPr algn="ctr"/>
+                <a:r>
+                  <a:rPr lang="en-US" sz="800" b="1" dirty="0">
+                    <a:solidFill>
+                      <a:schemeClr val="accent1"/>
+                    </a:solidFill>
+                  </a:rPr>
+                  <a:t>5 cancer</a:t>
+                </a:r>
+              </a:p>
+            </p:txBody>
+          </p:sp>
+          <p:sp>
+            <p:nvSpPr>
+              <p:cNvPr id="364" name="TextBox 363">
+                <a:extLst>
+                  <a:ext uri="{FF2B5EF4-FFF2-40B4-BE49-F238E27FC236}">
+                    <a16:creationId xmlns:a16="http://schemas.microsoft.com/office/drawing/2014/main" id="{DBEF8A74-7723-B250-5304-7F9A45390F9F}"/>
+                  </a:ext>
+                </a:extLst>
+              </p:cNvPr>
+              <p:cNvSpPr txBox="1"/>
+              <p:nvPr/>
+            </p:nvSpPr>
+            <p:spPr>
+              <a:xfrm>
+                <a:off x="2341520" y="2360498"/>
+                <a:ext cx="164378" cy="214941"/>
+              </a:xfrm>
+              <a:prstGeom prst="rect">
+                <a:avLst/>
+              </a:prstGeom>
+              <a:noFill/>
+            </p:spPr>
+            <p:txBody>
+              <a:bodyPr wrap="square" rtlCol="0">
+                <a:spAutoFit/>
+              </a:bodyPr>
+              <a:lstStyle/>
+              <a:p>
+                <a:pPr algn="ctr"/>
+                <a:r>
+                  <a:rPr lang="en-US" sz="800" b="1" dirty="0">
+                    <a:solidFill>
+                      <a:schemeClr val="accent1"/>
+                    </a:solidFill>
+                  </a:rPr>
+                  <a:t>2</a:t>
+                </a:r>
+              </a:p>
+            </p:txBody>
+          </p:sp>
+          <p:sp>
+            <p:nvSpPr>
+              <p:cNvPr id="365" name="TextBox 364">
+                <a:extLst>
+                  <a:ext uri="{FF2B5EF4-FFF2-40B4-BE49-F238E27FC236}">
+                    <a16:creationId xmlns:a16="http://schemas.microsoft.com/office/drawing/2014/main" id="{AFB0A7B6-7925-34CF-E204-3DF0DCE70354}"/>
+                  </a:ext>
+                </a:extLst>
+              </p:cNvPr>
+              <p:cNvSpPr txBox="1"/>
+              <p:nvPr/>
+            </p:nvSpPr>
+            <p:spPr>
+              <a:xfrm>
+                <a:off x="2618911" y="2360498"/>
+                <a:ext cx="164378" cy="214941"/>
+              </a:xfrm>
+              <a:prstGeom prst="rect">
+                <a:avLst/>
+              </a:prstGeom>
+              <a:noFill/>
+            </p:spPr>
+            <p:txBody>
+              <a:bodyPr wrap="square" rtlCol="0">
+                <a:spAutoFit/>
+              </a:bodyPr>
+              <a:lstStyle/>
+              <a:p>
+                <a:pPr algn="ctr"/>
+                <a:r>
+                  <a:rPr lang="en-US" sz="800" b="1" dirty="0">
+                    <a:solidFill>
+                      <a:schemeClr val="accent1"/>
+                    </a:solidFill>
+                  </a:rPr>
+                  <a:t>2</a:t>
+                </a:r>
+              </a:p>
+            </p:txBody>
+          </p:sp>
+          <p:cxnSp>
+            <p:nvCxnSpPr>
+              <p:cNvPr id="366" name="Connector: Elbow 365">
+                <a:extLst>
+                  <a:ext uri="{FF2B5EF4-FFF2-40B4-BE49-F238E27FC236}">
+                    <a16:creationId xmlns:a16="http://schemas.microsoft.com/office/drawing/2014/main" id="{732182E5-765F-B7EA-2A31-0EBE6B35E528}"/>
+                  </a:ext>
+                </a:extLst>
+              </p:cNvPr>
+              <p:cNvCxnSpPr>
+                <a:cxnSpLocks/>
+                <a:stCxn id="373" idx="2"/>
+                <a:endCxn id="362" idx="3"/>
+              </p:cNvCxnSpPr>
+              <p:nvPr/>
+            </p:nvCxnSpPr>
+            <p:spPr>
+              <a:xfrm rot="16200000" flipH="1">
+                <a:off x="2593978" y="2369873"/>
+                <a:ext cx="240644" cy="119785"/>
+              </a:xfrm>
+              <a:prstGeom prst="bentConnector3">
+                <a:avLst>
+                  <a:gd name="adj1" fmla="val 27131"/>
+                </a:avLst>
+              </a:prstGeom>
+              <a:ln w="12700"/>
+            </p:spPr>
+            <p:style>
+              <a:lnRef idx="1">
+                <a:schemeClr val="accent1"/>
+              </a:lnRef>
+              <a:fillRef idx="0">
+                <a:schemeClr val="accent1"/>
+              </a:fillRef>
+              <a:effectRef idx="0">
+                <a:schemeClr val="accent1"/>
+              </a:effectRef>
+              <a:fontRef idx="minor">
+                <a:schemeClr val="tx1"/>
+              </a:fontRef>
+            </p:style>
+          </p:cxnSp>
+          <p:cxnSp>
+            <p:nvCxnSpPr>
+              <p:cNvPr id="367" name="Connector: Elbow 366">
+                <a:extLst>
+                  <a:ext uri="{FF2B5EF4-FFF2-40B4-BE49-F238E27FC236}">
+                    <a16:creationId xmlns:a16="http://schemas.microsoft.com/office/drawing/2014/main" id="{4785B586-6221-CB4D-003E-548F5FE5357F}"/>
+                  </a:ext>
+                </a:extLst>
+              </p:cNvPr>
+              <p:cNvCxnSpPr>
+                <a:cxnSpLocks/>
+                <a:stCxn id="363" idx="3"/>
+                <a:endCxn id="373" idx="2"/>
+              </p:cNvCxnSpPr>
+              <p:nvPr/>
+            </p:nvCxnSpPr>
+            <p:spPr>
+              <a:xfrm rot="5400000" flipH="1" flipV="1">
+                <a:off x="2456516" y="2352199"/>
+                <a:ext cx="240647" cy="155138"/>
+              </a:xfrm>
+              <a:prstGeom prst="bentConnector3">
+                <a:avLst>
+                  <a:gd name="adj1" fmla="val 72868"/>
+                </a:avLst>
+              </a:prstGeom>
+              <a:ln w="12700"/>
+            </p:spPr>
+            <p:style>
+              <a:lnRef idx="1">
+                <a:schemeClr val="accent1"/>
+              </a:lnRef>
+              <a:fillRef idx="0">
+                <a:schemeClr val="accent1"/>
+              </a:fillRef>
+              <a:effectRef idx="0">
+                <a:schemeClr val="accent1"/>
+              </a:effectRef>
+              <a:fontRef idx="minor">
+                <a:schemeClr val="tx1"/>
+              </a:fontRef>
+            </p:style>
+          </p:cxnSp>
+          <p:cxnSp>
+            <p:nvCxnSpPr>
+              <p:cNvPr id="368" name="Connector: Elbow 367">
+                <a:extLst>
+                  <a:ext uri="{FF2B5EF4-FFF2-40B4-BE49-F238E27FC236}">
+                    <a16:creationId xmlns:a16="http://schemas.microsoft.com/office/drawing/2014/main" id="{686B29FB-4D84-39BE-F16F-93C6D32D0EE2}"/>
+                  </a:ext>
+                </a:extLst>
+              </p:cNvPr>
+              <p:cNvCxnSpPr>
+                <a:cxnSpLocks/>
+                <a:stCxn id="354" idx="1"/>
+                <a:endCxn id="358" idx="0"/>
+              </p:cNvCxnSpPr>
+              <p:nvPr/>
+            </p:nvCxnSpPr>
+            <p:spPr>
+              <a:xfrm rot="5400000">
+                <a:off x="1781784" y="3352695"/>
+                <a:ext cx="135478" cy="131570"/>
+              </a:xfrm>
+              <a:prstGeom prst="bentConnector3">
+                <a:avLst>
+                  <a:gd name="adj1" fmla="val 50000"/>
+                </a:avLst>
+              </a:prstGeom>
+              <a:ln w="12700"/>
+            </p:spPr>
+            <p:style>
+              <a:lnRef idx="1">
+                <a:schemeClr val="accent1"/>
+              </a:lnRef>
+              <a:fillRef idx="0">
+                <a:schemeClr val="accent1"/>
+              </a:fillRef>
+              <a:effectRef idx="0">
+                <a:schemeClr val="accent1"/>
+              </a:effectRef>
+              <a:fontRef idx="minor">
+                <a:schemeClr val="tx1"/>
+              </a:fontRef>
+            </p:style>
+          </p:cxnSp>
+          <p:cxnSp>
+            <p:nvCxnSpPr>
+              <p:cNvPr id="369" name="Connector: Elbow 368">
+                <a:extLst>
+                  <a:ext uri="{FF2B5EF4-FFF2-40B4-BE49-F238E27FC236}">
+                    <a16:creationId xmlns:a16="http://schemas.microsoft.com/office/drawing/2014/main" id="{3FDCCEB9-F1FF-1155-CA9F-53C983983F71}"/>
+                  </a:ext>
+                </a:extLst>
+              </p:cNvPr>
+              <p:cNvCxnSpPr>
+                <a:cxnSpLocks/>
+                <a:stCxn id="355" idx="1"/>
+                <a:endCxn id="358" idx="0"/>
+              </p:cNvCxnSpPr>
+              <p:nvPr/>
+            </p:nvCxnSpPr>
+            <p:spPr>
+              <a:xfrm rot="16200000" flipH="1">
+                <a:off x="1644324" y="3346804"/>
+                <a:ext cx="135475" cy="143353"/>
+              </a:xfrm>
+              <a:prstGeom prst="bentConnector3">
+                <a:avLst>
+                  <a:gd name="adj1" fmla="val 50000"/>
+                </a:avLst>
+              </a:prstGeom>
+              <a:ln w="12700"/>
+            </p:spPr>
+            <p:style>
+              <a:lnRef idx="1">
+                <a:schemeClr val="accent1"/>
+              </a:lnRef>
+              <a:fillRef idx="0">
+                <a:schemeClr val="accent1"/>
+              </a:fillRef>
+              <a:effectRef idx="0">
+                <a:schemeClr val="accent1"/>
+              </a:effectRef>
+              <a:fontRef idx="minor">
+                <a:schemeClr val="tx1"/>
+              </a:fontRef>
+            </p:style>
+          </p:cxnSp>
+          <p:cxnSp>
+            <p:nvCxnSpPr>
+              <p:cNvPr id="370" name="Connector: Elbow 369">
+                <a:extLst>
+                  <a:ext uri="{FF2B5EF4-FFF2-40B4-BE49-F238E27FC236}">
+                    <a16:creationId xmlns:a16="http://schemas.microsoft.com/office/drawing/2014/main" id="{1BCDF29C-60A0-BA70-29B9-22E157A8F4DC}"/>
+                  </a:ext>
+                </a:extLst>
+              </p:cNvPr>
+              <p:cNvCxnSpPr>
+                <a:cxnSpLocks/>
+                <a:stCxn id="362" idx="1"/>
+                <a:endCxn id="359" idx="0"/>
+              </p:cNvCxnSpPr>
+              <p:nvPr/>
+            </p:nvCxnSpPr>
+            <p:spPr>
+              <a:xfrm rot="5400000">
+                <a:off x="2641790" y="3353814"/>
+                <a:ext cx="135477" cy="129330"/>
+              </a:xfrm>
+              <a:prstGeom prst="bentConnector3">
+                <a:avLst>
+                  <a:gd name="adj1" fmla="val 50000"/>
+                </a:avLst>
+              </a:prstGeom>
+              <a:ln w="12700"/>
+            </p:spPr>
+            <p:style>
+              <a:lnRef idx="1">
+                <a:schemeClr val="accent1"/>
+              </a:lnRef>
+              <a:fillRef idx="0">
+                <a:schemeClr val="accent1"/>
+              </a:fillRef>
+              <a:effectRef idx="0">
+                <a:schemeClr val="accent1"/>
+              </a:effectRef>
+              <a:fontRef idx="minor">
+                <a:schemeClr val="tx1"/>
+              </a:fontRef>
+            </p:style>
+          </p:cxnSp>
+          <p:cxnSp>
+            <p:nvCxnSpPr>
+              <p:cNvPr id="371" name="Connector: Elbow 370">
+                <a:extLst>
+                  <a:ext uri="{FF2B5EF4-FFF2-40B4-BE49-F238E27FC236}">
+                    <a16:creationId xmlns:a16="http://schemas.microsoft.com/office/drawing/2014/main" id="{A5B0D357-6231-9DD1-A625-76238D7C8C92}"/>
+                  </a:ext>
+                </a:extLst>
+              </p:cNvPr>
+              <p:cNvCxnSpPr>
+                <a:cxnSpLocks/>
+                <a:stCxn id="363" idx="1"/>
+                <a:endCxn id="359" idx="0"/>
+              </p:cNvCxnSpPr>
+              <p:nvPr/>
+            </p:nvCxnSpPr>
+            <p:spPr>
+              <a:xfrm rot="16200000" flipH="1">
+                <a:off x="2504329" y="3345684"/>
+                <a:ext cx="135474" cy="145593"/>
+              </a:xfrm>
+              <a:prstGeom prst="bentConnector3">
+                <a:avLst>
+                  <a:gd name="adj1" fmla="val 50000"/>
+                </a:avLst>
+              </a:prstGeom>
+              <a:ln w="12700"/>
+            </p:spPr>
+            <p:style>
+              <a:lnRef idx="1">
+                <a:schemeClr val="accent1"/>
+              </a:lnRef>
+              <a:fillRef idx="0">
+                <a:schemeClr val="accent1"/>
+              </a:fillRef>
+              <a:effectRef idx="0">
+                <a:schemeClr val="accent1"/>
+              </a:effectRef>
+              <a:fontRef idx="minor">
+                <a:schemeClr val="tx1"/>
+              </a:fontRef>
+            </p:style>
+          </p:cxnSp>
+        </p:grpSp>
+        <p:grpSp>
+          <p:nvGrpSpPr>
+            <p:cNvPr id="3" name="Group 2">
+              <a:extLst>
+                <a:ext uri="{FF2B5EF4-FFF2-40B4-BE49-F238E27FC236}">
+                  <a16:creationId xmlns:a16="http://schemas.microsoft.com/office/drawing/2014/main" id="{8333856D-7ECD-6734-D15F-BE8F58F33B7D}"/>
+                </a:ext>
+              </a:extLst>
+            </p:cNvPr>
+            <p:cNvGrpSpPr/>
+            <p:nvPr/>
+          </p:nvGrpSpPr>
+          <p:grpSpPr>
+            <a:xfrm>
+              <a:off x="2255256" y="2215072"/>
+              <a:ext cx="1206927" cy="1239428"/>
+              <a:chOff x="2255256" y="2145213"/>
+              <a:chExt cx="1206927" cy="1239428"/>
+            </a:xfrm>
+          </p:grpSpPr>
+          <p:grpSp>
+            <p:nvGrpSpPr>
+              <p:cNvPr id="401" name="Group 400">
+                <a:extLst>
+                  <a:ext uri="{FF2B5EF4-FFF2-40B4-BE49-F238E27FC236}">
+                    <a16:creationId xmlns:a16="http://schemas.microsoft.com/office/drawing/2014/main" id="{E92F1BE8-B7AE-E116-A680-C06B7F36A8AC}"/>
+                  </a:ext>
+                </a:extLst>
+              </p:cNvPr>
+              <p:cNvGrpSpPr/>
+              <p:nvPr/>
+            </p:nvGrpSpPr>
+            <p:grpSpPr>
+              <a:xfrm>
+                <a:off x="2255256" y="2145213"/>
+                <a:ext cx="1206927" cy="1239428"/>
+                <a:chOff x="8871129" y="2242880"/>
+                <a:chExt cx="1206927" cy="1239428"/>
+              </a:xfrm>
+            </p:grpSpPr>
+            <p:grpSp>
+              <p:nvGrpSpPr>
+                <p:cNvPr id="378" name="Group 377">
+                  <a:extLst>
+                    <a:ext uri="{FF2B5EF4-FFF2-40B4-BE49-F238E27FC236}">
+                      <a16:creationId xmlns:a16="http://schemas.microsoft.com/office/drawing/2014/main" id="{5EC6F38A-0346-7019-51B8-A7A062157479}"/>
+                    </a:ext>
+                  </a:extLst>
+                </p:cNvPr>
+                <p:cNvGrpSpPr/>
+                <p:nvPr/>
+              </p:nvGrpSpPr>
+              <p:grpSpPr>
+                <a:xfrm>
+                  <a:off x="8979590" y="2242880"/>
+                  <a:ext cx="872454" cy="888696"/>
+                  <a:chOff x="4495812" y="1649207"/>
+                  <a:chExt cx="882467" cy="898895"/>
+                </a:xfrm>
+              </p:grpSpPr>
+              <p:sp>
+                <p:nvSpPr>
+                  <p:cNvPr id="379" name="Cube 378">
+                    <a:extLst>
+                      <a:ext uri="{FF2B5EF4-FFF2-40B4-BE49-F238E27FC236}">
+                        <a16:creationId xmlns:a16="http://schemas.microsoft.com/office/drawing/2014/main" id="{A275FCA9-D031-57AD-1C98-674CFDAA3B1A}"/>
+                      </a:ext>
+                    </a:extLst>
+                  </p:cNvPr>
+                  <p:cNvSpPr/>
+                  <p:nvPr/>
+                </p:nvSpPr>
+                <p:spPr>
+                  <a:xfrm flipH="1">
+                    <a:off x="4496903" y="1649207"/>
+                    <a:ext cx="881376" cy="898525"/>
+                  </a:xfrm>
+                  <a:prstGeom prst="cube">
+                    <a:avLst/>
+                  </a:prstGeom>
+                  <a:solidFill>
+                    <a:schemeClr val="bg2">
+                      <a:lumMod val="50000"/>
+                    </a:schemeClr>
+                  </a:solidFill>
+                  <a:ln>
+                    <a:noFill/>
+                  </a:ln>
+                </p:spPr>
+                <p:style>
+                  <a:lnRef idx="2">
+                    <a:schemeClr val="accent1">
+                      <a:shade val="50000"/>
+                    </a:schemeClr>
+                  </a:lnRef>
+                  <a:fillRef idx="1">
+                    <a:schemeClr val="accent1"/>
+                  </a:fillRef>
+                  <a:effectRef idx="0">
+                    <a:schemeClr val="accent1"/>
+                  </a:effectRef>
+                  <a:fontRef idx="minor">
+                    <a:schemeClr val="lt1"/>
+                  </a:fontRef>
+                </p:style>
+                <p:txBody>
+                  <a:bodyPr rtlCol="0" anchor="ctr"/>
+                  <a:lstStyle/>
+                  <a:p>
+                    <a:pPr algn="ctr"/>
+                    <a:r>
+                      <a:rPr lang="en-US" sz="800"/>
+                      <a:t>`</a:t>
+                    </a:r>
+                  </a:p>
+                </p:txBody>
+              </p:sp>
+              <p:pic>
+                <p:nvPicPr>
+                  <p:cNvPr id="380" name="Picture 379">
+                    <a:extLst>
+                      <a:ext uri="{FF2B5EF4-FFF2-40B4-BE49-F238E27FC236}">
+                        <a16:creationId xmlns:a16="http://schemas.microsoft.com/office/drawing/2014/main" id="{8DA70759-34F6-691E-F6D4-095F7B0F3DB8}"/>
+                      </a:ext>
+                    </a:extLst>
+                  </p:cNvPr>
+                  <p:cNvPicPr>
+                    <a:picLocks noChangeAspect="1"/>
+                  </p:cNvPicPr>
+                  <p:nvPr/>
+                </p:nvPicPr>
+                <p:blipFill rotWithShape="1">
+                  <a:blip r:embed="rId10"/>
+                  <a:srcRect l="1480" t="2647" r="1957" b="3668"/>
+                  <a:stretch/>
+                </p:blipFill>
+                <p:spPr>
+                  <a:xfrm>
+                    <a:off x="4718655" y="1871176"/>
+                    <a:ext cx="659623" cy="676554"/>
+                  </a:xfrm>
+                  <a:prstGeom prst="rect">
+                    <a:avLst/>
+                  </a:prstGeom>
+                </p:spPr>
+              </p:pic>
+              <p:sp>
+                <p:nvSpPr>
+                  <p:cNvPr id="382" name="Rectangle 381">
+                    <a:extLst>
+                      <a:ext uri="{FF2B5EF4-FFF2-40B4-BE49-F238E27FC236}">
+                        <a16:creationId xmlns:a16="http://schemas.microsoft.com/office/drawing/2014/main" id="{E344B17E-56C8-FDD7-7A3A-A829EEFB8C26}"/>
+                      </a:ext>
+                    </a:extLst>
+                  </p:cNvPr>
+                  <p:cNvSpPr/>
+                  <p:nvPr/>
+                </p:nvSpPr>
+                <p:spPr>
+                  <a:xfrm>
+                    <a:off x="4718657" y="2031358"/>
+                    <a:ext cx="46320" cy="120928"/>
+                  </a:xfrm>
+                  <a:prstGeom prst="rect">
+                    <a:avLst/>
+                  </a:prstGeom>
+                  <a:noFill/>
+                  <a:ln>
+                    <a:solidFill>
+                      <a:srgbClr val="FF0000"/>
+                    </a:solidFill>
+                    <a:prstDash val="sysDot"/>
+                  </a:ln>
+                </p:spPr>
+                <p:style>
+                  <a:lnRef idx="2">
+                    <a:schemeClr val="accent1">
+                      <a:shade val="50000"/>
+                    </a:schemeClr>
+                  </a:lnRef>
+                  <a:fillRef idx="1">
+                    <a:schemeClr val="accent1"/>
+                  </a:fillRef>
+                  <a:effectRef idx="0">
+                    <a:schemeClr val="accent1"/>
+                  </a:effectRef>
+                  <a:fontRef idx="minor">
+                    <a:schemeClr val="lt1"/>
+                  </a:fontRef>
+                </p:style>
+                <p:txBody>
+                  <a:bodyPr rtlCol="0" anchor="ctr"/>
+                  <a:lstStyle/>
+                  <a:p>
+                    <a:pPr algn="ctr"/>
+                    <a:endParaRPr lang="en-US" sz="800"/>
+                  </a:p>
+                </p:txBody>
+              </p:sp>
+              <p:sp>
+                <p:nvSpPr>
+                  <p:cNvPr id="383" name="Freeform: Shape 382">
+                    <a:extLst>
+                      <a:ext uri="{FF2B5EF4-FFF2-40B4-BE49-F238E27FC236}">
+                        <a16:creationId xmlns:a16="http://schemas.microsoft.com/office/drawing/2014/main" id="{2FC37EE9-87FE-7BFA-4E3C-CC7435AF8036}"/>
+                      </a:ext>
+                    </a:extLst>
+                  </p:cNvPr>
+                  <p:cNvSpPr/>
+                  <p:nvPr/>
+                </p:nvSpPr>
+                <p:spPr>
+                  <a:xfrm>
+                    <a:off x="4495812" y="1938505"/>
+                    <a:ext cx="222238" cy="609597"/>
+                  </a:xfrm>
+                  <a:custGeom>
+                    <a:avLst/>
+                    <a:gdLst>
+                      <a:gd name="connsiteX0" fmla="*/ 4233 w 224366"/>
+                      <a:gd name="connsiteY0" fmla="*/ 0 h 609600"/>
+                      <a:gd name="connsiteX1" fmla="*/ 0 w 224366"/>
+                      <a:gd name="connsiteY1" fmla="*/ 389466 h 609600"/>
+                      <a:gd name="connsiteX2" fmla="*/ 224366 w 224366"/>
+                      <a:gd name="connsiteY2" fmla="*/ 609600 h 609600"/>
+                      <a:gd name="connsiteX3" fmla="*/ 220133 w 224366"/>
+                      <a:gd name="connsiteY3" fmla="*/ 103716 h 609600"/>
+                      <a:gd name="connsiteX4" fmla="*/ 4233 w 224366"/>
+                      <a:gd name="connsiteY4" fmla="*/ 0 h 609600"/>
+                    </a:gdLst>
+                    <a:ahLst/>
+                    <a:cxnLst>
+                      <a:cxn ang="0">
+                        <a:pos x="connsiteX0" y="connsiteY0"/>
+                      </a:cxn>
+                      <a:cxn ang="0">
+                        <a:pos x="connsiteX1" y="connsiteY1"/>
+                      </a:cxn>
+                      <a:cxn ang="0">
+                        <a:pos x="connsiteX2" y="connsiteY2"/>
+                      </a:cxn>
+                      <a:cxn ang="0">
+                        <a:pos x="connsiteX3" y="connsiteY3"/>
+                      </a:cxn>
+                      <a:cxn ang="0">
+                        <a:pos x="connsiteX4" y="connsiteY4"/>
+                      </a:cxn>
+                    </a:cxnLst>
+                    <a:rect l="l" t="t" r="r" b="b"/>
+                    <a:pathLst>
+                      <a:path w="224366" h="609600">
+                        <a:moveTo>
+                          <a:pt x="4233" y="0"/>
+                        </a:moveTo>
+                        <a:lnTo>
+                          <a:pt x="0" y="389466"/>
+                        </a:lnTo>
+                        <a:lnTo>
+                          <a:pt x="224366" y="609600"/>
+                        </a:lnTo>
+                        <a:lnTo>
+                          <a:pt x="220133" y="103716"/>
+                        </a:lnTo>
+                        <a:lnTo>
+                          <a:pt x="4233" y="0"/>
+                        </a:lnTo>
+                        <a:close/>
+                      </a:path>
+                    </a:pathLst>
+                  </a:custGeom>
+                  <a:gradFill flip="none" rotWithShape="1">
+                    <a:gsLst>
+                      <a:gs pos="0">
+                        <a:schemeClr val="bg2"/>
+                      </a:gs>
+                      <a:gs pos="32000">
+                        <a:srgbClr val="807D7D"/>
+                      </a:gs>
+                      <a:gs pos="100000">
+                        <a:schemeClr val="bg2">
+                          <a:lumMod val="25000"/>
+                        </a:schemeClr>
+                      </a:gs>
+                    </a:gsLst>
+                    <a:lin ang="5400000" scaled="0"/>
+                    <a:tileRect/>
+                  </a:gradFill>
+                  <a:ln>
+                    <a:noFill/>
+                  </a:ln>
+                </p:spPr>
+                <p:style>
+                  <a:lnRef idx="2">
+                    <a:schemeClr val="accent1">
+                      <a:shade val="50000"/>
+                    </a:schemeClr>
+                  </a:lnRef>
+                  <a:fillRef idx="1">
+                    <a:schemeClr val="accent1"/>
+                  </a:fillRef>
+                  <a:effectRef idx="0">
+                    <a:schemeClr val="accent1"/>
+                  </a:effectRef>
+                  <a:fontRef idx="minor">
+                    <a:schemeClr val="lt1"/>
+                  </a:fontRef>
+                </p:style>
+                <p:txBody>
+                  <a:bodyPr rtlCol="0" anchor="ctr"/>
+                  <a:lstStyle/>
+                  <a:p>
+                    <a:pPr algn="ctr"/>
+                    <a:endParaRPr lang="en-US" sz="800"/>
+                  </a:p>
+                </p:txBody>
+              </p:sp>
+              <p:sp>
+                <p:nvSpPr>
+                  <p:cNvPr id="385" name="Rectangle 384">
+                    <a:extLst>
+                      <a:ext uri="{FF2B5EF4-FFF2-40B4-BE49-F238E27FC236}">
+                        <a16:creationId xmlns:a16="http://schemas.microsoft.com/office/drawing/2014/main" id="{319F7737-DBD1-FD80-5613-97EE9CFB6F22}"/>
+                      </a:ext>
+                    </a:extLst>
+                  </p:cNvPr>
+                  <p:cNvSpPr/>
+                  <p:nvPr/>
+                </p:nvSpPr>
+                <p:spPr>
+                  <a:xfrm>
+                    <a:off x="4830594" y="2030567"/>
+                    <a:ext cx="46320" cy="120928"/>
+                  </a:xfrm>
+                  <a:prstGeom prst="rect">
+                    <a:avLst/>
+                  </a:prstGeom>
+                  <a:noFill/>
+                  <a:ln>
+                    <a:solidFill>
+                      <a:srgbClr val="FF0000"/>
+                    </a:solidFill>
+                    <a:prstDash val="sysDot"/>
+                  </a:ln>
+                </p:spPr>
+                <p:style>
+                  <a:lnRef idx="2">
+                    <a:schemeClr val="accent1">
+                      <a:shade val="50000"/>
+                    </a:schemeClr>
+                  </a:lnRef>
+                  <a:fillRef idx="1">
+                    <a:schemeClr val="accent1"/>
+                  </a:fillRef>
+                  <a:effectRef idx="0">
+                    <a:schemeClr val="accent1"/>
+                  </a:effectRef>
+                  <a:fontRef idx="minor">
+                    <a:schemeClr val="lt1"/>
+                  </a:fontRef>
+                </p:style>
+                <p:txBody>
+                  <a:bodyPr rtlCol="0" anchor="ctr"/>
+                  <a:lstStyle/>
+                  <a:p>
+                    <a:pPr algn="ctr"/>
+                    <a:endParaRPr lang="en-US" sz="800"/>
+                  </a:p>
+                </p:txBody>
+              </p:sp>
+              <p:sp>
+                <p:nvSpPr>
+                  <p:cNvPr id="386" name="Rectangle 385">
+                    <a:extLst>
+                      <a:ext uri="{FF2B5EF4-FFF2-40B4-BE49-F238E27FC236}">
+                        <a16:creationId xmlns:a16="http://schemas.microsoft.com/office/drawing/2014/main" id="{DDEBD0F2-5939-093E-C1E9-3AB252FC9795}"/>
+                      </a:ext>
+                    </a:extLst>
+                  </p:cNvPr>
+                  <p:cNvSpPr/>
+                  <p:nvPr/>
+                </p:nvSpPr>
+                <p:spPr>
+                  <a:xfrm>
+                    <a:off x="4936888" y="2009056"/>
+                    <a:ext cx="46320" cy="120928"/>
+                  </a:xfrm>
+                  <a:prstGeom prst="rect">
+                    <a:avLst/>
+                  </a:prstGeom>
+                  <a:noFill/>
+                  <a:ln>
+                    <a:solidFill>
+                      <a:srgbClr val="FF0000"/>
+                    </a:solidFill>
+                    <a:prstDash val="sysDot"/>
+                  </a:ln>
+                </p:spPr>
+                <p:style>
+                  <a:lnRef idx="2">
+                    <a:schemeClr val="accent1">
+                      <a:shade val="50000"/>
+                    </a:schemeClr>
+                  </a:lnRef>
+                  <a:fillRef idx="1">
+                    <a:schemeClr val="accent1"/>
+                  </a:fillRef>
+                  <a:effectRef idx="0">
+                    <a:schemeClr val="accent1"/>
+                  </a:effectRef>
+                  <a:fontRef idx="minor">
+                    <a:schemeClr val="lt1"/>
+                  </a:fontRef>
+                </p:style>
+                <p:txBody>
+                  <a:bodyPr rtlCol="0" anchor="ctr"/>
+                  <a:lstStyle/>
+                  <a:p>
+                    <a:pPr algn="ctr"/>
+                    <a:endParaRPr lang="en-US" sz="800" dirty="0"/>
+                  </a:p>
+                </p:txBody>
+              </p:sp>
+              <p:sp>
+                <p:nvSpPr>
+                  <p:cNvPr id="387" name="Rectangle 386">
+                    <a:extLst>
+                      <a:ext uri="{FF2B5EF4-FFF2-40B4-BE49-F238E27FC236}">
+                        <a16:creationId xmlns:a16="http://schemas.microsoft.com/office/drawing/2014/main" id="{A90E11C0-B76A-B739-F0E7-239C16B45850}"/>
+                      </a:ext>
+                    </a:extLst>
+                  </p:cNvPr>
+                  <p:cNvSpPr/>
+                  <p:nvPr/>
+                </p:nvSpPr>
+                <p:spPr>
+                  <a:xfrm>
+                    <a:off x="5042314" y="2009955"/>
+                    <a:ext cx="46320" cy="120928"/>
+                  </a:xfrm>
+                  <a:prstGeom prst="rect">
+                    <a:avLst/>
+                  </a:prstGeom>
+                  <a:noFill/>
+                  <a:ln>
+                    <a:solidFill>
+                      <a:srgbClr val="FF0000"/>
+                    </a:solidFill>
+                    <a:prstDash val="sysDot"/>
+                  </a:ln>
+                </p:spPr>
+                <p:style>
+                  <a:lnRef idx="2">
+                    <a:schemeClr val="accent1">
+                      <a:shade val="50000"/>
+                    </a:schemeClr>
+                  </a:lnRef>
+                  <a:fillRef idx="1">
+                    <a:schemeClr val="accent1"/>
+                  </a:fillRef>
+                  <a:effectRef idx="0">
+                    <a:schemeClr val="accent1"/>
+                  </a:effectRef>
+                  <a:fontRef idx="minor">
+                    <a:schemeClr val="lt1"/>
+                  </a:fontRef>
+                </p:style>
+                <p:txBody>
+                  <a:bodyPr rtlCol="0" anchor="ctr"/>
+                  <a:lstStyle/>
+                  <a:p>
+                    <a:pPr algn="ctr"/>
+                    <a:endParaRPr lang="en-US" sz="800"/>
+                  </a:p>
+                </p:txBody>
+              </p:sp>
+              <p:sp>
+                <p:nvSpPr>
+                  <p:cNvPr id="388" name="Rectangle 387">
+                    <a:extLst>
+                      <a:ext uri="{FF2B5EF4-FFF2-40B4-BE49-F238E27FC236}">
+                        <a16:creationId xmlns:a16="http://schemas.microsoft.com/office/drawing/2014/main" id="{70CBBB2E-48F4-2E32-26D6-23004C104931}"/>
+                      </a:ext>
+                    </a:extLst>
+                  </p:cNvPr>
+                  <p:cNvSpPr/>
+                  <p:nvPr/>
+                </p:nvSpPr>
+                <p:spPr>
+                  <a:xfrm>
+                    <a:off x="5141698" y="2009955"/>
+                    <a:ext cx="46320" cy="120928"/>
+                  </a:xfrm>
+                  <a:prstGeom prst="rect">
+                    <a:avLst/>
+                  </a:prstGeom>
+                  <a:noFill/>
+                  <a:ln>
+                    <a:solidFill>
+                      <a:srgbClr val="FF0000"/>
+                    </a:solidFill>
+                    <a:prstDash val="sysDot"/>
+                  </a:ln>
+                </p:spPr>
+                <p:style>
+                  <a:lnRef idx="2">
+                    <a:schemeClr val="accent1">
+                      <a:shade val="50000"/>
+                    </a:schemeClr>
+                  </a:lnRef>
+                  <a:fillRef idx="1">
+                    <a:schemeClr val="accent1"/>
+                  </a:fillRef>
+                  <a:effectRef idx="0">
+                    <a:schemeClr val="accent1"/>
+                  </a:effectRef>
+                  <a:fontRef idx="minor">
+                    <a:schemeClr val="lt1"/>
+                  </a:fontRef>
+                </p:style>
+                <p:txBody>
+                  <a:bodyPr rtlCol="0" anchor="ctr"/>
+                  <a:lstStyle/>
+                  <a:p>
+                    <a:pPr algn="ctr"/>
+                    <a:endParaRPr lang="en-US" sz="800"/>
+                  </a:p>
+                </p:txBody>
+              </p:sp>
+              <p:sp>
+                <p:nvSpPr>
+                  <p:cNvPr id="389" name="Rectangle 388">
+                    <a:extLst>
+                      <a:ext uri="{FF2B5EF4-FFF2-40B4-BE49-F238E27FC236}">
+                        <a16:creationId xmlns:a16="http://schemas.microsoft.com/office/drawing/2014/main" id="{F1F718CC-C24D-6607-CBD9-7C363AA89F6D}"/>
+                      </a:ext>
+                    </a:extLst>
+                  </p:cNvPr>
+                  <p:cNvSpPr/>
+                  <p:nvPr/>
+                </p:nvSpPr>
+                <p:spPr>
+                  <a:xfrm>
+                    <a:off x="5236828" y="2009955"/>
+                    <a:ext cx="46320" cy="120928"/>
+                  </a:xfrm>
+                  <a:prstGeom prst="rect">
+                    <a:avLst/>
+                  </a:prstGeom>
+                  <a:noFill/>
+                  <a:ln>
+                    <a:solidFill>
+                      <a:srgbClr val="FF0000"/>
+                    </a:solidFill>
+                    <a:prstDash val="sysDot"/>
+                  </a:ln>
+                </p:spPr>
+                <p:style>
+                  <a:lnRef idx="2">
+                    <a:schemeClr val="accent1">
+                      <a:shade val="50000"/>
+                    </a:schemeClr>
+                  </a:lnRef>
+                  <a:fillRef idx="1">
+                    <a:schemeClr val="accent1"/>
+                  </a:fillRef>
+                  <a:effectRef idx="0">
+                    <a:schemeClr val="accent1"/>
+                  </a:effectRef>
+                  <a:fontRef idx="minor">
+                    <a:schemeClr val="lt1"/>
+                  </a:fontRef>
+                </p:style>
+                <p:txBody>
+                  <a:bodyPr rtlCol="0" anchor="ctr"/>
+                  <a:lstStyle/>
+                  <a:p>
+                    <a:pPr algn="ctr"/>
+                    <a:endParaRPr lang="en-US" sz="800"/>
+                  </a:p>
+                </p:txBody>
+              </p:sp>
+              <p:sp>
+                <p:nvSpPr>
+                  <p:cNvPr id="390" name="Rectangle 389">
+                    <a:extLst>
+                      <a:ext uri="{FF2B5EF4-FFF2-40B4-BE49-F238E27FC236}">
+                        <a16:creationId xmlns:a16="http://schemas.microsoft.com/office/drawing/2014/main" id="{D9357E90-A4B8-0395-FDFF-32433895CBB3}"/>
+                      </a:ext>
+                    </a:extLst>
+                  </p:cNvPr>
+                  <p:cNvSpPr/>
+                  <p:nvPr/>
+                </p:nvSpPr>
+                <p:spPr>
+                  <a:xfrm>
+                    <a:off x="5330632" y="2012991"/>
+                    <a:ext cx="46320" cy="120928"/>
+                  </a:xfrm>
+                  <a:prstGeom prst="rect">
+                    <a:avLst/>
+                  </a:prstGeom>
+                  <a:noFill/>
+                  <a:ln>
+                    <a:solidFill>
+                      <a:srgbClr val="FF0000"/>
+                    </a:solidFill>
+                    <a:prstDash val="sysDot"/>
+                  </a:ln>
+                </p:spPr>
+                <p:style>
+                  <a:lnRef idx="2">
+                    <a:schemeClr val="accent1">
+                      <a:shade val="50000"/>
+                    </a:schemeClr>
+                  </a:lnRef>
+                  <a:fillRef idx="1">
+                    <a:schemeClr val="accent1"/>
+                  </a:fillRef>
+                  <a:effectRef idx="0">
+                    <a:schemeClr val="accent1"/>
+                  </a:effectRef>
+                  <a:fontRef idx="minor">
+                    <a:schemeClr val="lt1"/>
+                  </a:fontRef>
+                </p:style>
+                <p:txBody>
+                  <a:bodyPr rtlCol="0" anchor="ctr"/>
+                  <a:lstStyle/>
+                  <a:p>
+                    <a:pPr algn="ctr"/>
+                    <a:endParaRPr lang="en-US" sz="800"/>
+                  </a:p>
+                </p:txBody>
+              </p:sp>
+            </p:grpSp>
+            <p:sp>
+              <p:nvSpPr>
+                <p:cNvPr id="391" name="TextBox 390">
+                  <a:extLst>
+                    <a:ext uri="{FF2B5EF4-FFF2-40B4-BE49-F238E27FC236}">
+                      <a16:creationId xmlns:a16="http://schemas.microsoft.com/office/drawing/2014/main" id="{247326ED-3D70-4EC1-F7B8-1AEAE8A2BD3F}"/>
+                    </a:ext>
+                  </a:extLst>
+                </p:cNvPr>
+                <p:cNvSpPr txBox="1"/>
+                <p:nvPr/>
+              </p:nvSpPr>
+              <p:spPr>
+                <a:xfrm>
+                  <a:off x="9134481" y="3107434"/>
+                  <a:ext cx="807492" cy="215444"/>
+                </a:xfrm>
+                <a:prstGeom prst="rect">
+                  <a:avLst/>
+                </a:prstGeom>
+                <a:noFill/>
+              </p:spPr>
+              <p:txBody>
+                <a:bodyPr wrap="square" rtlCol="0">
+                  <a:spAutoFit/>
+                </a:bodyPr>
+                <a:lstStyle/>
+                <a:p>
+                  <a:pPr algn="ctr"/>
+                  <a:r>
+                    <a:rPr lang="en-US" sz="800" b="1" dirty="0"/>
+                    <a:t>2,048 A-lines</a:t>
+                  </a:r>
+                </a:p>
+              </p:txBody>
+            </p:sp>
+            <p:sp>
+              <p:nvSpPr>
+                <p:cNvPr id="392" name="TextBox 391">
+                  <a:extLst>
+                    <a:ext uri="{FF2B5EF4-FFF2-40B4-BE49-F238E27FC236}">
+                      <a16:creationId xmlns:a16="http://schemas.microsoft.com/office/drawing/2014/main" id="{A7FC3ADB-87D5-39FD-4C9E-C34E4E12ED25}"/>
+                    </a:ext>
+                  </a:extLst>
+                </p:cNvPr>
+                <p:cNvSpPr txBox="1"/>
+                <p:nvPr/>
+              </p:nvSpPr>
+              <p:spPr>
+                <a:xfrm rot="2700000">
+                  <a:off x="8573184" y="2968920"/>
+                  <a:ext cx="811333" cy="215444"/>
+                </a:xfrm>
+                <a:prstGeom prst="rect">
+                  <a:avLst/>
+                </a:prstGeom>
+                <a:noFill/>
+              </p:spPr>
+              <p:txBody>
+                <a:bodyPr wrap="square" rtlCol="0">
+                  <a:spAutoFit/>
+                </a:bodyPr>
+                <a:lstStyle/>
+                <a:p>
+                  <a:pPr algn="ctr"/>
+                  <a:r>
+                    <a:rPr lang="en-US" sz="800" b="1" dirty="0"/>
+                    <a:t>256 Frames</a:t>
+                  </a:r>
+                </a:p>
+              </p:txBody>
+            </p:sp>
+            <p:sp>
+              <p:nvSpPr>
+                <p:cNvPr id="393" name="TextBox 392">
+                  <a:extLst>
+                    <a:ext uri="{FF2B5EF4-FFF2-40B4-BE49-F238E27FC236}">
+                      <a16:creationId xmlns:a16="http://schemas.microsoft.com/office/drawing/2014/main" id="{C4938310-62B0-F1D1-6C9D-2EF8179D5236}"/>
+                    </a:ext>
+                  </a:extLst>
+                </p:cNvPr>
+                <p:cNvSpPr txBox="1"/>
+                <p:nvPr/>
+              </p:nvSpPr>
+              <p:spPr>
+                <a:xfrm rot="16200000">
+                  <a:off x="9504019" y="2700533"/>
+                  <a:ext cx="932630" cy="215444"/>
+                </a:xfrm>
+                <a:prstGeom prst="rect">
+                  <a:avLst/>
+                </a:prstGeom>
+                <a:noFill/>
+              </p:spPr>
+              <p:txBody>
+                <a:bodyPr wrap="square" rtlCol="0">
+                  <a:spAutoFit/>
+                </a:bodyPr>
+                <a:lstStyle/>
+                <a:p>
+                  <a:pPr algn="ctr"/>
+                  <a:r>
+                    <a:rPr lang="en-US" sz="800" b="1" dirty="0"/>
+                    <a:t>2,048 Pixels</a:t>
+                  </a:r>
+                </a:p>
+              </p:txBody>
+            </p:sp>
+            <p:sp>
+              <p:nvSpPr>
+                <p:cNvPr id="394" name="TextBox 393">
+                  <a:extLst>
+                    <a:ext uri="{FF2B5EF4-FFF2-40B4-BE49-F238E27FC236}">
+                      <a16:creationId xmlns:a16="http://schemas.microsoft.com/office/drawing/2014/main" id="{8C278CE4-4171-095E-5728-80CCC458DBA4}"/>
+                    </a:ext>
+                  </a:extLst>
+                </p:cNvPr>
+                <p:cNvSpPr txBox="1"/>
+                <p:nvPr/>
+              </p:nvSpPr>
+              <p:spPr>
+                <a:xfrm>
+                  <a:off x="9271397" y="2703270"/>
+                  <a:ext cx="129275" cy="215444"/>
+                </a:xfrm>
+                <a:prstGeom prst="rect">
+                  <a:avLst/>
+                </a:prstGeom>
+                <a:noFill/>
+              </p:spPr>
+              <p:txBody>
+                <a:bodyPr wrap="square" rtlCol="0">
+                  <a:spAutoFit/>
+                </a:bodyPr>
+                <a:lstStyle/>
+                <a:p>
+                  <a:pPr algn="ctr"/>
+                  <a:r>
+                    <a:rPr lang="en-US" sz="800" b="1" dirty="0">
+                      <a:solidFill>
+                        <a:srgbClr val="FF0000"/>
+                      </a:solidFill>
+                    </a:rPr>
+                    <a:t>*</a:t>
+                  </a:r>
+                  <a:endParaRPr lang="en-US" sz="800" dirty="0">
+                    <a:solidFill>
+                      <a:srgbClr val="FF0000"/>
+                    </a:solidFill>
+                  </a:endParaRPr>
+                </a:p>
+              </p:txBody>
+            </p:sp>
+          </p:grpSp>
+          <p:sp>
+            <p:nvSpPr>
+              <p:cNvPr id="404" name="TextBox 403">
+                <a:extLst>
+                  <a:ext uri="{FF2B5EF4-FFF2-40B4-BE49-F238E27FC236}">
+                    <a16:creationId xmlns:a16="http://schemas.microsoft.com/office/drawing/2014/main" id="{9A1B36EC-1A52-E8C4-8778-A8BFF9A79256}"/>
+                  </a:ext>
+                </a:extLst>
+              </p:cNvPr>
+              <p:cNvSpPr txBox="1"/>
+              <p:nvPr/>
+            </p:nvSpPr>
+            <p:spPr>
+              <a:xfrm>
+                <a:off x="2368324" y="2145484"/>
+                <a:ext cx="871375" cy="215444"/>
+              </a:xfrm>
+              <a:prstGeom prst="rect">
+                <a:avLst/>
+              </a:prstGeom>
+              <a:noFill/>
+            </p:spPr>
+            <p:txBody>
+              <a:bodyPr wrap="square" rtlCol="0">
+                <a:spAutoFit/>
+              </a:bodyPr>
+              <a:lstStyle/>
+              <a:p>
+                <a:pPr algn="ctr"/>
+                <a:r>
+                  <a:rPr lang="en-US" sz="800" b="1" dirty="0"/>
+                  <a:t>OCT Sample</a:t>
+                </a:r>
+              </a:p>
+            </p:txBody>
+          </p:sp>
+        </p:grpSp>
+        <p:sp>
+          <p:nvSpPr>
+            <p:cNvPr id="405" name="TextBox 404">
+              <a:extLst>
+                <a:ext uri="{FF2B5EF4-FFF2-40B4-BE49-F238E27FC236}">
+                  <a16:creationId xmlns:a16="http://schemas.microsoft.com/office/drawing/2014/main" id="{01B56A24-28C9-25A4-D021-F14386817B28}"/>
+                </a:ext>
+              </a:extLst>
+            </p:cNvPr>
+            <p:cNvSpPr txBox="1"/>
+            <p:nvPr/>
+          </p:nvSpPr>
+          <p:spPr>
+            <a:xfrm>
+              <a:off x="4146911" y="523586"/>
+              <a:ext cx="129275" cy="215444"/>
+            </a:xfrm>
+            <a:prstGeom prst="rect">
+              <a:avLst/>
+            </a:prstGeom>
+            <a:noFill/>
+          </p:spPr>
+          <p:txBody>
+            <a:bodyPr wrap="square" rtlCol="0">
+              <a:spAutoFit/>
+            </a:bodyPr>
+            <a:lstStyle/>
+            <a:p>
+              <a:pPr algn="ctr"/>
+              <a:r>
+                <a:rPr lang="en-US" sz="800" b="1" dirty="0">
+                  <a:solidFill>
+                    <a:srgbClr val="FF0000"/>
+                  </a:solidFill>
+                </a:rPr>
+                <a:t>*</a:t>
+              </a:r>
+              <a:endParaRPr lang="en-US" sz="800" dirty="0">
+                <a:solidFill>
+                  <a:srgbClr val="FF0000"/>
+                </a:solidFill>
+              </a:endParaRPr>
+            </a:p>
+          </p:txBody>
+        </p:sp>
+        <p:sp>
+          <p:nvSpPr>
+            <p:cNvPr id="419" name="TextBox 418">
+              <a:extLst>
+                <a:ext uri="{FF2B5EF4-FFF2-40B4-BE49-F238E27FC236}">
+                  <a16:creationId xmlns:a16="http://schemas.microsoft.com/office/drawing/2014/main" id="{1F7A742B-8EEE-610E-D476-22349B9E6282}"/>
+                </a:ext>
+              </a:extLst>
+            </p:cNvPr>
+            <p:cNvSpPr txBox="1"/>
+            <p:nvPr/>
+          </p:nvSpPr>
+          <p:spPr>
+            <a:xfrm>
+              <a:off x="388564" y="301582"/>
+              <a:ext cx="215444" cy="246221"/>
+            </a:xfrm>
+            <a:prstGeom prst="rect">
+              <a:avLst/>
+            </a:prstGeom>
+            <a:noFill/>
+          </p:spPr>
+          <p:txBody>
+            <a:bodyPr wrap="square" rtlCol="0">
+              <a:spAutoFit/>
+            </a:bodyPr>
+            <a:lstStyle/>
+            <a:p>
+              <a:pPr algn="ctr"/>
+              <a:r>
+                <a:rPr lang="en-US" sz="1000" b="1" dirty="0"/>
+                <a:t>A</a:t>
+              </a:r>
+              <a:endParaRPr lang="en-US" sz="800" b="1" dirty="0"/>
+            </a:p>
+          </p:txBody>
+        </p:sp>
+        <p:sp>
+          <p:nvSpPr>
+            <p:cNvPr id="420" name="TextBox 419">
+              <a:extLst>
+                <a:ext uri="{FF2B5EF4-FFF2-40B4-BE49-F238E27FC236}">
+                  <a16:creationId xmlns:a16="http://schemas.microsoft.com/office/drawing/2014/main" id="{01190C70-7CA7-8E06-3D89-92566D269C2E}"/>
+                </a:ext>
+              </a:extLst>
+            </p:cNvPr>
+            <p:cNvSpPr txBox="1"/>
+            <p:nvPr/>
+          </p:nvSpPr>
+          <p:spPr>
+            <a:xfrm>
+              <a:off x="3510362" y="301582"/>
+              <a:ext cx="215444" cy="246221"/>
+            </a:xfrm>
+            <a:prstGeom prst="rect">
+              <a:avLst/>
+            </a:prstGeom>
+            <a:noFill/>
+          </p:spPr>
+          <p:txBody>
+            <a:bodyPr wrap="square" rtlCol="0">
+              <a:spAutoFit/>
+            </a:bodyPr>
+            <a:lstStyle/>
+            <a:p>
+              <a:pPr algn="ctr"/>
+              <a:r>
+                <a:rPr lang="en-US" sz="1000" b="1" dirty="0"/>
+                <a:t>B</a:t>
+              </a:r>
+              <a:endParaRPr lang="en-US" sz="800" b="1" dirty="0"/>
+            </a:p>
+          </p:txBody>
+        </p:sp>
+        <p:sp>
+          <p:nvSpPr>
+            <p:cNvPr id="19" name="TextBox 18">
+              <a:extLst>
+                <a:ext uri="{FF2B5EF4-FFF2-40B4-BE49-F238E27FC236}">
+                  <a16:creationId xmlns:a16="http://schemas.microsoft.com/office/drawing/2014/main" id="{6D5AFC49-B135-7DEB-03A2-1C95B0C4F562}"/>
+                </a:ext>
+              </a:extLst>
+            </p:cNvPr>
+            <p:cNvSpPr txBox="1"/>
+            <p:nvPr/>
+          </p:nvSpPr>
+          <p:spPr>
+            <a:xfrm rot="16200000">
+              <a:off x="279003" y="2528654"/>
+              <a:ext cx="607859" cy="215444"/>
+            </a:xfrm>
+            <a:prstGeom prst="rect">
+              <a:avLst/>
+            </a:prstGeom>
+            <a:noFill/>
+          </p:spPr>
+          <p:txBody>
+            <a:bodyPr wrap="none" rtlCol="0">
+              <a:spAutoFit/>
+            </a:bodyPr>
+            <a:lstStyle/>
+            <a:p>
+              <a:r>
+                <a:rPr lang="en-US" sz="800" b="1" dirty="0">
+                  <a:solidFill>
+                    <a:schemeClr val="accent1"/>
+                  </a:solidFill>
+                  <a:cs typeface="Arial" panose="020B0604020202020204" pitchFamily="34" charset="0"/>
+                </a:rPr>
+                <a:t># samples</a:t>
+              </a:r>
+            </a:p>
+          </p:txBody>
+        </p:sp>
+      </p:grpSp>
       <p:sp>
         <p:nvSpPr>
           <p:cNvPr id="20" name="TextBox 19">
